--- a/1st_week/Seminar_1st_week_1.2(backbone+).pptx
+++ b/1st_week/Seminar_1st_week_1.2(backbone+).pptx
@@ -5,17 +5,16 @@
     <p:sldMasterId id="2147483648" r:id="rId1"/>
   </p:sldMasterIdLst>
   <p:notesMasterIdLst>
-    <p:notesMasterId r:id="rId10"/>
+    <p:notesMasterId r:id="rId9"/>
   </p:notesMasterIdLst>
   <p:sldIdLst>
     <p:sldId id="256" r:id="rId2"/>
     <p:sldId id="271" r:id="rId3"/>
     <p:sldId id="273" r:id="rId4"/>
     <p:sldId id="272" r:id="rId5"/>
-    <p:sldId id="274" r:id="rId6"/>
+    <p:sldId id="276" r:id="rId6"/>
     <p:sldId id="275" r:id="rId7"/>
-    <p:sldId id="265" r:id="rId8"/>
-    <p:sldId id="267" r:id="rId9"/>
+    <p:sldId id="267" r:id="rId8"/>
   </p:sldIdLst>
   <p:sldSz cx="12192000" cy="6858000"/>
   <p:notesSz cx="6858000" cy="9144000"/>
@@ -546,6 +545,90 @@
     <p:extLst>
       <p:ext uri="{BB962C8B-B14F-4D97-AF65-F5344CB8AC3E}">
         <p14:creationId xmlns:p14="http://schemas.microsoft.com/office/powerpoint/2010/main" val="44390312"/>
+      </p:ext>
+    </p:extLst>
+  </p:cSld>
+  <p:clrMapOvr>
+    <a:masterClrMapping/>
+  </p:clrMapOvr>
+</p:notes>
+</file>
+
+<file path=ppt/notesSlides/notesSlide2.xml><?xml version="1.0" encoding="utf-8"?>
+<p:notes xmlns:a="http://schemas.openxmlformats.org/drawingml/2006/main" xmlns:r="http://schemas.openxmlformats.org/officeDocument/2006/relationships" xmlns:p="http://schemas.openxmlformats.org/presentationml/2006/main">
+  <p:cSld>
+    <p:spTree>
+      <p:nvGrpSpPr>
+        <p:cNvPr id="1" name=""/>
+        <p:cNvGrpSpPr/>
+        <p:nvPr/>
+      </p:nvGrpSpPr>
+      <p:grpSpPr>
+        <a:xfrm>
+          <a:off x="0" y="0"/>
+          <a:ext cx="0" cy="0"/>
+          <a:chOff x="0" y="0"/>
+          <a:chExt cx="0" cy="0"/>
+        </a:xfrm>
+      </p:grpSpPr>
+      <p:sp>
+        <p:nvSpPr>
+          <p:cNvPr id="2" name="슬라이드 이미지 개체 틀 1"/>
+          <p:cNvSpPr>
+            <a:spLocks noGrp="1" noRot="1" noChangeAspect="1"/>
+          </p:cNvSpPr>
+          <p:nvPr>
+            <p:ph type="sldImg"/>
+          </p:nvPr>
+        </p:nvSpPr>
+        <p:spPr/>
+      </p:sp>
+      <p:sp>
+        <p:nvSpPr>
+          <p:cNvPr id="3" name="슬라이드 노트 개체 틀 2"/>
+          <p:cNvSpPr>
+            <a:spLocks noGrp="1"/>
+          </p:cNvSpPr>
+          <p:nvPr>
+            <p:ph type="body" idx="1"/>
+          </p:nvPr>
+        </p:nvSpPr>
+        <p:spPr/>
+        <p:txBody>
+          <a:bodyPr/>
+          <a:lstStyle/>
+          <a:p>
+            <a:endParaRPr lang="ko-KR" altLang="en-US" dirty="0"/>
+          </a:p>
+        </p:txBody>
+      </p:sp>
+      <p:sp>
+        <p:nvSpPr>
+          <p:cNvPr id="4" name="슬라이드 번호 개체 틀 3"/>
+          <p:cNvSpPr>
+            <a:spLocks noGrp="1"/>
+          </p:cNvSpPr>
+          <p:nvPr>
+            <p:ph type="sldNum" sz="quarter" idx="5"/>
+          </p:nvPr>
+        </p:nvSpPr>
+        <p:spPr/>
+        <p:txBody>
+          <a:bodyPr/>
+          <a:lstStyle/>
+          <a:p>
+            <a:fld id="{EED9025E-C61C-4919-BB11-EAB2913BB600}" type="slidenum">
+              <a:rPr lang="ko-KR" altLang="en-US" smtClean="0"/>
+              <a:t>3</a:t>
+            </a:fld>
+            <a:endParaRPr lang="ko-KR" altLang="en-US"/>
+          </a:p>
+        </p:txBody>
+      </p:sp>
+    </p:spTree>
+    <p:extLst>
+      <p:ext uri="{BB962C8B-B14F-4D97-AF65-F5344CB8AC3E}">
+        <p14:creationId xmlns:p14="http://schemas.microsoft.com/office/powerpoint/2010/main" val="3492240326"/>
       </p:ext>
     </p:extLst>
   </p:cSld>
@@ -4223,159 +4306,6 @@
           </a:p>
         </p:txBody>
       </p:sp>
-      <p:sp>
-        <p:nvSpPr>
-          <p:cNvPr id="10" name="직사각형 9">
-            <a:extLst>
-              <a:ext uri="{FF2B5EF4-FFF2-40B4-BE49-F238E27FC236}">
-                <a16:creationId xmlns:a16="http://schemas.microsoft.com/office/drawing/2014/main" id="{A937D540-4C41-47A5-9760-B410FABFA4A9}"/>
-              </a:ext>
-            </a:extLst>
-          </p:cNvPr>
-          <p:cNvSpPr/>
-          <p:nvPr/>
-        </p:nvSpPr>
-        <p:spPr>
-          <a:xfrm>
-            <a:off x="5191691" y="1672854"/>
-            <a:ext cx="6096000" cy="1477328"/>
-          </a:xfrm>
-          <a:prstGeom prst="rect">
-            <a:avLst/>
-          </a:prstGeom>
-        </p:spPr>
-        <p:txBody>
-          <a:bodyPr>
-            <a:spAutoFit/>
-          </a:bodyPr>
-          <a:lstStyle/>
-          <a:p>
-            <a:r>
-              <a:rPr lang="ko-KR" altLang="en-US" dirty="0"/>
-              <a:t>- </a:t>
-            </a:r>
-            <a:r>
-              <a:rPr lang="ko-KR" altLang="en-US" dirty="0" err="1"/>
-              <a:t>Bckbone</a:t>
-            </a:r>
-            <a:r>
-              <a:rPr lang="ko-KR" altLang="en-US" dirty="0"/>
-              <a:t> : </a:t>
-            </a:r>
-            <a:r>
-              <a:rPr lang="ko-KR" altLang="en-US" dirty="0" err="1"/>
-              <a:t>change</a:t>
-            </a:r>
-            <a:r>
-              <a:rPr lang="ko-KR" altLang="en-US" dirty="0"/>
-              <a:t> </a:t>
-            </a:r>
-            <a:r>
-              <a:rPr lang="ko-KR" altLang="en-US" dirty="0" err="1"/>
-              <a:t>to</a:t>
-            </a:r>
-            <a:r>
-              <a:rPr lang="ko-KR" altLang="en-US" dirty="0"/>
-              <a:t> Resnet50</a:t>
-            </a:r>
-          </a:p>
-          <a:p>
-            <a:r>
-              <a:rPr lang="ko-KR" altLang="en-US" dirty="0"/>
-              <a:t>   - </a:t>
-            </a:r>
-            <a:r>
-              <a:rPr lang="ko-KR" altLang="en-US" dirty="0" err="1"/>
-              <a:t>Loss가</a:t>
-            </a:r>
-            <a:r>
-              <a:rPr lang="ko-KR" altLang="en-US" dirty="0"/>
-              <a:t> 코드에서 실제 어떻게 구현됐고 </a:t>
-            </a:r>
-            <a:r>
-              <a:rPr lang="ko-KR" altLang="en-US" dirty="0" err="1"/>
-              <a:t>어떻게쓰이는지</a:t>
-            </a:r>
-            <a:r>
-              <a:rPr lang="ko-KR" altLang="en-US" dirty="0"/>
-              <a:t>,</a:t>
-            </a:r>
-          </a:p>
-          <a:p>
-            <a:r>
-              <a:rPr lang="ko-KR" altLang="en-US" dirty="0"/>
-              <a:t>     </a:t>
-            </a:r>
-            <a:r>
-              <a:rPr lang="ko-KR" altLang="en-US" dirty="0" err="1"/>
-              <a:t>Cross_entropy</a:t>
-            </a:r>
-            <a:r>
-              <a:rPr lang="ko-KR" altLang="en-US" dirty="0"/>
-              <a:t>, Smooth_L1 실제 </a:t>
-            </a:r>
-            <a:r>
-              <a:rPr lang="ko-KR" altLang="en-US" dirty="0" err="1"/>
-              <a:t>파라미터값</a:t>
-            </a:r>
-            <a:r>
-              <a:rPr lang="ko-KR" altLang="en-US" dirty="0"/>
-              <a:t>(</a:t>
-            </a:r>
-            <a:r>
-              <a:rPr lang="ko-KR" altLang="en-US" dirty="0" err="1"/>
-              <a:t>pi</a:t>
-            </a:r>
-            <a:r>
-              <a:rPr lang="ko-KR" altLang="en-US" dirty="0"/>
-              <a:t>, </a:t>
-            </a:r>
-            <a:r>
-              <a:rPr lang="ko-KR" altLang="en-US" dirty="0" err="1"/>
-              <a:t>p</a:t>
-            </a:r>
-            <a:r>
-              <a:rPr lang="ko-KR" altLang="en-US" dirty="0"/>
-              <a:t>*</a:t>
-            </a:r>
-            <a:r>
-              <a:rPr lang="ko-KR" altLang="en-US" dirty="0" err="1"/>
-              <a:t>i</a:t>
-            </a:r>
-            <a:r>
-              <a:rPr lang="ko-KR" altLang="en-US" dirty="0"/>
-              <a:t>), (</a:t>
-            </a:r>
-            <a:r>
-              <a:rPr lang="ko-KR" altLang="en-US" dirty="0" err="1"/>
-              <a:t>ti,t`i</a:t>
-            </a:r>
-            <a:r>
-              <a:rPr lang="ko-KR" altLang="en-US" dirty="0"/>
-              <a:t>) 설명</a:t>
-            </a:r>
-          </a:p>
-          <a:p>
-            <a:r>
-              <a:rPr lang="ko-KR" altLang="en-US" dirty="0"/>
-              <a:t>   - </a:t>
-            </a:r>
-            <a:r>
-              <a:rPr lang="ko-KR" altLang="en-US" dirty="0" err="1"/>
-              <a:t>Loss수렴</a:t>
-            </a:r>
-            <a:r>
-              <a:rPr lang="ko-KR" altLang="en-US" dirty="0"/>
-              <a:t> </a:t>
-            </a:r>
-            <a:r>
-              <a:rPr lang="ko-KR" altLang="en-US" dirty="0" err="1"/>
-              <a:t>smooth하게</a:t>
-            </a:r>
-            <a:endParaRPr lang="ko-KR" altLang="en-US" dirty="0"/>
-          </a:p>
-        </p:txBody>
-      </p:sp>
     </p:spTree>
     <p:extLst>
       <p:ext uri="{BB962C8B-B14F-4D97-AF65-F5344CB8AC3E}">
@@ -4502,7 +4432,7 @@
                 <a:latin typeface="HY헤드라인M" panose="02030600000101010101" pitchFamily="18" charset="-127"/>
                 <a:ea typeface="HY헤드라인M" panose="02030600000101010101" pitchFamily="18" charset="-127"/>
               </a:rPr>
-              <a:t>1/8</a:t>
+              <a:t>1/6</a:t>
             </a:r>
             <a:endParaRPr lang="ko-KR" altLang="en-US" sz="1400" dirty="0">
               <a:latin typeface="HY헤드라인M" panose="02030600000101010101" pitchFamily="18" charset="-127"/>
@@ -4525,7 +4455,7 @@
         </p:nvSpPr>
         <p:spPr>
           <a:xfrm>
-            <a:off x="7863762" y="431076"/>
+            <a:off x="7863762" y="395564"/>
             <a:ext cx="355960" cy="136322"/>
           </a:xfrm>
           <a:prstGeom prst="rightArrow">
@@ -4633,7 +4563,7 @@
         <p:spPr>
           <a:xfrm>
             <a:off x="-1" y="-2493566"/>
-            <a:ext cx="10515600" cy="2326192"/>
+            <a:ext cx="2857501" cy="893366"/>
           </a:xfrm>
           <a:prstGeom prst="rect">
             <a:avLst/>
@@ -5402,73 +5332,36 @@
           <a:chExt cx="0" cy="0"/>
         </a:xfrm>
       </p:grpSpPr>
-      <p:sp>
-        <p:nvSpPr>
-          <p:cNvPr id="9" name="TextBox 8">
-            <a:extLst>
-              <a:ext uri="{FF2B5EF4-FFF2-40B4-BE49-F238E27FC236}">
-                <a16:creationId xmlns:a16="http://schemas.microsoft.com/office/drawing/2014/main" id="{C009E09A-A4DC-4705-B2CA-CC9EAE6B17AA}"/>
-              </a:ext>
-            </a:extLst>
-          </p:cNvPr>
-          <p:cNvSpPr txBox="1"/>
+      <p:pic>
+        <p:nvPicPr>
+          <p:cNvPr id="5" name="그림 4">
+            <a:extLst>
+              <a:ext uri="{FF2B5EF4-FFF2-40B4-BE49-F238E27FC236}">
+                <a16:creationId xmlns:a16="http://schemas.microsoft.com/office/drawing/2014/main" id="{726F04B2-2C03-4648-A159-F6557B925524}"/>
+              </a:ext>
+            </a:extLst>
+          </p:cNvPr>
+          <p:cNvPicPr>
+            <a:picLocks noChangeAspect="1"/>
+          </p:cNvPicPr>
           <p:nvPr/>
-        </p:nvSpPr>
+        </p:nvPicPr>
+        <p:blipFill>
+          <a:blip r:embed="rId3"/>
+          <a:stretch>
+            <a:fillRect/>
+          </a:stretch>
+        </p:blipFill>
         <p:spPr>
           <a:xfrm>
-            <a:off x="116932" y="90676"/>
-            <a:ext cx="11846467" cy="646331"/>
+            <a:off x="367277" y="1067718"/>
+            <a:ext cx="5424298" cy="4089615"/>
           </a:xfrm>
           <a:prstGeom prst="rect">
             <a:avLst/>
           </a:prstGeom>
-          <a:noFill/>
         </p:spPr>
-        <p:txBody>
-          <a:bodyPr wrap="square" rtlCol="0">
-            <a:spAutoFit/>
-          </a:bodyPr>
-          <a:lstStyle/>
-          <a:p>
-            <a:r>
-              <a:rPr kumimoji="1" lang="en-US" altLang="ko-Kore-KR" sz="3600" b="1" dirty="0">
-                <a:solidFill>
-                  <a:schemeClr val="accent1">
-                    <a:lumMod val="75000"/>
-                  </a:schemeClr>
-                </a:solidFill>
-                <a:latin typeface="Arial Black" panose="020B0604020202020204" pitchFamily="34" charset="0"/>
-                <a:ea typeface="NanumSquareOTF ExtraBold" panose="020B0600000101010101" pitchFamily="34" charset="-127"/>
-                <a:cs typeface="Arial Black" panose="020B0604020202020204" pitchFamily="34" charset="0"/>
-              </a:rPr>
-              <a:t>Training with Resnet50 : </a:t>
-            </a:r>
-            <a:r>
-              <a:rPr kumimoji="1" lang="en-US" altLang="ko-Kore-KR" sz="3600" b="1" dirty="0" err="1">
-                <a:solidFill>
-                  <a:schemeClr val="accent1">
-                    <a:lumMod val="75000"/>
-                  </a:schemeClr>
-                </a:solidFill>
-                <a:latin typeface="Arial Black" panose="020B0604020202020204" pitchFamily="34" charset="0"/>
-                <a:ea typeface="NanumSquareOTF ExtraBold" panose="020B0600000101010101" pitchFamily="34" charset="-127"/>
-                <a:cs typeface="Arial Black" panose="020B0604020202020204" pitchFamily="34" charset="0"/>
-              </a:rPr>
-              <a:t>Hyper_parameters</a:t>
-            </a:r>
-            <a:endParaRPr kumimoji="1" lang="en-US" altLang="ko-Kore-KR" sz="3600" b="1" dirty="0">
-              <a:solidFill>
-                <a:schemeClr val="accent1">
-                  <a:lumMod val="75000"/>
-                </a:schemeClr>
-              </a:solidFill>
-              <a:latin typeface="Arial Black" panose="020B0604020202020204" pitchFamily="34" charset="0"/>
-              <a:ea typeface="NanumSquareOTF ExtraBold" panose="020B0600000101010101" pitchFamily="34" charset="-127"/>
-              <a:cs typeface="Arial Black" panose="020B0604020202020204" pitchFamily="34" charset="0"/>
-            </a:endParaRPr>
-          </a:p>
-        </p:txBody>
-      </p:sp>
+      </p:pic>
       <p:sp>
         <p:nvSpPr>
           <p:cNvPr id="144" name="제목 1">
@@ -5521,7 +5414,7 @@
                 <a:latin typeface="HY헤드라인M" panose="02030600000101010101" pitchFamily="18" charset="-127"/>
                 <a:ea typeface="HY헤드라인M" panose="02030600000101010101" pitchFamily="18" charset="-127"/>
               </a:rPr>
-              <a:t>1/8</a:t>
+              <a:t>2/6</a:t>
             </a:r>
             <a:endParaRPr lang="ko-KR" altLang="en-US" sz="1400" dirty="0">
               <a:latin typeface="HY헤드라인M" panose="02030600000101010101" pitchFamily="18" charset="-127"/>
@@ -5545,7 +5438,7 @@
           <p:nvPr/>
         </p:nvPicPr>
         <p:blipFill>
-          <a:blip r:embed="rId2"/>
+          <a:blip r:embed="rId4"/>
           <a:stretch>
             <a:fillRect/>
           </a:stretch>
@@ -5553,7 +5446,7 @@
         <p:spPr>
           <a:xfrm>
             <a:off x="6286971" y="1247859"/>
-            <a:ext cx="5334538" cy="2790825"/>
+            <a:ext cx="5334538" cy="4171317"/>
           </a:xfrm>
           <a:prstGeom prst="rect">
             <a:avLst/>
@@ -5576,7 +5469,7 @@
         </p:nvSpPr>
         <p:spPr>
           <a:xfrm>
-            <a:off x="6100537" y="866944"/>
+            <a:off x="6100537" y="858066"/>
             <a:ext cx="3675314" cy="380915"/>
           </a:xfrm>
           <a:prstGeom prst="rect">
@@ -5624,66 +5517,6 @@
           </a:p>
         </p:txBody>
       </p:sp>
-      <p:pic>
-        <p:nvPicPr>
-          <p:cNvPr id="3" name="그림 2">
-            <a:extLst>
-              <a:ext uri="{FF2B5EF4-FFF2-40B4-BE49-F238E27FC236}">
-                <a16:creationId xmlns:a16="http://schemas.microsoft.com/office/drawing/2014/main" id="{B7B12D94-EC25-45EE-94BD-852B7AC70F7A}"/>
-              </a:ext>
-            </a:extLst>
-          </p:cNvPr>
-          <p:cNvPicPr>
-            <a:picLocks noChangeAspect="1"/>
-          </p:cNvPicPr>
-          <p:nvPr/>
-        </p:nvPicPr>
-        <p:blipFill>
-          <a:blip r:embed="rId3"/>
-          <a:stretch>
-            <a:fillRect/>
-          </a:stretch>
-        </p:blipFill>
-        <p:spPr>
-          <a:xfrm>
-            <a:off x="343464" y="1066279"/>
-            <a:ext cx="5396134" cy="2771775"/>
-          </a:xfrm>
-          <a:prstGeom prst="rect">
-            <a:avLst/>
-          </a:prstGeom>
-        </p:spPr>
-      </p:pic>
-      <p:pic>
-        <p:nvPicPr>
-          <p:cNvPr id="7" name="그림 6">
-            <a:extLst>
-              <a:ext uri="{FF2B5EF4-FFF2-40B4-BE49-F238E27FC236}">
-                <a16:creationId xmlns:a16="http://schemas.microsoft.com/office/drawing/2014/main" id="{DF4192EE-5DDC-40C3-BEDB-1667EA88D13D}"/>
-              </a:ext>
-            </a:extLst>
-          </p:cNvPr>
-          <p:cNvPicPr>
-            <a:picLocks noChangeAspect="1"/>
-          </p:cNvPicPr>
-          <p:nvPr/>
-        </p:nvPicPr>
-        <p:blipFill>
-          <a:blip r:embed="rId4"/>
-          <a:stretch>
-            <a:fillRect/>
-          </a:stretch>
-        </p:blipFill>
-        <p:spPr>
-          <a:xfrm>
-            <a:off x="2879714" y="5169471"/>
-            <a:ext cx="3705225" cy="1609725"/>
-          </a:xfrm>
-          <a:prstGeom prst="rect">
-            <a:avLst/>
-          </a:prstGeom>
-        </p:spPr>
-      </p:pic>
       <p:cxnSp>
         <p:nvCxnSpPr>
           <p:cNvPr id="12" name="연결선: 구부러짐 11">
@@ -5702,8 +5535,8 @@
         </p:nvCxnSpPr>
         <p:spPr>
           <a:xfrm rot="10800000">
-            <a:off x="5748477" y="1841462"/>
-            <a:ext cx="409624" cy="393766"/>
+            <a:off x="5730721" y="2077498"/>
+            <a:ext cx="391868" cy="630225"/>
           </a:xfrm>
           <a:prstGeom prst="curvedConnector3">
             <a:avLst/>
@@ -5744,8 +5577,8 @@
         </p:nvSpPr>
         <p:spPr>
           <a:xfrm>
-            <a:off x="533215" y="1518296"/>
-            <a:ext cx="5215262" cy="646331"/>
+            <a:off x="515459" y="1473906"/>
+            <a:ext cx="5215262" cy="1207182"/>
           </a:xfrm>
           <a:prstGeom prst="roundRect">
             <a:avLst/>
@@ -5801,7 +5634,7 @@
         </p:nvSpPr>
         <p:spPr>
           <a:xfrm>
-            <a:off x="1670901" y="739376"/>
+            <a:off x="65761" y="714325"/>
             <a:ext cx="2284062" cy="380915"/>
           </a:xfrm>
           <a:prstGeom prst="rect">
@@ -5833,11 +5666,18 @@
           </a:lstStyle>
           <a:p>
             <a:r>
+              <a:rPr lang="en-US" altLang="ko-KR" sz="2000" b="1" dirty="0">
+                <a:latin typeface="HY헤드라인M" panose="02030600000101010101" pitchFamily="18" charset="-127"/>
+                <a:ea typeface="HY헤드라인M" panose="02030600000101010101" pitchFamily="18" charset="-127"/>
+              </a:rPr>
+              <a:t>In </a:t>
+            </a:r>
+            <a:r>
               <a:rPr lang="en-US" altLang="ko-KR" sz="2000" b="1" dirty="0" err="1">
                 <a:latin typeface="HY헤드라인M" panose="02030600000101010101" pitchFamily="18" charset="-127"/>
                 <a:ea typeface="HY헤드라인M" panose="02030600000101010101" pitchFamily="18" charset="-127"/>
               </a:rPr>
-              <a:t>FasterRCNN.Head</a:t>
+              <a:t>FasterRCNN</a:t>
             </a:r>
             <a:endParaRPr lang="en-US" altLang="ko-KR" sz="2000" b="1" dirty="0">
               <a:latin typeface="HY헤드라인M" panose="02030600000101010101" pitchFamily="18" charset="-127"/>
@@ -5848,71 +5688,10 @@
       </p:sp>
       <p:sp>
         <p:nvSpPr>
-          <p:cNvPr id="19" name="제목 1">
-            <a:extLst>
-              <a:ext uri="{FF2B5EF4-FFF2-40B4-BE49-F238E27FC236}">
-                <a16:creationId xmlns:a16="http://schemas.microsoft.com/office/drawing/2014/main" id="{2ACD028A-82CB-464F-B58F-442662A88C2F}"/>
-              </a:ext>
-            </a:extLst>
-          </p:cNvPr>
-          <p:cNvSpPr txBox="1">
-            <a:spLocks/>
-          </p:cNvSpPr>
-          <p:nvPr/>
-        </p:nvSpPr>
-        <p:spPr>
-          <a:xfrm>
-            <a:off x="3654647" y="4858507"/>
-            <a:ext cx="1999107" cy="380915"/>
-          </a:xfrm>
-          <a:prstGeom prst="rect">
-            <a:avLst/>
-          </a:prstGeom>
-        </p:spPr>
-        <p:txBody>
-          <a:bodyPr vert="horz" lIns="91440" tIns="45720" rIns="91440" bIns="45720" rtlCol="0" anchor="b">
-            <a:normAutofit/>
-          </a:bodyPr>
-          <a:lstStyle>
-            <a:lvl1pPr algn="ctr" defTabSz="914400" rtl="0" eaLnBrk="1" latinLnBrk="0" hangingPunct="1">
-              <a:lnSpc>
-                <a:spcPct val="90000"/>
-              </a:lnSpc>
-              <a:spcBef>
-                <a:spcPct val="0"/>
-              </a:spcBef>
-              <a:buNone/>
-              <a:defRPr sz="6000" kern="1200">
-                <a:solidFill>
-                  <a:schemeClr val="tx1"/>
-                </a:solidFill>
-                <a:latin typeface="+mj-lt"/>
-                <a:ea typeface="+mj-ea"/>
-                <a:cs typeface="+mj-cs"/>
-              </a:defRPr>
-            </a:lvl1pPr>
-          </a:lstStyle>
-          <a:p>
-            <a:r>
-              <a:rPr lang="en-US" altLang="ko-KR" sz="2000" b="1" dirty="0" err="1">
-                <a:latin typeface="HY헤드라인M" panose="02030600000101010101" pitchFamily="18" charset="-127"/>
-                <a:ea typeface="HY헤드라인M" panose="02030600000101010101" pitchFamily="18" charset="-127"/>
-              </a:rPr>
-              <a:t>FasterRCNN.tail</a:t>
-            </a:r>
-            <a:endParaRPr lang="en-US" altLang="ko-KR" sz="2000" b="1" dirty="0">
-              <a:latin typeface="HY헤드라인M" panose="02030600000101010101" pitchFamily="18" charset="-127"/>
-              <a:ea typeface="HY헤드라인M" panose="02030600000101010101" pitchFamily="18" charset="-127"/>
-            </a:endParaRPr>
-          </a:p>
-        </p:txBody>
-      </p:sp>
-      <p:sp>
-        <p:nvSpPr>
-          <p:cNvPr id="20" name="사각형: 둥근 모서리 19">
-            <a:extLst>
-              <a:ext uri="{FF2B5EF4-FFF2-40B4-BE49-F238E27FC236}">
-                <a16:creationId xmlns:a16="http://schemas.microsoft.com/office/drawing/2014/main" id="{DA3EB672-C462-4AB3-95E2-07C5364D394C}"/>
+          <p:cNvPr id="23" name="사각형: 둥근 모서리 22">
+            <a:extLst>
+              <a:ext uri="{FF2B5EF4-FFF2-40B4-BE49-F238E27FC236}">
+                <a16:creationId xmlns:a16="http://schemas.microsoft.com/office/drawing/2014/main" id="{127114EA-C2E0-498B-912B-0738EA2AA810}"/>
               </a:ext>
             </a:extLst>
           </p:cNvPr>
@@ -5921,165 +5700,8 @@
         </p:nvSpPr>
         <p:spPr>
           <a:xfrm>
-            <a:off x="524336" y="2317027"/>
-            <a:ext cx="2893567" cy="646331"/>
-          </a:xfrm>
-          <a:prstGeom prst="roundRect">
-            <a:avLst/>
-          </a:prstGeom>
-          <a:noFill/>
-          <a:ln w="38100">
-            <a:solidFill>
-              <a:schemeClr val="accent4">
-                <a:lumMod val="60000"/>
-                <a:lumOff val="40000"/>
-              </a:schemeClr>
-            </a:solidFill>
-          </a:ln>
-        </p:spPr>
-        <p:style>
-          <a:lnRef idx="2">
-            <a:schemeClr val="accent1">
-              <a:shade val="50000"/>
-            </a:schemeClr>
-          </a:lnRef>
-          <a:fillRef idx="1">
-            <a:schemeClr val="accent1"/>
-          </a:fillRef>
-          <a:effectRef idx="0">
-            <a:schemeClr val="accent1"/>
-          </a:effectRef>
-          <a:fontRef idx="minor">
-            <a:schemeClr val="lt1"/>
-          </a:fontRef>
-        </p:style>
-        <p:txBody>
-          <a:bodyPr rtlCol="0" anchor="ctr"/>
-          <a:lstStyle/>
-          <a:p>
-            <a:pPr algn="ctr"/>
-            <a:endParaRPr lang="ko-KR" altLang="en-US"/>
-          </a:p>
-        </p:txBody>
-      </p:sp>
-      <p:sp>
-        <p:nvSpPr>
-          <p:cNvPr id="22" name="제목 1">
-            <a:extLst>
-              <a:ext uri="{FF2B5EF4-FFF2-40B4-BE49-F238E27FC236}">
-                <a16:creationId xmlns:a16="http://schemas.microsoft.com/office/drawing/2014/main" id="{13E2DD92-3444-4DC3-B448-5C538D88141C}"/>
-              </a:ext>
-            </a:extLst>
-          </p:cNvPr>
-          <p:cNvSpPr txBox="1">
-            <a:spLocks/>
-          </p:cNvSpPr>
-          <p:nvPr/>
-        </p:nvSpPr>
-        <p:spPr>
-          <a:xfrm>
-            <a:off x="3417903" y="2388084"/>
-            <a:ext cx="2337641" cy="536775"/>
-          </a:xfrm>
-          <a:prstGeom prst="rect">
-            <a:avLst/>
-          </a:prstGeom>
-        </p:spPr>
-        <p:txBody>
-          <a:bodyPr vert="horz" lIns="91440" tIns="45720" rIns="91440" bIns="45720" rtlCol="0" anchor="b">
-            <a:normAutofit/>
-          </a:bodyPr>
-          <a:lstStyle>
-            <a:lvl1pPr algn="ctr" defTabSz="914400" rtl="0" eaLnBrk="1" latinLnBrk="0" hangingPunct="1">
-              <a:lnSpc>
-                <a:spcPct val="90000"/>
-              </a:lnSpc>
-              <a:spcBef>
-                <a:spcPct val="0"/>
-              </a:spcBef>
-              <a:buNone/>
-              <a:defRPr sz="6000" kern="1200">
-                <a:solidFill>
-                  <a:schemeClr val="tx1"/>
-                </a:solidFill>
-                <a:latin typeface="+mj-lt"/>
-                <a:ea typeface="+mj-ea"/>
-                <a:cs typeface="+mj-cs"/>
-              </a:defRPr>
-            </a:lvl1pPr>
-          </a:lstStyle>
-          <a:p>
-            <a:r>
-              <a:rPr lang="en-US" altLang="ko-KR" sz="1600" dirty="0" err="1">
-                <a:solidFill>
-                  <a:schemeClr val="accent4">
-                    <a:lumMod val="60000"/>
-                    <a:lumOff val="40000"/>
-                  </a:schemeClr>
-                </a:solidFill>
-                <a:latin typeface="HY헤드라인M" panose="02030600000101010101" pitchFamily="18" charset="-127"/>
-                <a:ea typeface="HY헤드라인M" panose="02030600000101010101" pitchFamily="18" charset="-127"/>
-              </a:rPr>
-              <a:t>Feature_extractor</a:t>
-            </a:r>
-            <a:r>
-              <a:rPr lang="en-US" altLang="ko-KR" sz="1600" dirty="0">
-                <a:solidFill>
-                  <a:schemeClr val="accent4">
-                    <a:lumMod val="60000"/>
-                    <a:lumOff val="40000"/>
-                  </a:schemeClr>
-                </a:solidFill>
-                <a:latin typeface="HY헤드라인M" panose="02030600000101010101" pitchFamily="18" charset="-127"/>
-                <a:ea typeface="HY헤드라인M" panose="02030600000101010101" pitchFamily="18" charset="-127"/>
-              </a:rPr>
-              <a:t>(1,4)</a:t>
-            </a:r>
-            <a:r>
-              <a:rPr lang="ko-KR" altLang="en-US" sz="1600" dirty="0">
-                <a:solidFill>
-                  <a:schemeClr val="accent4">
-                    <a:lumMod val="60000"/>
-                    <a:lumOff val="40000"/>
-                  </a:schemeClr>
-                </a:solidFill>
-                <a:latin typeface="HY헤드라인M" panose="02030600000101010101" pitchFamily="18" charset="-127"/>
-                <a:ea typeface="HY헤드라인M" panose="02030600000101010101" pitchFamily="18" charset="-127"/>
-              </a:rPr>
-              <a:t> 기울기 반영 </a:t>
-            </a:r>
-            <a:r>
-              <a:rPr lang="en-US" altLang="ko-KR" sz="1600" dirty="0">
-                <a:solidFill>
-                  <a:schemeClr val="accent4">
-                    <a:lumMod val="60000"/>
-                    <a:lumOff val="40000"/>
-                  </a:schemeClr>
-                </a:solidFill>
-                <a:latin typeface="HY헤드라인M" panose="02030600000101010101" pitchFamily="18" charset="-127"/>
-                <a:ea typeface="HY헤드라인M" panose="02030600000101010101" pitchFamily="18" charset="-127"/>
-              </a:rPr>
-              <a:t>X</a:t>
-            </a:r>
-          </a:p>
-        </p:txBody>
-      </p:sp>
-      <p:sp>
-        <p:nvSpPr>
-          <p:cNvPr id="23" name="사각형: 둥근 모서리 22">
-            <a:extLst>
-              <a:ext uri="{FF2B5EF4-FFF2-40B4-BE49-F238E27FC236}">
-                <a16:creationId xmlns:a16="http://schemas.microsoft.com/office/drawing/2014/main" id="{127114EA-C2E0-498B-912B-0738EA2AA810}"/>
-              </a:ext>
-            </a:extLst>
-          </p:cNvPr>
-          <p:cNvSpPr/>
-          <p:nvPr/>
-        </p:nvSpPr>
-        <p:spPr>
-          <a:xfrm>
-            <a:off x="6158515" y="3274316"/>
-            <a:ext cx="5595932" cy="791002"/>
+            <a:off x="6124273" y="4788934"/>
+            <a:ext cx="5595932" cy="629696"/>
           </a:xfrm>
           <a:prstGeom prst="roundRect">
             <a:avLst/>
@@ -6133,8 +5755,8 @@
         </p:nvSpPr>
         <p:spPr>
           <a:xfrm>
-            <a:off x="6158101" y="1221225"/>
-            <a:ext cx="5595932" cy="2028006"/>
+            <a:off x="6122589" y="1230102"/>
+            <a:ext cx="5595932" cy="2955240"/>
           </a:xfrm>
           <a:prstGeom prst="roundRect">
             <a:avLst/>
@@ -6185,8 +5807,8 @@
         </p:nvSpPr>
         <p:spPr>
           <a:xfrm>
-            <a:off x="5997611" y="3933546"/>
-            <a:ext cx="178011" cy="523044"/>
+            <a:off x="6031617" y="5401419"/>
+            <a:ext cx="321111" cy="764015"/>
           </a:xfrm>
           <a:custGeom>
             <a:avLst/>
@@ -6223,6 +5845,14 @@
               <a:gd name="connsiteY2" fmla="*/ 230081 h 523044"/>
               <a:gd name="connsiteX3" fmla="*/ 151378 w 178011"/>
               <a:gd name="connsiteY3" fmla="*/ 523044 h 523044"/>
+              <a:gd name="connsiteX0" fmla="*/ 178011 w 321111"/>
+              <a:gd name="connsiteY0" fmla="*/ 8139 h 511165"/>
+              <a:gd name="connsiteX1" fmla="*/ 106989 w 321111"/>
+              <a:gd name="connsiteY1" fmla="*/ 25895 h 511165"/>
+              <a:gd name="connsiteX2" fmla="*/ 457 w 321111"/>
+              <a:gd name="connsiteY2" fmla="*/ 230081 h 511165"/>
+              <a:gd name="connsiteX3" fmla="*/ 320054 w 321111"/>
+              <a:gd name="connsiteY3" fmla="*/ 511165 h 511165"/>
             </a:gdLst>
             <a:ahLst/>
             <a:cxnLst>
@@ -6241,7 +5871,7 @@
             </a:cxnLst>
             <a:rect l="l" t="t" r="r" b="b"/>
             <a:pathLst>
-              <a:path w="178011" h="523044">
+              <a:path w="321111" h="511165">
                 <a:moveTo>
                   <a:pt x="178011" y="8139"/>
                 </a:moveTo>
@@ -6257,8 +5887,8 @@
                 </a:cubicBezTo>
                 <a:cubicBezTo>
                   <a:pt x="7855" y="312939"/>
-                  <a:pt x="173572" y="447584"/>
-                  <a:pt x="151378" y="523044"/>
+                  <a:pt x="342248" y="435705"/>
+                  <a:pt x="320054" y="511165"/>
                 </a:cubicBezTo>
               </a:path>
             </a:pathLst>
@@ -6314,7 +5944,7 @@
         </p:nvSpPr>
         <p:spPr>
           <a:xfrm>
-            <a:off x="6158101" y="4195640"/>
+            <a:off x="6388920" y="5858298"/>
             <a:ext cx="4558548" cy="536775"/>
           </a:xfrm>
           <a:prstGeom prst="rect">
@@ -6379,7 +6009,7 @@
                 <a:latin typeface="HY헤드라인M" panose="02030600000101010101" pitchFamily="18" charset="-127"/>
                 <a:ea typeface="HY헤드라인M" panose="02030600000101010101" pitchFamily="18" charset="-127"/>
               </a:rPr>
-              <a:t>pooling, dense layer</a:t>
+              <a:t>pooling, fc(flatten + dense)</a:t>
             </a:r>
             <a:r>
               <a:rPr lang="ko-KR" altLang="en-US" sz="1600" b="1" dirty="0">
@@ -6409,8 +6039,8 @@
         </p:nvSpPr>
         <p:spPr>
           <a:xfrm>
-            <a:off x="507052" y="3163966"/>
-            <a:ext cx="5215262" cy="646331"/>
+            <a:off x="471795" y="4191826"/>
+            <a:ext cx="5215262" cy="919108"/>
           </a:xfrm>
           <a:prstGeom prst="roundRect">
             <a:avLst/>
@@ -6464,7 +6094,7 @@
         </p:nvSpPr>
         <p:spPr>
           <a:xfrm>
-            <a:off x="1345066" y="3968827"/>
+            <a:off x="1255472" y="5459590"/>
             <a:ext cx="169030" cy="835461"/>
           </a:xfrm>
           <a:prstGeom prst="rect">
@@ -6540,7 +6170,7 @@
         </p:nvSpPr>
         <p:spPr>
           <a:xfrm>
-            <a:off x="1508119" y="3968825"/>
+            <a:off x="1418525" y="5459588"/>
             <a:ext cx="169030" cy="835461"/>
           </a:xfrm>
           <a:prstGeom prst="rect">
@@ -6616,7 +6246,7 @@
         </p:nvSpPr>
         <p:spPr>
           <a:xfrm>
-            <a:off x="1672626" y="4151478"/>
+            <a:off x="1583032" y="5642241"/>
             <a:ext cx="265098" cy="432114"/>
           </a:xfrm>
           <a:prstGeom prst="rect">
@@ -6694,7 +6324,7 @@
         </p:nvSpPr>
         <p:spPr>
           <a:xfrm>
-            <a:off x="1893606" y="4156014"/>
+            <a:off x="1804012" y="5646777"/>
             <a:ext cx="265098" cy="432114"/>
           </a:xfrm>
           <a:prstGeom prst="rect">
@@ -6772,7 +6402,7 @@
         </p:nvSpPr>
         <p:spPr>
           <a:xfrm>
-            <a:off x="2114586" y="4160550"/>
+            <a:off x="2024992" y="5651313"/>
             <a:ext cx="265098" cy="432114"/>
           </a:xfrm>
           <a:prstGeom prst="rect">
@@ -6850,7 +6480,7 @@
         </p:nvSpPr>
         <p:spPr>
           <a:xfrm>
-            <a:off x="2289287" y="4296549"/>
+            <a:off x="2199693" y="5787312"/>
             <a:ext cx="134571" cy="171102"/>
           </a:xfrm>
           <a:prstGeom prst="rect">
@@ -6928,7 +6558,7 @@
         </p:nvSpPr>
         <p:spPr>
           <a:xfrm>
-            <a:off x="2404448" y="4296272"/>
+            <a:off x="2314854" y="5787035"/>
             <a:ext cx="134571" cy="171102"/>
           </a:xfrm>
           <a:prstGeom prst="rect">
@@ -7006,7 +6636,7 @@
         </p:nvSpPr>
         <p:spPr>
           <a:xfrm>
-            <a:off x="3367517" y="4097452"/>
+            <a:off x="3277923" y="5588215"/>
             <a:ext cx="469937" cy="525913"/>
           </a:xfrm>
           <a:prstGeom prst="rect">
@@ -7082,7 +6712,7 @@
         </p:nvSpPr>
         <p:spPr>
           <a:xfrm>
-            <a:off x="2518072" y="4293160"/>
+            <a:off x="2428478" y="5783923"/>
             <a:ext cx="134571" cy="171102"/>
           </a:xfrm>
           <a:prstGeom prst="rect">
@@ -7160,7 +6790,7 @@
         </p:nvSpPr>
         <p:spPr>
           <a:xfrm>
-            <a:off x="2630564" y="4297095"/>
+            <a:off x="2540970" y="5787858"/>
             <a:ext cx="134571" cy="171102"/>
           </a:xfrm>
           <a:prstGeom prst="rect">
@@ -7282,8 +6912,8 @@
         </p:nvSpPr>
         <p:spPr>
           <a:xfrm>
-            <a:off x="168269" y="1961965"/>
-            <a:ext cx="1051116" cy="2490926"/>
+            <a:off x="65761" y="1970843"/>
+            <a:ext cx="984946" cy="3982374"/>
           </a:xfrm>
           <a:custGeom>
             <a:avLst/>
@@ -7308,6 +6938,56 @@
               <a:gd name="connsiteY3" fmla="*/ 2308194 h 2490926"/>
               <a:gd name="connsiteX4" fmla="*/ 1051116 w 1051116"/>
               <a:gd name="connsiteY4" fmla="*/ 2490926 h 2490926"/>
+              <a:gd name="connsiteX0" fmla="*/ 337758 w 1486122"/>
+              <a:gd name="connsiteY0" fmla="*/ 0 h 3946864"/>
+              <a:gd name="connsiteX1" fmla="*/ 80306 w 1486122"/>
+              <a:gd name="connsiteY1" fmla="*/ 710214 h 3946864"/>
+              <a:gd name="connsiteX2" fmla="*/ 9284 w 1486122"/>
+              <a:gd name="connsiteY2" fmla="*/ 1766656 h 3946864"/>
+              <a:gd name="connsiteX3" fmla="*/ 257859 w 1486122"/>
+              <a:gd name="connsiteY3" fmla="*/ 2308194 h 3946864"/>
+              <a:gd name="connsiteX4" fmla="*/ 1486122 w 1486122"/>
+              <a:gd name="connsiteY4" fmla="*/ 3946864 h 3946864"/>
+              <a:gd name="connsiteX0" fmla="*/ 348175 w 1496539"/>
+              <a:gd name="connsiteY0" fmla="*/ 0 h 3946864"/>
+              <a:gd name="connsiteX1" fmla="*/ 90723 w 1496539"/>
+              <a:gd name="connsiteY1" fmla="*/ 710214 h 3946864"/>
+              <a:gd name="connsiteX2" fmla="*/ 19701 w 1496539"/>
+              <a:gd name="connsiteY2" fmla="*/ 1766656 h 3946864"/>
+              <a:gd name="connsiteX3" fmla="*/ 419197 w 1496539"/>
+              <a:gd name="connsiteY3" fmla="*/ 3568823 h 3946864"/>
+              <a:gd name="connsiteX4" fmla="*/ 1496539 w 1496539"/>
+              <a:gd name="connsiteY4" fmla="*/ 3946864 h 3946864"/>
+              <a:gd name="connsiteX0" fmla="*/ 420951 w 1569315"/>
+              <a:gd name="connsiteY0" fmla="*/ 0 h 3946864"/>
+              <a:gd name="connsiteX1" fmla="*/ 163499 w 1569315"/>
+              <a:gd name="connsiteY1" fmla="*/ 710214 h 3946864"/>
+              <a:gd name="connsiteX2" fmla="*/ 12578 w 1569315"/>
+              <a:gd name="connsiteY2" fmla="*/ 1917577 h 3946864"/>
+              <a:gd name="connsiteX3" fmla="*/ 491973 w 1569315"/>
+              <a:gd name="connsiteY3" fmla="*/ 3568823 h 3946864"/>
+              <a:gd name="connsiteX4" fmla="*/ 1569315 w 1569315"/>
+              <a:gd name="connsiteY4" fmla="*/ 3946864 h 3946864"/>
+              <a:gd name="connsiteX0" fmla="*/ 413631 w 1561995"/>
+              <a:gd name="connsiteY0" fmla="*/ 0 h 3946864"/>
+              <a:gd name="connsiteX1" fmla="*/ 156179 w 1561995"/>
+              <a:gd name="connsiteY1" fmla="*/ 710214 h 3946864"/>
+              <a:gd name="connsiteX2" fmla="*/ 5258 w 1561995"/>
+              <a:gd name="connsiteY2" fmla="*/ 1917577 h 3946864"/>
+              <a:gd name="connsiteX3" fmla="*/ 342610 w 1561995"/>
+              <a:gd name="connsiteY3" fmla="*/ 3613211 h 3946864"/>
+              <a:gd name="connsiteX4" fmla="*/ 1561995 w 1561995"/>
+              <a:gd name="connsiteY4" fmla="*/ 3946864 h 3946864"/>
+              <a:gd name="connsiteX0" fmla="*/ 413631 w 984946"/>
+              <a:gd name="connsiteY0" fmla="*/ 0 h 3982374"/>
+              <a:gd name="connsiteX1" fmla="*/ 156179 w 984946"/>
+              <a:gd name="connsiteY1" fmla="*/ 710214 h 3982374"/>
+              <a:gd name="connsiteX2" fmla="*/ 5258 w 984946"/>
+              <a:gd name="connsiteY2" fmla="*/ 1917577 h 3982374"/>
+              <a:gd name="connsiteX3" fmla="*/ 342610 w 984946"/>
+              <a:gd name="connsiteY3" fmla="*/ 3613211 h 3982374"/>
+              <a:gd name="connsiteX4" fmla="*/ 984946 w 984946"/>
+              <a:gd name="connsiteY4" fmla="*/ 3982374 h 3982374"/>
             </a:gdLst>
             <a:ahLst/>
             <a:cxnLst>
@@ -7329,29 +7009,29 @@
             </a:cxnLst>
             <a:rect l="l" t="t" r="r" b="b"/>
             <a:pathLst>
-              <a:path w="1051116" h="2490926">
+              <a:path w="984946" h="3982374">
                 <a:moveTo>
-                  <a:pt x="337758" y="0"/>
+                  <a:pt x="413631" y="0"/>
                 </a:moveTo>
                 <a:cubicBezTo>
-                  <a:pt x="236405" y="207885"/>
-                  <a:pt x="135052" y="415771"/>
-                  <a:pt x="80306" y="710214"/>
+                  <a:pt x="312278" y="207885"/>
+                  <a:pt x="224241" y="390618"/>
+                  <a:pt x="156179" y="710214"/>
                 </a:cubicBezTo>
                 <a:cubicBezTo>
-                  <a:pt x="25560" y="1004657"/>
-                  <a:pt x="-20308" y="1500326"/>
-                  <a:pt x="9284" y="1766656"/>
+                  <a:pt x="88117" y="1029810"/>
+                  <a:pt x="-25814" y="1433744"/>
+                  <a:pt x="5258" y="1917577"/>
                 </a:cubicBezTo>
                 <a:cubicBezTo>
-                  <a:pt x="38876" y="2032986"/>
-                  <a:pt x="84220" y="2187482"/>
-                  <a:pt x="257859" y="2308194"/>
+                  <a:pt x="36330" y="2401410"/>
+                  <a:pt x="168971" y="3492499"/>
+                  <a:pt x="342610" y="3613211"/>
                 </a:cubicBezTo>
                 <a:cubicBezTo>
-                  <a:pt x="431498" y="2428906"/>
-                  <a:pt x="988972" y="2437660"/>
-                  <a:pt x="1051116" y="2490926"/>
+                  <a:pt x="516249" y="3733923"/>
+                  <a:pt x="922802" y="3929108"/>
+                  <a:pt x="984946" y="3982374"/>
                 </a:cubicBezTo>
               </a:path>
             </a:pathLst>
@@ -7404,7 +7084,7 @@
         </p:nvSpPr>
         <p:spPr>
           <a:xfrm>
-            <a:off x="1324522" y="4371831"/>
+            <a:off x="789877" y="6216387"/>
             <a:ext cx="1999107" cy="380915"/>
           </a:xfrm>
           <a:prstGeom prst="rect">
@@ -7468,12 +7148,14 @@
               </a:ext>
             </a:extLst>
           </p:cNvPr>
-          <p:cNvCxnSpPr/>
+          <p:cNvCxnSpPr>
+            <a:cxnSpLocks/>
+          </p:cNvCxnSpPr>
           <p:nvPr/>
         </p:nvCxnSpPr>
         <p:spPr>
           <a:xfrm>
-            <a:off x="2878578" y="4367535"/>
+            <a:off x="2788984" y="5858298"/>
             <a:ext cx="400050" cy="0"/>
           </a:xfrm>
           <a:prstGeom prst="straightConnector1">
@@ -7517,7 +7199,7 @@
         </p:nvSpPr>
         <p:spPr>
           <a:xfrm>
-            <a:off x="3419264" y="4414780"/>
+            <a:off x="3189034" y="6216387"/>
             <a:ext cx="1133064" cy="278536"/>
           </a:xfrm>
           <a:prstGeom prst="rect">
@@ -7560,10 +7242,111 @@
       </p:sp>
       <p:sp>
         <p:nvSpPr>
-          <p:cNvPr id="52" name="자유형: 도형 51">
-            <a:extLst>
-              <a:ext uri="{FF2B5EF4-FFF2-40B4-BE49-F238E27FC236}">
-                <a16:creationId xmlns:a16="http://schemas.microsoft.com/office/drawing/2014/main" id="{6C7C9B0D-ADB1-411F-85CC-FBE6ACEAE9B2}"/>
+          <p:cNvPr id="41" name="제목 1">
+            <a:extLst>
+              <a:ext uri="{FF2B5EF4-FFF2-40B4-BE49-F238E27FC236}">
+                <a16:creationId xmlns:a16="http://schemas.microsoft.com/office/drawing/2014/main" id="{225C8A55-7D23-42BD-9CE2-D95D7BFA95A6}"/>
+              </a:ext>
+            </a:extLst>
+          </p:cNvPr>
+          <p:cNvSpPr txBox="1">
+            <a:spLocks/>
+          </p:cNvSpPr>
+          <p:nvPr/>
+        </p:nvSpPr>
+        <p:spPr>
+          <a:xfrm>
+            <a:off x="4293041" y="5675684"/>
+            <a:ext cx="641254" cy="380915"/>
+          </a:xfrm>
+          <a:prstGeom prst="rect">
+            <a:avLst/>
+          </a:prstGeom>
+        </p:spPr>
+        <p:txBody>
+          <a:bodyPr vert="horz" lIns="91440" tIns="45720" rIns="91440" bIns="45720" rtlCol="0" anchor="b">
+            <a:normAutofit/>
+          </a:bodyPr>
+          <a:lstStyle>
+            <a:lvl1pPr algn="ctr" defTabSz="914400" rtl="0" eaLnBrk="1" latinLnBrk="0" hangingPunct="1">
+              <a:lnSpc>
+                <a:spcPct val="90000"/>
+              </a:lnSpc>
+              <a:spcBef>
+                <a:spcPct val="0"/>
+              </a:spcBef>
+              <a:buNone/>
+              <a:defRPr sz="6000" kern="1200">
+                <a:solidFill>
+                  <a:schemeClr val="tx1"/>
+                </a:solidFill>
+                <a:latin typeface="+mj-lt"/>
+                <a:ea typeface="+mj-ea"/>
+                <a:cs typeface="+mj-cs"/>
+              </a:defRPr>
+            </a:lvl1pPr>
+          </a:lstStyle>
+          <a:p>
+            <a:r>
+              <a:rPr lang="en-US" altLang="ko-KR" sz="2000" b="1" dirty="0">
+                <a:latin typeface="HY헤드라인M" panose="02030600000101010101" pitchFamily="18" charset="-127"/>
+                <a:ea typeface="HY헤드라인M" panose="02030600000101010101" pitchFamily="18" charset="-127"/>
+              </a:rPr>
+              <a:t>RPN</a:t>
+            </a:r>
+          </a:p>
+        </p:txBody>
+      </p:sp>
+      <p:cxnSp>
+        <p:nvCxnSpPr>
+          <p:cNvPr id="42" name="직선 화살표 연결선 41">
+            <a:extLst>
+              <a:ext uri="{FF2B5EF4-FFF2-40B4-BE49-F238E27FC236}">
+                <a16:creationId xmlns:a16="http://schemas.microsoft.com/office/drawing/2014/main" id="{DA736D5A-4509-448F-9EE6-066AF2577400}"/>
+              </a:ext>
+            </a:extLst>
+          </p:cNvPr>
+          <p:cNvCxnSpPr>
+            <a:cxnSpLocks/>
+          </p:cNvCxnSpPr>
+          <p:nvPr/>
+        </p:nvCxnSpPr>
+        <p:spPr>
+          <a:xfrm>
+            <a:off x="3756364" y="5858298"/>
+            <a:ext cx="400050" cy="0"/>
+          </a:xfrm>
+          <a:prstGeom prst="straightConnector1">
+            <a:avLst/>
+          </a:prstGeom>
+          <a:ln w="28575">
+            <a:solidFill>
+              <a:schemeClr val="tx1"/>
+            </a:solidFill>
+            <a:tailEnd type="triangle"/>
+          </a:ln>
+        </p:spPr>
+        <p:style>
+          <a:lnRef idx="1">
+            <a:schemeClr val="accent1"/>
+          </a:lnRef>
+          <a:fillRef idx="0">
+            <a:schemeClr val="accent1"/>
+          </a:fillRef>
+          <a:effectRef idx="0">
+            <a:schemeClr val="accent1"/>
+          </a:effectRef>
+          <a:fontRef idx="minor">
+            <a:schemeClr val="tx1"/>
+          </a:fontRef>
+        </p:style>
+      </p:cxnSp>
+      <p:sp>
+        <p:nvSpPr>
+          <p:cNvPr id="14" name="자유형: 도형 13">
+            <a:extLst>
+              <a:ext uri="{FF2B5EF4-FFF2-40B4-BE49-F238E27FC236}">
+                <a16:creationId xmlns:a16="http://schemas.microsoft.com/office/drawing/2014/main" id="{8D1B2FE7-8440-43EC-8C67-83796F6D3ADB}"/>
               </a:ext>
             </a:extLst>
           </p:cNvPr>
@@ -7572,20 +7355,20 @@
         </p:nvSpPr>
         <p:spPr>
           <a:xfrm>
-            <a:off x="4428204" y="3825317"/>
-            <a:ext cx="333375" cy="714375"/>
+            <a:off x="3941687" y="5157926"/>
+            <a:ext cx="443884" cy="701336"/>
           </a:xfrm>
           <a:custGeom>
             <a:avLst/>
             <a:gdLst>
-              <a:gd name="connsiteX0" fmla="*/ 333375 w 333375"/>
-              <a:gd name="connsiteY0" fmla="*/ 0 h 714375"/>
-              <a:gd name="connsiteX1" fmla="*/ 238125 w 333375"/>
-              <a:gd name="connsiteY1" fmla="*/ 400050 h 714375"/>
-              <a:gd name="connsiteX2" fmla="*/ 47625 w 333375"/>
-              <a:gd name="connsiteY2" fmla="*/ 647700 h 714375"/>
-              <a:gd name="connsiteX3" fmla="*/ 0 w 333375"/>
-              <a:gd name="connsiteY3" fmla="*/ 714375 h 714375"/>
+              <a:gd name="connsiteX0" fmla="*/ 443884 w 443884"/>
+              <a:gd name="connsiteY0" fmla="*/ 0 h 701336"/>
+              <a:gd name="connsiteX1" fmla="*/ 186431 w 443884"/>
+              <a:gd name="connsiteY1" fmla="*/ 292963 h 701336"/>
+              <a:gd name="connsiteX2" fmla="*/ 35511 w 443884"/>
+              <a:gd name="connsiteY2" fmla="*/ 461639 h 701336"/>
+              <a:gd name="connsiteX3" fmla="*/ 0 w 443884"/>
+              <a:gd name="connsiteY3" fmla="*/ 701336 h 701336"/>
             </a:gdLst>
             <a:ahLst/>
             <a:cxnLst>
@@ -7604,24 +7387,22 @@
             </a:cxnLst>
             <a:rect l="l" t="t" r="r" b="b"/>
             <a:pathLst>
-              <a:path w="333375" h="714375">
+              <a:path w="443884" h="701336">
                 <a:moveTo>
-                  <a:pt x="333375" y="0"/>
+                  <a:pt x="443884" y="0"/>
                 </a:moveTo>
+                <a:lnTo>
+                  <a:pt x="186431" y="292963"/>
+                </a:lnTo>
                 <a:cubicBezTo>
-                  <a:pt x="309562" y="146050"/>
-                  <a:pt x="285750" y="292100"/>
-                  <a:pt x="238125" y="400050"/>
+                  <a:pt x="118369" y="369903"/>
+                  <a:pt x="66583" y="393577"/>
+                  <a:pt x="35511" y="461639"/>
                 </a:cubicBezTo>
                 <a:cubicBezTo>
-                  <a:pt x="190500" y="508000"/>
-                  <a:pt x="87312" y="595313"/>
-                  <a:pt x="47625" y="647700"/>
-                </a:cubicBezTo>
-                <a:cubicBezTo>
-                  <a:pt x="7937" y="700088"/>
-                  <a:pt x="3968" y="707231"/>
-                  <a:pt x="0" y="714375"/>
+                  <a:pt x="4439" y="529701"/>
+                  <a:pt x="2219" y="615518"/>
+                  <a:pt x="0" y="701336"/>
                 </a:cubicBezTo>
               </a:path>
             </a:pathLst>
@@ -7660,84 +7441,103 @@
       </p:sp>
       <p:sp>
         <p:nvSpPr>
-          <p:cNvPr id="55" name="제목 1">
-            <a:extLst>
-              <a:ext uri="{FF2B5EF4-FFF2-40B4-BE49-F238E27FC236}">
-                <a16:creationId xmlns:a16="http://schemas.microsoft.com/office/drawing/2014/main" id="{B532431B-7B94-4B36-A63F-16A918B66A46}"/>
-              </a:ext>
-            </a:extLst>
-          </p:cNvPr>
-          <p:cNvSpPr txBox="1">
-            <a:spLocks/>
-          </p:cNvSpPr>
+          <p:cNvPr id="54" name="TextBox 53">
+            <a:extLst>
+              <a:ext uri="{FF2B5EF4-FFF2-40B4-BE49-F238E27FC236}">
+                <a16:creationId xmlns:a16="http://schemas.microsoft.com/office/drawing/2014/main" id="{5936628F-BFCF-425A-AF5E-EF8B1E3A2B97}"/>
+              </a:ext>
+            </a:extLst>
+          </p:cNvPr>
+          <p:cNvSpPr txBox="1"/>
           <p:nvPr/>
         </p:nvSpPr>
         <p:spPr>
           <a:xfrm>
-            <a:off x="6456881" y="5786540"/>
-            <a:ext cx="4558548" cy="451027"/>
+            <a:off x="116932" y="126188"/>
+            <a:ext cx="11846467" cy="646331"/>
           </a:xfrm>
           <a:prstGeom prst="rect">
             <a:avLst/>
           </a:prstGeom>
+          <a:noFill/>
         </p:spPr>
         <p:txBody>
-          <a:bodyPr vert="horz" lIns="91440" tIns="45720" rIns="91440" bIns="45720" rtlCol="0" anchor="b">
-            <a:normAutofit/>
+          <a:bodyPr wrap="square" rtlCol="0">
+            <a:spAutoFit/>
           </a:bodyPr>
-          <a:lstStyle>
-            <a:lvl1pPr algn="ctr" defTabSz="914400" rtl="0" eaLnBrk="1" latinLnBrk="0" hangingPunct="1">
-              <a:lnSpc>
-                <a:spcPct val="90000"/>
-              </a:lnSpc>
-              <a:spcBef>
-                <a:spcPct val="0"/>
-              </a:spcBef>
-              <a:buNone/>
-              <a:defRPr sz="6000" kern="1200">
-                <a:solidFill>
-                  <a:schemeClr val="tx1"/>
-                </a:solidFill>
-                <a:latin typeface="+mj-lt"/>
-                <a:ea typeface="+mj-ea"/>
-                <a:cs typeface="+mj-cs"/>
-              </a:defRPr>
-            </a:lvl1pPr>
-          </a:lstStyle>
-          <a:p>
-            <a:pPr algn="l"/>
-            <a:r>
-              <a:rPr lang="en-US" altLang="ko-KR" sz="2000" b="1" dirty="0">
-                <a:latin typeface="HY헤드라인M" panose="02030600000101010101" pitchFamily="18" charset="-127"/>
-                <a:ea typeface="HY헤드라인M" panose="02030600000101010101" pitchFamily="18" charset="-127"/>
+          <a:lstStyle/>
+          <a:p>
+            <a:r>
+              <a:rPr kumimoji="1" lang="en-US" altLang="ko-Kore-KR" sz="3600" b="1" dirty="0">
+                <a:solidFill>
+                  <a:schemeClr val="accent1">
+                    <a:lumMod val="75000"/>
+                  </a:schemeClr>
+                </a:solidFill>
+                <a:latin typeface="Arial Black" panose="020B0604020202020204" pitchFamily="34" charset="0"/>
+                <a:ea typeface="NanumSquareOTF ExtraBold" panose="020B0600000101010101" pitchFamily="34" charset="-127"/>
+                <a:cs typeface="Arial Black" panose="020B0604020202020204" pitchFamily="34" charset="0"/>
               </a:rPr>
-              <a:t>   &lt;- </a:t>
-            </a:r>
-            <a:r>
-              <a:rPr lang="ko-KR" altLang="en-US" sz="2000" b="1" dirty="0" err="1">
-                <a:latin typeface="HY헤드라인M" panose="02030600000101010101" pitchFamily="18" charset="-127"/>
-                <a:ea typeface="HY헤드라인M" panose="02030600000101010101" pitchFamily="18" charset="-127"/>
-              </a:rPr>
-              <a:t>이건뭐임</a:t>
-            </a:r>
-            <a:r>
-              <a:rPr lang="en-US" altLang="ko-KR" sz="2000" b="1" dirty="0">
-                <a:latin typeface="HY헤드라인M" panose="02030600000101010101" pitchFamily="18" charset="-127"/>
-                <a:ea typeface="HY헤드라인M" panose="02030600000101010101" pitchFamily="18" charset="-127"/>
-              </a:rPr>
-              <a:t>? </a:t>
-            </a:r>
-            <a:r>
-              <a:rPr lang="ko-KR" altLang="en-US" sz="2000" b="1" dirty="0">
-                <a:latin typeface="HY헤드라인M" panose="02030600000101010101" pitchFamily="18" charset="-127"/>
-                <a:ea typeface="HY헤드라인M" panose="02030600000101010101" pitchFamily="18" charset="-127"/>
-              </a:rPr>
-              <a:t>내일 분석해보자</a:t>
-            </a:r>
-            <a:endParaRPr lang="en-US" altLang="ko-KR" sz="2000" b="1" dirty="0">
-              <a:latin typeface="HY헤드라인M" panose="02030600000101010101" pitchFamily="18" charset="-127"/>
-              <a:ea typeface="HY헤드라인M" panose="02030600000101010101" pitchFamily="18" charset="-127"/>
-            </a:endParaRPr>
+              <a:t>Backbone Change : Resnet101   Resnet50</a:t>
+            </a:r>
+          </a:p>
+        </p:txBody>
+      </p:sp>
+      <p:sp>
+        <p:nvSpPr>
+          <p:cNvPr id="56" name="화살표: 오른쪽 55">
+            <a:extLst>
+              <a:ext uri="{FF2B5EF4-FFF2-40B4-BE49-F238E27FC236}">
+                <a16:creationId xmlns:a16="http://schemas.microsoft.com/office/drawing/2014/main" id="{41277B98-5DF7-4FE5-816C-0638FEC052C2}"/>
+              </a:ext>
+            </a:extLst>
+          </p:cNvPr>
+          <p:cNvSpPr/>
+          <p:nvPr/>
+        </p:nvSpPr>
+        <p:spPr>
+          <a:xfrm>
+            <a:off x="7863762" y="377808"/>
+            <a:ext cx="355960" cy="136322"/>
+          </a:xfrm>
+          <a:prstGeom prst="rightArrow">
+            <a:avLst/>
+          </a:prstGeom>
+          <a:solidFill>
+            <a:schemeClr val="accent5">
+              <a:lumMod val="50000"/>
+            </a:schemeClr>
+          </a:solidFill>
+          <a:ln>
+            <a:solidFill>
+              <a:schemeClr val="accent5">
+                <a:lumMod val="50000"/>
+              </a:schemeClr>
+            </a:solidFill>
+          </a:ln>
+        </p:spPr>
+        <p:style>
+          <a:lnRef idx="2">
+            <a:schemeClr val="accent1">
+              <a:shade val="50000"/>
+            </a:schemeClr>
+          </a:lnRef>
+          <a:fillRef idx="1">
+            <a:schemeClr val="accent1"/>
+          </a:fillRef>
+          <a:effectRef idx="0">
+            <a:schemeClr val="accent1"/>
+          </a:effectRef>
+          <a:fontRef idx="minor">
+            <a:schemeClr val="lt1"/>
+          </a:fontRef>
+        </p:style>
+        <p:txBody>
+          <a:bodyPr rtlCol="0" anchor="ctr"/>
+          <a:lstStyle/>
+          <a:p>
+            <a:pPr algn="ctr"/>
+            <a:endParaRPr lang="ko-KR" altLang="en-US"/>
           </a:p>
         </p:txBody>
       </p:sp>
@@ -7793,8 +7593,8 @@
         </p:blipFill>
         <p:spPr>
           <a:xfrm>
-            <a:off x="6275878" y="1171117"/>
-            <a:ext cx="4907403" cy="4023445"/>
+            <a:off x="6238685" y="931080"/>
+            <a:ext cx="4907403" cy="2479814"/>
           </a:xfrm>
           <a:prstGeom prst="rect">
             <a:avLst/>
@@ -7843,7 +7643,7 @@
               <a:t> </a:t>
             </a:r>
             <a:r>
-              <a:rPr kumimoji="1" lang="en-US" altLang="ko-Kore-KR" sz="4000" b="1" dirty="0">
+              <a:rPr kumimoji="1" lang="en-US" altLang="ko-Kore-KR" sz="3200" b="1" dirty="0">
                 <a:solidFill>
                   <a:schemeClr val="accent1">
                     <a:lumMod val="75000"/>
@@ -7853,10 +7653,23 @@
                 <a:ea typeface="NanumSquareOTF ExtraBold" panose="020B0600000101010101" pitchFamily="34" charset="-127"/>
                 <a:cs typeface="Arial Black" panose="020B0604020202020204" pitchFamily="34" charset="0"/>
               </a:rPr>
-              <a:t>Loss in Regression : Smooth_L1</a:t>
-            </a:r>
-            <a:r>
-              <a:rPr kumimoji="1" lang="en-US" altLang="ko-Kore-KR" sz="4800" b="1" dirty="0">
+              <a:t>Loss in Regression : Smooth_L1, </a:t>
+            </a:r>
+            <a:r>
+              <a:rPr kumimoji="1" lang="en-US" altLang="ko-Kore-KR" sz="3200" b="1" dirty="0" err="1">
+                <a:solidFill>
+                  <a:schemeClr val="accent1">
+                    <a:lumMod val="75000"/>
+                  </a:schemeClr>
+                </a:solidFill>
+                <a:latin typeface="Arial Black" panose="020B0604020202020204" pitchFamily="34" charset="0"/>
+                <a:ea typeface="NanumSquareOTF ExtraBold" panose="020B0600000101010101" pitchFamily="34" charset="-127"/>
+                <a:cs typeface="Arial Black" panose="020B0604020202020204" pitchFamily="34" charset="0"/>
+              </a:rPr>
+              <a:t>CrossEntropy</a:t>
+            </a:r>
+            <a:r>
+              <a:rPr kumimoji="1" lang="en-US" altLang="ko-Kore-KR" sz="3200" b="1" dirty="0">
                 <a:solidFill>
                   <a:schemeClr val="accent1">
                     <a:lumMod val="75000"/>
@@ -8440,8 +8253,8 @@
         </p:blipFill>
         <p:spPr bwMode="auto">
           <a:xfrm>
-            <a:off x="997389" y="1917957"/>
-            <a:ext cx="4681998" cy="2841416"/>
+            <a:off x="1092639" y="1444016"/>
+            <a:ext cx="4681998" cy="1749934"/>
           </a:xfrm>
           <a:prstGeom prst="rect">
             <a:avLst/>
@@ -8474,8 +8287,8 @@
         </p:nvSpPr>
         <p:spPr>
           <a:xfrm>
-            <a:off x="1918403" y="1319027"/>
-            <a:ext cx="2970086" cy="646569"/>
+            <a:off x="1853633" y="911343"/>
+            <a:ext cx="2970086" cy="380038"/>
           </a:xfrm>
           <a:prstGeom prst="rect">
             <a:avLst/>
@@ -8483,7 +8296,7 @@
         </p:spPr>
         <p:txBody>
           <a:bodyPr vert="horz" lIns="91440" tIns="45720" rIns="91440" bIns="45720" rtlCol="0" anchor="b">
-            <a:normAutofit/>
+            <a:normAutofit fontScale="77500" lnSpcReduction="20000"/>
           </a:bodyPr>
           <a:lstStyle>
             <a:lvl1pPr algn="ctr" defTabSz="914400" rtl="0" eaLnBrk="1" latinLnBrk="0" hangingPunct="1">
@@ -8571,7 +8384,7 @@
                 <a:latin typeface="HY헤드라인M" panose="02030600000101010101" pitchFamily="18" charset="-127"/>
                 <a:ea typeface="HY헤드라인M" panose="02030600000101010101" pitchFamily="18" charset="-127"/>
               </a:rPr>
-              <a:t>5/8</a:t>
+              <a:t>3/6</a:t>
             </a:r>
             <a:endParaRPr lang="ko-KR" altLang="en-US" sz="1400" dirty="0">
               <a:latin typeface="HY헤드라인M" panose="02030600000101010101" pitchFamily="18" charset="-127"/>
@@ -8594,8 +8407,8 @@
         </p:nvSpPr>
         <p:spPr>
           <a:xfrm>
-            <a:off x="1282986" y="1663711"/>
-            <a:ext cx="7974841" cy="1453632"/>
+            <a:off x="1602056" y="1229284"/>
+            <a:ext cx="7719110" cy="920246"/>
           </a:xfrm>
           <a:custGeom>
             <a:avLst/>
@@ -9022,7 +8835,7 @@
             </a:pathLst>
           </a:custGeom>
           <a:noFill/>
-          <a:ln w="28575">
+          <a:ln w="38100">
             <a:solidFill>
               <a:schemeClr val="accent4">
                 <a:lumMod val="75000"/>
@@ -9069,8 +8882,8 @@
         </p:nvSpPr>
         <p:spPr>
           <a:xfrm>
-            <a:off x="1815009" y="3207646"/>
-            <a:ext cx="9368272" cy="1916158"/>
+            <a:off x="1927401" y="2172154"/>
+            <a:ext cx="9225187" cy="1252450"/>
           </a:xfrm>
           <a:custGeom>
             <a:avLst/>
@@ -9331,7 +9144,7 @@
             </a:pathLst>
           </a:custGeom>
           <a:noFill/>
-          <a:ln w="28575">
+          <a:ln w="38100">
             <a:solidFill>
               <a:schemeClr val="accent4">
                 <a:lumMod val="75000"/>
@@ -9378,8 +9191,8 @@
         </p:nvSpPr>
         <p:spPr>
           <a:xfrm>
-            <a:off x="926548" y="1277150"/>
-            <a:ext cx="4788452" cy="4160816"/>
+            <a:off x="1039412" y="949519"/>
+            <a:ext cx="4788452" cy="2576828"/>
           </a:xfrm>
           <a:prstGeom prst="roundRect">
             <a:avLst/>
@@ -9416,6 +9229,330 @@
           <a:p>
             <a:pPr algn="ctr"/>
             <a:endParaRPr lang="ko-KR" altLang="en-US"/>
+          </a:p>
+        </p:txBody>
+      </p:sp>
+      <p:pic>
+        <p:nvPicPr>
+          <p:cNvPr id="16" name="Picture 2" descr="https://gombru.github.io/assets/cross_entropy_loss/softmax_CE_pipeline.png">
+            <a:extLst>
+              <a:ext uri="{FF2B5EF4-FFF2-40B4-BE49-F238E27FC236}">
+                <a16:creationId xmlns:a16="http://schemas.microsoft.com/office/drawing/2014/main" id="{B2881A71-44B3-48E4-AD75-D8A16012B22D}"/>
+              </a:ext>
+            </a:extLst>
+          </p:cNvPr>
+          <p:cNvPicPr>
+            <a:picLocks noChangeAspect="1" noChangeArrowheads="1"/>
+          </p:cNvPicPr>
+          <p:nvPr/>
+        </p:nvPicPr>
+        <p:blipFill>
+          <a:blip r:embed="rId4">
+            <a:extLst>
+              <a:ext uri="{28A0092B-C50C-407E-A947-70E740481C1C}">
+                <a14:useLocalDpi xmlns:a14="http://schemas.microsoft.com/office/drawing/2010/main" val="0"/>
+              </a:ext>
+            </a:extLst>
+          </a:blip>
+          <a:srcRect/>
+          <a:stretch>
+            <a:fillRect/>
+          </a:stretch>
+        </p:blipFill>
+        <p:spPr bwMode="auto">
+          <a:xfrm>
+            <a:off x="779613" y="4665678"/>
+            <a:ext cx="4311668" cy="1619909"/>
+          </a:xfrm>
+          <a:prstGeom prst="rect">
+            <a:avLst/>
+          </a:prstGeom>
+          <a:noFill/>
+          <a:extLst>
+            <a:ext uri="{909E8E84-426E-40DD-AFC4-6F175D3DCCD1}">
+              <a14:hiddenFill xmlns:a14="http://schemas.microsoft.com/office/drawing/2010/main">
+                <a:solidFill>
+                  <a:srgbClr val="FFFFFF"/>
+                </a:solidFill>
+              </a14:hiddenFill>
+            </a:ext>
+          </a:extLst>
+        </p:spPr>
+      </p:pic>
+      <p:sp>
+        <p:nvSpPr>
+          <p:cNvPr id="17" name="제목 1">
+            <a:extLst>
+              <a:ext uri="{FF2B5EF4-FFF2-40B4-BE49-F238E27FC236}">
+                <a16:creationId xmlns:a16="http://schemas.microsoft.com/office/drawing/2014/main" id="{2AD96BAA-816F-4703-91D2-87CAB5A94192}"/>
+              </a:ext>
+            </a:extLst>
+          </p:cNvPr>
+          <p:cNvSpPr txBox="1">
+            <a:spLocks/>
+          </p:cNvSpPr>
+          <p:nvPr/>
+        </p:nvSpPr>
+        <p:spPr>
+          <a:xfrm>
+            <a:off x="1631418" y="4019109"/>
+            <a:ext cx="2970086" cy="646569"/>
+          </a:xfrm>
+          <a:prstGeom prst="rect">
+            <a:avLst/>
+          </a:prstGeom>
+        </p:spPr>
+        <p:txBody>
+          <a:bodyPr vert="horz" lIns="91440" tIns="45720" rIns="91440" bIns="45720" rtlCol="0" anchor="b">
+            <a:normAutofit/>
+          </a:bodyPr>
+          <a:lstStyle>
+            <a:lvl1pPr algn="ctr" defTabSz="914400" rtl="0" eaLnBrk="1" latinLnBrk="0" hangingPunct="1">
+              <a:lnSpc>
+                <a:spcPct val="90000"/>
+              </a:lnSpc>
+              <a:spcBef>
+                <a:spcPct val="0"/>
+              </a:spcBef>
+              <a:buNone/>
+              <a:defRPr sz="6000" kern="1200">
+                <a:solidFill>
+                  <a:schemeClr val="tx1"/>
+                </a:solidFill>
+                <a:latin typeface="+mj-lt"/>
+                <a:ea typeface="+mj-ea"/>
+                <a:cs typeface="+mj-cs"/>
+              </a:defRPr>
+            </a:lvl1pPr>
+          </a:lstStyle>
+          <a:p>
+            <a:r>
+              <a:rPr lang="en-US" altLang="ko-KR" sz="2000" b="1" dirty="0">
+                <a:latin typeface="HY헤드라인M" panose="02030600000101010101" pitchFamily="18" charset="-127"/>
+                <a:ea typeface="HY헤드라인M" panose="02030600000101010101" pitchFamily="18" charset="-127"/>
+              </a:rPr>
+              <a:t>Classification Loss :</a:t>
+            </a:r>
+          </a:p>
+          <a:p>
+            <a:r>
+              <a:rPr lang="en-US" altLang="ko-KR" sz="2000" b="1" dirty="0">
+                <a:latin typeface="HY헤드라인M" panose="02030600000101010101" pitchFamily="18" charset="-127"/>
+                <a:ea typeface="HY헤드라인M" panose="02030600000101010101" pitchFamily="18" charset="-127"/>
+              </a:rPr>
+              <a:t>Cross Entropy</a:t>
+            </a:r>
+            <a:r>
+              <a:rPr lang="ko-KR" altLang="en-US" sz="2000" b="1" dirty="0">
+                <a:latin typeface="HY헤드라인M" panose="02030600000101010101" pitchFamily="18" charset="-127"/>
+                <a:ea typeface="HY헤드라인M" panose="02030600000101010101" pitchFamily="18" charset="-127"/>
+              </a:rPr>
+              <a:t> </a:t>
+            </a:r>
+            <a:endParaRPr lang="en-US" altLang="ko-KR" sz="2000" b="1" dirty="0">
+              <a:latin typeface="HY헤드라인M" panose="02030600000101010101" pitchFamily="18" charset="-127"/>
+              <a:ea typeface="HY헤드라인M" panose="02030600000101010101" pitchFamily="18" charset="-127"/>
+            </a:endParaRPr>
+          </a:p>
+        </p:txBody>
+      </p:sp>
+      <p:sp>
+        <p:nvSpPr>
+          <p:cNvPr id="18" name="사각형: 둥근 모서리 17">
+            <a:extLst>
+              <a:ext uri="{FF2B5EF4-FFF2-40B4-BE49-F238E27FC236}">
+                <a16:creationId xmlns:a16="http://schemas.microsoft.com/office/drawing/2014/main" id="{9983EA58-6583-48DC-80CF-8CC52F2439B8}"/>
+              </a:ext>
+            </a:extLst>
+          </p:cNvPr>
+          <p:cNvSpPr/>
+          <p:nvPr/>
+        </p:nvSpPr>
+        <p:spPr>
+          <a:xfrm>
+            <a:off x="759173" y="3959258"/>
+            <a:ext cx="4681998" cy="2493073"/>
+          </a:xfrm>
+          <a:prstGeom prst="roundRect">
+            <a:avLst/>
+          </a:prstGeom>
+          <a:noFill/>
+          <a:ln w="57150">
+            <a:solidFill>
+              <a:schemeClr val="accent1">
+                <a:lumMod val="40000"/>
+                <a:lumOff val="60000"/>
+              </a:schemeClr>
+            </a:solidFill>
+          </a:ln>
+        </p:spPr>
+        <p:style>
+          <a:lnRef idx="2">
+            <a:schemeClr val="accent1">
+              <a:shade val="50000"/>
+            </a:schemeClr>
+          </a:lnRef>
+          <a:fillRef idx="1">
+            <a:schemeClr val="accent1"/>
+          </a:fillRef>
+          <a:effectRef idx="0">
+            <a:schemeClr val="accent1"/>
+          </a:effectRef>
+          <a:fontRef idx="minor">
+            <a:schemeClr val="lt1"/>
+          </a:fontRef>
+        </p:style>
+        <p:txBody>
+          <a:bodyPr rtlCol="0" anchor="ctr"/>
+          <a:lstStyle/>
+          <a:p>
+            <a:pPr algn="ctr"/>
+            <a:endParaRPr lang="ko-KR" altLang="en-US"/>
+          </a:p>
+        </p:txBody>
+      </p:sp>
+      <p:pic>
+        <p:nvPicPr>
+          <p:cNvPr id="19" name="그림 18">
+            <a:extLst>
+              <a:ext uri="{FF2B5EF4-FFF2-40B4-BE49-F238E27FC236}">
+                <a16:creationId xmlns:a16="http://schemas.microsoft.com/office/drawing/2014/main" id="{5D889B4D-9A12-4F0B-9BA4-8100013E7601}"/>
+              </a:ext>
+            </a:extLst>
+          </p:cNvPr>
+          <p:cNvPicPr>
+            <a:picLocks noChangeAspect="1"/>
+          </p:cNvPicPr>
+          <p:nvPr/>
+        </p:nvPicPr>
+        <p:blipFill>
+          <a:blip r:embed="rId5"/>
+          <a:stretch>
+            <a:fillRect/>
+          </a:stretch>
+        </p:blipFill>
+        <p:spPr>
+          <a:xfrm>
+            <a:off x="5774637" y="4083435"/>
+            <a:ext cx="5977325" cy="608321"/>
+          </a:xfrm>
+          <a:prstGeom prst="rect">
+            <a:avLst/>
+          </a:prstGeom>
+        </p:spPr>
+      </p:pic>
+      <p:pic>
+        <p:nvPicPr>
+          <p:cNvPr id="20" name="그림 19">
+            <a:extLst>
+              <a:ext uri="{FF2B5EF4-FFF2-40B4-BE49-F238E27FC236}">
+                <a16:creationId xmlns:a16="http://schemas.microsoft.com/office/drawing/2014/main" id="{058E9B29-6EDC-4C9F-ACAB-A1EFD0629A72}"/>
+              </a:ext>
+            </a:extLst>
+          </p:cNvPr>
+          <p:cNvPicPr>
+            <a:picLocks noChangeAspect="1"/>
+          </p:cNvPicPr>
+          <p:nvPr/>
+        </p:nvPicPr>
+        <p:blipFill>
+          <a:blip r:embed="rId6"/>
+          <a:stretch>
+            <a:fillRect/>
+          </a:stretch>
+        </p:blipFill>
+        <p:spPr>
+          <a:xfrm>
+            <a:off x="5798459" y="5315595"/>
+            <a:ext cx="6105525" cy="1104304"/>
+          </a:xfrm>
+          <a:prstGeom prst="rect">
+            <a:avLst/>
+          </a:prstGeom>
+        </p:spPr>
+      </p:pic>
+      <p:sp>
+        <p:nvSpPr>
+          <p:cNvPr id="21" name="제목 1">
+            <a:extLst>
+              <a:ext uri="{FF2B5EF4-FFF2-40B4-BE49-F238E27FC236}">
+                <a16:creationId xmlns:a16="http://schemas.microsoft.com/office/drawing/2014/main" id="{CD63D849-B9F8-493A-B1A1-D0D681440810}"/>
+              </a:ext>
+            </a:extLst>
+          </p:cNvPr>
+          <p:cNvSpPr txBox="1">
+            <a:spLocks/>
+          </p:cNvSpPr>
+          <p:nvPr/>
+        </p:nvSpPr>
+        <p:spPr>
+          <a:xfrm>
+            <a:off x="5651501" y="4960157"/>
+            <a:ext cx="6363710" cy="355438"/>
+          </a:xfrm>
+          <a:prstGeom prst="rect">
+            <a:avLst/>
+          </a:prstGeom>
+        </p:spPr>
+        <p:txBody>
+          <a:bodyPr vert="horz" lIns="91440" tIns="45720" rIns="91440" bIns="45720" rtlCol="0" anchor="b">
+            <a:normAutofit lnSpcReduction="10000"/>
+          </a:bodyPr>
+          <a:lstStyle>
+            <a:lvl1pPr algn="ctr" defTabSz="914400" rtl="0" eaLnBrk="1" latinLnBrk="0" hangingPunct="1">
+              <a:lnSpc>
+                <a:spcPct val="90000"/>
+              </a:lnSpc>
+              <a:spcBef>
+                <a:spcPct val="0"/>
+              </a:spcBef>
+              <a:buNone/>
+              <a:defRPr sz="6000" kern="1200">
+                <a:solidFill>
+                  <a:schemeClr val="tx1"/>
+                </a:solidFill>
+                <a:latin typeface="+mj-lt"/>
+                <a:ea typeface="+mj-ea"/>
+                <a:cs typeface="+mj-cs"/>
+              </a:defRPr>
+            </a:lvl1pPr>
+          </a:lstStyle>
+          <a:p>
+            <a:r>
+              <a:rPr lang="en-US" altLang="ko-KR" sz="2000" b="1" dirty="0">
+                <a:latin typeface="HY헤드라인M" panose="02030600000101010101" pitchFamily="18" charset="-127"/>
+                <a:ea typeface="HY헤드라인M" panose="02030600000101010101" pitchFamily="18" charset="-127"/>
+              </a:rPr>
+              <a:t>In </a:t>
+            </a:r>
+            <a:r>
+              <a:rPr lang="en-US" altLang="ko-KR" sz="2000" b="1" dirty="0" err="1">
+                <a:latin typeface="HY헤드라인M" panose="02030600000101010101" pitchFamily="18" charset="-127"/>
+                <a:ea typeface="HY헤드라인M" panose="02030600000101010101" pitchFamily="18" charset="-127"/>
+              </a:rPr>
+              <a:t>Pytorch</a:t>
+            </a:r>
+            <a:r>
+              <a:rPr lang="en-US" altLang="ko-KR" sz="2000" b="1" dirty="0">
+                <a:latin typeface="HY헤드라인M" panose="02030600000101010101" pitchFamily="18" charset="-127"/>
+                <a:ea typeface="HY헤드라인M" panose="02030600000101010101" pitchFamily="18" charset="-127"/>
+              </a:rPr>
+              <a:t> homepage, </a:t>
+            </a:r>
+            <a:r>
+              <a:rPr lang="en-US" altLang="ko-KR" sz="2000" b="1" dirty="0" err="1">
+                <a:latin typeface="HY헤드라인M" panose="02030600000101010101" pitchFamily="18" charset="-127"/>
+                <a:ea typeface="HY헤드라인M" panose="02030600000101010101" pitchFamily="18" charset="-127"/>
+              </a:rPr>
+              <a:t>nn.CrossEntropyLoss</a:t>
+            </a:r>
+            <a:r>
+              <a:rPr lang="en-US" altLang="ko-KR" sz="2000" b="1" dirty="0">
+                <a:latin typeface="HY헤드라인M" panose="02030600000101010101" pitchFamily="18" charset="-127"/>
+                <a:ea typeface="HY헤드라인M" panose="02030600000101010101" pitchFamily="18" charset="-127"/>
+              </a:rPr>
+              <a:t> tables.</a:t>
+            </a:r>
           </a:p>
         </p:txBody>
       </p:sp>
@@ -9463,7 +9600,7 @@
         </p:nvSpPr>
         <p:spPr>
           <a:xfrm>
-            <a:off x="-1" y="86373"/>
+            <a:off x="-1" y="55903"/>
             <a:ext cx="12114100" cy="830997"/>
           </a:xfrm>
           <a:prstGeom prst="rect">
@@ -9491,7 +9628,7 @@
               <a:t> </a:t>
             </a:r>
             <a:r>
-              <a:rPr kumimoji="1" lang="en-US" altLang="ko-Kore-KR" sz="3600" b="1" dirty="0">
+              <a:rPr kumimoji="1" lang="en-US" altLang="ko-Kore-KR" sz="3600" b="1" dirty="0" err="1">
                 <a:solidFill>
                   <a:schemeClr val="accent1">
                     <a:lumMod val="75000"/>
@@ -9501,10 +9638,10 @@
                 <a:ea typeface="NanumSquareOTF ExtraBold" panose="020B0600000101010101" pitchFamily="34" charset="-127"/>
                 <a:cs typeface="Arial Black" panose="020B0604020202020204" pitchFamily="34" charset="0"/>
               </a:rPr>
-              <a:t>Loss in Classification : </a:t>
-            </a:r>
-            <a:r>
-              <a:rPr kumimoji="1" lang="en-US" altLang="ko-Kore-KR" sz="3600" b="1" dirty="0" err="1">
+              <a:t>LearningRate_Scheduler</a:t>
+            </a:r>
+            <a:r>
+              <a:rPr kumimoji="1" lang="en-US" altLang="ko-Kore-KR" sz="3600" b="1" dirty="0">
                 <a:solidFill>
                   <a:schemeClr val="accent1">
                     <a:lumMod val="75000"/>
@@ -9514,7 +9651,20 @@
                 <a:ea typeface="NanumSquareOTF ExtraBold" panose="020B0600000101010101" pitchFamily="34" charset="-127"/>
                 <a:cs typeface="Arial Black" panose="020B0604020202020204" pitchFamily="34" charset="0"/>
               </a:rPr>
-              <a:t>Cross_entropy</a:t>
+              <a:t> in </a:t>
+            </a:r>
+            <a:r>
+              <a:rPr kumimoji="1" lang="en-US" altLang="ko-Kore-KR" sz="3600" b="1" dirty="0" err="1">
+                <a:solidFill>
+                  <a:schemeClr val="accent1">
+                    <a:lumMod val="75000"/>
+                  </a:schemeClr>
+                </a:solidFill>
+                <a:latin typeface="Arial Black" panose="020B0604020202020204" pitchFamily="34" charset="0"/>
+                <a:ea typeface="NanumSquareOTF ExtraBold" panose="020B0600000101010101" pitchFamily="34" charset="-127"/>
+                <a:cs typeface="Arial Black" panose="020B0604020202020204" pitchFamily="34" charset="0"/>
+              </a:rPr>
+              <a:t>Pytorch</a:t>
             </a:r>
             <a:endParaRPr kumimoji="1" lang="en-US" altLang="ko-Kore-KR" sz="3600" b="1" dirty="0">
               <a:solidFill>
@@ -9800,7 +9950,7 @@
         </p:nvSpPr>
         <p:spPr>
           <a:xfrm>
-            <a:off x="-1" y="-2493566"/>
+            <a:off x="-508" y="-2466032"/>
             <a:ext cx="10515600" cy="2326192"/>
           </a:xfrm>
           <a:prstGeom prst="rect">
@@ -10121,7 +10271,7 @@
                 <a:latin typeface="HY헤드라인M" panose="02030600000101010101" pitchFamily="18" charset="-127"/>
                 <a:ea typeface="HY헤드라인M" panose="02030600000101010101" pitchFamily="18" charset="-127"/>
               </a:rPr>
-              <a:t>5/8</a:t>
+              <a:t>4/6</a:t>
             </a:r>
             <a:endParaRPr lang="ko-KR" altLang="en-US" sz="1400" dirty="0">
               <a:latin typeface="HY헤드라인M" panose="02030600000101010101" pitchFamily="18" charset="-127"/>
@@ -10132,10 +10282,10 @@
       </p:sp>
       <p:pic>
         <p:nvPicPr>
-          <p:cNvPr id="15" name="Picture 2" descr="https://gombru.github.io/assets/cross_entropy_loss/softmax_CE_pipeline.png">
-            <a:extLst>
-              <a:ext uri="{FF2B5EF4-FFF2-40B4-BE49-F238E27FC236}">
-                <a16:creationId xmlns:a16="http://schemas.microsoft.com/office/drawing/2014/main" id="{65873993-AFEB-46ED-A6C2-0A5B8A3E9AB8}"/>
+          <p:cNvPr id="1026" name="Picture 2" descr="https://blog.kakaocdn.net/dn/m1cXf/btqOH84JXaY/U4hrlQEifwvP6Pov5taX81/img.png">
+            <a:extLst>
+              <a:ext uri="{FF2B5EF4-FFF2-40B4-BE49-F238E27FC236}">
+                <a16:creationId xmlns:a16="http://schemas.microsoft.com/office/drawing/2014/main" id="{9965F99C-2A3F-4241-B405-A08C959263BB}"/>
               </a:ext>
             </a:extLst>
           </p:cNvPr>
@@ -10159,8 +10309,8 @@
         </p:blipFill>
         <p:spPr bwMode="auto">
           <a:xfrm>
-            <a:off x="396872" y="1899819"/>
-            <a:ext cx="4311668" cy="1619909"/>
+            <a:off x="818794" y="1051606"/>
+            <a:ext cx="4866120" cy="2514600"/>
           </a:xfrm>
           <a:prstGeom prst="rect">
             <a:avLst/>
@@ -10177,12 +10327,153 @@
           </a:extLst>
         </p:spPr>
       </p:pic>
+      <p:pic>
+        <p:nvPicPr>
+          <p:cNvPr id="1030" name="Picture 6" descr="https://blog.kakaocdn.net/dn/b2BFko/btqOUlVgZU3/OA2OWctZ3wF2Eakhpaf1Y1/img.png">
+            <a:extLst>
+              <a:ext uri="{FF2B5EF4-FFF2-40B4-BE49-F238E27FC236}">
+                <a16:creationId xmlns:a16="http://schemas.microsoft.com/office/drawing/2014/main" id="{EF86834D-EBE0-448F-8101-7D884D914199}"/>
+              </a:ext>
+            </a:extLst>
+          </p:cNvPr>
+          <p:cNvPicPr>
+            <a:picLocks noChangeAspect="1" noChangeArrowheads="1"/>
+          </p:cNvPicPr>
+          <p:nvPr/>
+        </p:nvPicPr>
+        <p:blipFill>
+          <a:blip r:embed="rId3">
+            <a:extLst>
+              <a:ext uri="{28A0092B-C50C-407E-A947-70E740481C1C}">
+                <a14:useLocalDpi xmlns:a14="http://schemas.microsoft.com/office/drawing/2010/main" val="0"/>
+              </a:ext>
+            </a:extLst>
+          </a:blip>
+          <a:srcRect/>
+          <a:stretch>
+            <a:fillRect/>
+          </a:stretch>
+        </p:blipFill>
+        <p:spPr bwMode="auto">
+          <a:xfrm>
+            <a:off x="6081517" y="1107707"/>
+            <a:ext cx="4878761" cy="2514600"/>
+          </a:xfrm>
+          <a:prstGeom prst="rect">
+            <a:avLst/>
+          </a:prstGeom>
+          <a:noFill/>
+          <a:extLst>
+            <a:ext uri="{909E8E84-426E-40DD-AFC4-6F175D3DCCD1}">
+              <a14:hiddenFill xmlns:a14="http://schemas.microsoft.com/office/drawing/2010/main">
+                <a:solidFill>
+                  <a:srgbClr val="FFFFFF"/>
+                </a:solidFill>
+              </a14:hiddenFill>
+            </a:ext>
+          </a:extLst>
+        </p:spPr>
+      </p:pic>
+      <p:pic>
+        <p:nvPicPr>
+          <p:cNvPr id="1032" name="Picture 8" descr="https://blog.kakaocdn.net/dn/b1wSdj/btqOS9Hwj1r/wH4nBkp6MYXEKP2wBaqlnk/img.png">
+            <a:extLst>
+              <a:ext uri="{FF2B5EF4-FFF2-40B4-BE49-F238E27FC236}">
+                <a16:creationId xmlns:a16="http://schemas.microsoft.com/office/drawing/2014/main" id="{257A0FA8-94DB-4ADA-90FA-84A30EBAA5B0}"/>
+              </a:ext>
+            </a:extLst>
+          </p:cNvPr>
+          <p:cNvPicPr>
+            <a:picLocks noChangeAspect="1" noChangeArrowheads="1"/>
+          </p:cNvPicPr>
+          <p:nvPr/>
+        </p:nvPicPr>
+        <p:blipFill>
+          <a:blip r:embed="rId4">
+            <a:extLst>
+              <a:ext uri="{28A0092B-C50C-407E-A947-70E740481C1C}">
+                <a14:useLocalDpi xmlns:a14="http://schemas.microsoft.com/office/drawing/2010/main" val="0"/>
+              </a:ext>
+            </a:extLst>
+          </a:blip>
+          <a:srcRect/>
+          <a:stretch>
+            <a:fillRect/>
+          </a:stretch>
+        </p:blipFill>
+        <p:spPr bwMode="auto">
+          <a:xfrm>
+            <a:off x="832652" y="3952327"/>
+            <a:ext cx="4865914" cy="2514600"/>
+          </a:xfrm>
+          <a:prstGeom prst="rect">
+            <a:avLst/>
+          </a:prstGeom>
+          <a:noFill/>
+          <a:extLst>
+            <a:ext uri="{909E8E84-426E-40DD-AFC4-6F175D3DCCD1}">
+              <a14:hiddenFill xmlns:a14="http://schemas.microsoft.com/office/drawing/2010/main">
+                <a:solidFill>
+                  <a:srgbClr val="FFFFFF"/>
+                </a:solidFill>
+              </a14:hiddenFill>
+            </a:ext>
+          </a:extLst>
+        </p:spPr>
+      </p:pic>
+      <p:pic>
+        <p:nvPicPr>
+          <p:cNvPr id="1034" name="Picture 10" descr="Drawing">
+            <a:extLst>
+              <a:ext uri="{FF2B5EF4-FFF2-40B4-BE49-F238E27FC236}">
+                <a16:creationId xmlns:a16="http://schemas.microsoft.com/office/drawing/2014/main" id="{E75A823E-A38A-4053-B4F9-03BD3FEF592B}"/>
+              </a:ext>
+            </a:extLst>
+          </p:cNvPr>
+          <p:cNvPicPr>
+            <a:picLocks noChangeAspect="1" noChangeArrowheads="1"/>
+          </p:cNvPicPr>
+          <p:nvPr/>
+        </p:nvPicPr>
+        <p:blipFill>
+          <a:blip r:embed="rId5">
+            <a:extLst>
+              <a:ext uri="{28A0092B-C50C-407E-A947-70E740481C1C}">
+                <a14:useLocalDpi xmlns:a14="http://schemas.microsoft.com/office/drawing/2010/main" val="0"/>
+              </a:ext>
+            </a:extLst>
+          </a:blip>
+          <a:srcRect/>
+          <a:stretch>
+            <a:fillRect/>
+          </a:stretch>
+        </p:blipFill>
+        <p:spPr bwMode="auto">
+          <a:xfrm>
+            <a:off x="6210551" y="4090942"/>
+            <a:ext cx="4865914" cy="2391856"/>
+          </a:xfrm>
+          <a:prstGeom prst="rect">
+            <a:avLst/>
+          </a:prstGeom>
+          <a:noFill/>
+          <a:extLst>
+            <a:ext uri="{909E8E84-426E-40DD-AFC4-6F175D3DCCD1}">
+              <a14:hiddenFill xmlns:a14="http://schemas.microsoft.com/office/drawing/2010/main">
+                <a:solidFill>
+                  <a:srgbClr val="FFFFFF"/>
+                </a:solidFill>
+              </a14:hiddenFill>
+            </a:ext>
+          </a:extLst>
+        </p:spPr>
+      </p:pic>
       <p:sp>
         <p:nvSpPr>
-          <p:cNvPr id="16" name="제목 1">
-            <a:extLst>
-              <a:ext uri="{FF2B5EF4-FFF2-40B4-BE49-F238E27FC236}">
-                <a16:creationId xmlns:a16="http://schemas.microsoft.com/office/drawing/2014/main" id="{E91F38E0-E26D-499A-BD65-EA35FF2066A9}"/>
+          <p:cNvPr id="22" name="내용 개체 틀 2">
+            <a:extLst>
+              <a:ext uri="{FF2B5EF4-FFF2-40B4-BE49-F238E27FC236}">
+                <a16:creationId xmlns:a16="http://schemas.microsoft.com/office/drawing/2014/main" id="{8EE3B29D-FA0A-4582-A542-4D6F4D81E92B}"/>
               </a:ext>
             </a:extLst>
           </p:cNvPr>
@@ -10193,73 +10484,1634 @@
         </p:nvSpPr>
         <p:spPr>
           <a:xfrm>
-            <a:off x="1248677" y="1253250"/>
-            <a:ext cx="2970086" cy="646569"/>
+            <a:off x="1463202" y="3498125"/>
+            <a:ext cx="3293609" cy="381876"/>
           </a:xfrm>
           <a:prstGeom prst="rect">
             <a:avLst/>
           </a:prstGeom>
         </p:spPr>
         <p:txBody>
-          <a:bodyPr vert="horz" lIns="91440" tIns="45720" rIns="91440" bIns="45720" rtlCol="0" anchor="b">
-            <a:normAutofit/>
+          <a:bodyPr vert="horz" lIns="91440" tIns="45720" rIns="91440" bIns="45720" rtlCol="0">
+            <a:normAutofit fontScale="92500" lnSpcReduction="20000"/>
           </a:bodyPr>
           <a:lstStyle>
-            <a:lvl1pPr algn="ctr" defTabSz="914400" rtl="0" eaLnBrk="1" latinLnBrk="0" hangingPunct="1">
+            <a:lvl1pPr marL="0" indent="0" algn="ctr" defTabSz="914400" rtl="0" eaLnBrk="1" latinLnBrk="0" hangingPunct="1">
               <a:lnSpc>
                 <a:spcPct val="90000"/>
               </a:lnSpc>
               <a:spcBef>
+                <a:spcPts val="1000"/>
+              </a:spcBef>
+              <a:buFont typeface="Arial" panose="020B0604020202020204" pitchFamily="34" charset="0"/>
+              <a:buNone/>
+              <a:defRPr sz="2400" kern="1200">
+                <a:solidFill>
+                  <a:schemeClr val="tx1"/>
+                </a:solidFill>
+                <a:latin typeface="+mn-lt"/>
+                <a:ea typeface="+mn-ea"/>
+                <a:cs typeface="+mn-cs"/>
+              </a:defRPr>
+            </a:lvl1pPr>
+            <a:lvl2pPr marL="457200" indent="0" algn="ctr" defTabSz="914400" rtl="0" eaLnBrk="1" latinLnBrk="0" hangingPunct="1">
+              <a:lnSpc>
+                <a:spcPct val="90000"/>
+              </a:lnSpc>
+              <a:spcBef>
+                <a:spcPts val="500"/>
+              </a:spcBef>
+              <a:buFont typeface="Arial" panose="020B0604020202020204" pitchFamily="34" charset="0"/>
+              <a:buNone/>
+              <a:defRPr sz="2000" kern="1200">
+                <a:solidFill>
+                  <a:schemeClr val="tx1"/>
+                </a:solidFill>
+                <a:latin typeface="+mn-lt"/>
+                <a:ea typeface="+mn-ea"/>
+                <a:cs typeface="+mn-cs"/>
+              </a:defRPr>
+            </a:lvl2pPr>
+            <a:lvl3pPr marL="914400" indent="0" algn="ctr" defTabSz="914400" rtl="0" eaLnBrk="1" latinLnBrk="0" hangingPunct="1">
+              <a:lnSpc>
+                <a:spcPct val="90000"/>
+              </a:lnSpc>
+              <a:spcBef>
+                <a:spcPts val="500"/>
+              </a:spcBef>
+              <a:buFont typeface="Arial" panose="020B0604020202020204" pitchFamily="34" charset="0"/>
+              <a:buNone/>
+              <a:defRPr sz="1800" kern="1200">
+                <a:solidFill>
+                  <a:schemeClr val="tx1"/>
+                </a:solidFill>
+                <a:latin typeface="+mn-lt"/>
+                <a:ea typeface="+mn-ea"/>
+                <a:cs typeface="+mn-cs"/>
+              </a:defRPr>
+            </a:lvl3pPr>
+            <a:lvl4pPr marL="1371600" indent="0" algn="ctr" defTabSz="914400" rtl="0" eaLnBrk="1" latinLnBrk="0" hangingPunct="1">
+              <a:lnSpc>
+                <a:spcPct val="90000"/>
+              </a:lnSpc>
+              <a:spcBef>
+                <a:spcPts val="500"/>
+              </a:spcBef>
+              <a:buFont typeface="Arial" panose="020B0604020202020204" pitchFamily="34" charset="0"/>
+              <a:buNone/>
+              <a:defRPr sz="1600" kern="1200">
+                <a:solidFill>
+                  <a:schemeClr val="tx1"/>
+                </a:solidFill>
+                <a:latin typeface="+mn-lt"/>
+                <a:ea typeface="+mn-ea"/>
+                <a:cs typeface="+mn-cs"/>
+              </a:defRPr>
+            </a:lvl4pPr>
+            <a:lvl5pPr marL="1828800" indent="0" algn="ctr" defTabSz="914400" rtl="0" eaLnBrk="1" latinLnBrk="0" hangingPunct="1">
+              <a:lnSpc>
+                <a:spcPct val="90000"/>
+              </a:lnSpc>
+              <a:spcBef>
+                <a:spcPts val="500"/>
+              </a:spcBef>
+              <a:buFont typeface="Arial" panose="020B0604020202020204" pitchFamily="34" charset="0"/>
+              <a:buNone/>
+              <a:defRPr sz="1600" kern="1200">
+                <a:solidFill>
+                  <a:schemeClr val="tx1"/>
+                </a:solidFill>
+                <a:latin typeface="+mn-lt"/>
+                <a:ea typeface="+mn-ea"/>
+                <a:cs typeface="+mn-cs"/>
+              </a:defRPr>
+            </a:lvl5pPr>
+            <a:lvl6pPr marL="2286000" indent="0" algn="ctr" defTabSz="914400" rtl="0" eaLnBrk="1" latinLnBrk="0" hangingPunct="1">
+              <a:lnSpc>
+                <a:spcPct val="90000"/>
+              </a:lnSpc>
+              <a:spcBef>
+                <a:spcPts val="500"/>
+              </a:spcBef>
+              <a:buFont typeface="Arial" panose="020B0604020202020204" pitchFamily="34" charset="0"/>
+              <a:buNone/>
+              <a:defRPr sz="1600" kern="1200">
+                <a:solidFill>
+                  <a:schemeClr val="tx1"/>
+                </a:solidFill>
+                <a:latin typeface="+mn-lt"/>
+                <a:ea typeface="+mn-ea"/>
+                <a:cs typeface="+mn-cs"/>
+              </a:defRPr>
+            </a:lvl6pPr>
+            <a:lvl7pPr marL="2743200" indent="0" algn="ctr" defTabSz="914400" rtl="0" eaLnBrk="1" latinLnBrk="0" hangingPunct="1">
+              <a:lnSpc>
+                <a:spcPct val="90000"/>
+              </a:lnSpc>
+              <a:spcBef>
+                <a:spcPts val="500"/>
+              </a:spcBef>
+              <a:buFont typeface="Arial" panose="020B0604020202020204" pitchFamily="34" charset="0"/>
+              <a:buNone/>
+              <a:defRPr sz="1600" kern="1200">
+                <a:solidFill>
+                  <a:schemeClr val="tx1"/>
+                </a:solidFill>
+                <a:latin typeface="+mn-lt"/>
+                <a:ea typeface="+mn-ea"/>
+                <a:cs typeface="+mn-cs"/>
+              </a:defRPr>
+            </a:lvl7pPr>
+            <a:lvl8pPr marL="3200400" indent="0" algn="ctr" defTabSz="914400" rtl="0" eaLnBrk="1" latinLnBrk="0" hangingPunct="1">
+              <a:lnSpc>
+                <a:spcPct val="90000"/>
+              </a:lnSpc>
+              <a:spcBef>
+                <a:spcPts val="500"/>
+              </a:spcBef>
+              <a:buFont typeface="Arial" panose="020B0604020202020204" pitchFamily="34" charset="0"/>
+              <a:buNone/>
+              <a:defRPr sz="1600" kern="1200">
+                <a:solidFill>
+                  <a:schemeClr val="tx1"/>
+                </a:solidFill>
+                <a:latin typeface="+mn-lt"/>
+                <a:ea typeface="+mn-ea"/>
+                <a:cs typeface="+mn-cs"/>
+              </a:defRPr>
+            </a:lvl8pPr>
+            <a:lvl9pPr marL="3657600" indent="0" algn="ctr" defTabSz="914400" rtl="0" eaLnBrk="1" latinLnBrk="0" hangingPunct="1">
+              <a:lnSpc>
+                <a:spcPct val="90000"/>
+              </a:lnSpc>
+              <a:spcBef>
+                <a:spcPts val="500"/>
+              </a:spcBef>
+              <a:buFont typeface="Arial" panose="020B0604020202020204" pitchFamily="34" charset="0"/>
+              <a:buNone/>
+              <a:defRPr sz="1600" kern="1200">
+                <a:solidFill>
+                  <a:schemeClr val="tx1"/>
+                </a:solidFill>
+                <a:latin typeface="+mn-lt"/>
+                <a:ea typeface="+mn-ea"/>
+                <a:cs typeface="+mn-cs"/>
+              </a:defRPr>
+            </a:lvl9pPr>
+          </a:lstStyle>
+          <a:p>
+            <a:pPr lvl="0" algn="l" eaLnBrk="0" fontAlgn="base" hangingPunct="0">
+              <a:lnSpc>
+                <a:spcPct val="100000"/>
+              </a:lnSpc>
+              <a:spcBef>
                 <a:spcPct val="0"/>
               </a:spcBef>
-              <a:buNone/>
-              <a:defRPr sz="6000" kern="1200">
-                <a:solidFill>
-                  <a:schemeClr val="tx1"/>
-                </a:solidFill>
-                <a:latin typeface="+mj-lt"/>
-                <a:ea typeface="+mj-ea"/>
-                <a:cs typeface="+mj-cs"/>
-              </a:defRPr>
-            </a:lvl1pPr>
-          </a:lstStyle>
-          <a:p>
-            <a:r>
-              <a:rPr lang="en-US" altLang="ko-KR" sz="2000" b="1" dirty="0">
-                <a:latin typeface="HY헤드라인M" panose="02030600000101010101" pitchFamily="18" charset="-127"/>
-                <a:ea typeface="HY헤드라인M" panose="02030600000101010101" pitchFamily="18" charset="-127"/>
-              </a:rPr>
-              <a:t>Classification Loss :</a:t>
-            </a:r>
-          </a:p>
-          <a:p>
-            <a:r>
-              <a:rPr lang="en-US" altLang="ko-KR" sz="2000" b="1" dirty="0">
-                <a:latin typeface="HY헤드라인M" panose="02030600000101010101" pitchFamily="18" charset="-127"/>
-                <a:ea typeface="HY헤드라인M" panose="02030600000101010101" pitchFamily="18" charset="-127"/>
-              </a:rPr>
-              <a:t>Cross Entropy</a:t>
-            </a:r>
-            <a:r>
-              <a:rPr lang="ko-KR" altLang="en-US" sz="2000" b="1" dirty="0">
-                <a:latin typeface="HY헤드라인M" panose="02030600000101010101" pitchFamily="18" charset="-127"/>
-                <a:ea typeface="HY헤드라인M" panose="02030600000101010101" pitchFamily="18" charset="-127"/>
-              </a:rPr>
-              <a:t> </a:t>
-            </a:r>
-            <a:endParaRPr lang="en-US" altLang="ko-KR" sz="2000" b="1" dirty="0">
-              <a:latin typeface="HY헤드라인M" panose="02030600000101010101" pitchFamily="18" charset="-127"/>
-              <a:ea typeface="HY헤드라인M" panose="02030600000101010101" pitchFamily="18" charset="-127"/>
-            </a:endParaRPr>
+              <a:spcAft>
+                <a:spcPct val="0"/>
+              </a:spcAft>
+            </a:pPr>
+            <a:r>
+              <a:rPr lang="en-US" altLang="ko-KR" dirty="0"/>
+              <a:t>Lambda LR : 0.95 ** epoch</a:t>
+            </a:r>
+          </a:p>
+          <a:p>
+            <a:pPr lvl="0" algn="l" eaLnBrk="0" fontAlgn="base" hangingPunct="0">
+              <a:lnSpc>
+                <a:spcPct val="100000"/>
+              </a:lnSpc>
+              <a:spcBef>
+                <a:spcPct val="0"/>
+              </a:spcBef>
+              <a:spcAft>
+                <a:spcPct val="0"/>
+              </a:spcAft>
+            </a:pPr>
+            <a:endParaRPr lang="en-US" altLang="ko-KR" dirty="0"/>
+          </a:p>
+          <a:p>
+            <a:pPr lvl="0" algn="l" eaLnBrk="0" fontAlgn="base" hangingPunct="0">
+              <a:lnSpc>
+                <a:spcPct val="100000"/>
+              </a:lnSpc>
+              <a:spcBef>
+                <a:spcPct val="0"/>
+              </a:spcBef>
+              <a:spcAft>
+                <a:spcPct val="0"/>
+              </a:spcAft>
+            </a:pPr>
+            <a:endParaRPr lang="en-US" altLang="ko-KR" dirty="0"/>
           </a:p>
         </p:txBody>
       </p:sp>
       <p:sp>
         <p:nvSpPr>
-          <p:cNvPr id="17" name="사각형: 둥근 모서리 16">
-            <a:extLst>
-              <a:ext uri="{FF2B5EF4-FFF2-40B4-BE49-F238E27FC236}">
-                <a16:creationId xmlns:a16="http://schemas.microsoft.com/office/drawing/2014/main" id="{86B2B71B-62CA-4745-880F-7157C53384EF}"/>
+          <p:cNvPr id="23" name="내용 개체 틀 2">
+            <a:extLst>
+              <a:ext uri="{FF2B5EF4-FFF2-40B4-BE49-F238E27FC236}">
+                <a16:creationId xmlns:a16="http://schemas.microsoft.com/office/drawing/2014/main" id="{DB7B0E5F-6A0F-46DB-A0DF-9FC41F29E43A}"/>
+              </a:ext>
+            </a:extLst>
+          </p:cNvPr>
+          <p:cNvSpPr txBox="1">
+            <a:spLocks/>
+          </p:cNvSpPr>
+          <p:nvPr/>
+        </p:nvSpPr>
+        <p:spPr>
+          <a:xfrm>
+            <a:off x="6602175" y="3570977"/>
+            <a:ext cx="4011439" cy="381876"/>
+          </a:xfrm>
+          <a:prstGeom prst="rect">
+            <a:avLst/>
+          </a:prstGeom>
+        </p:spPr>
+        <p:txBody>
+          <a:bodyPr vert="horz" lIns="91440" tIns="45720" rIns="91440" bIns="45720" rtlCol="0">
+            <a:normAutofit fontScale="85000" lnSpcReduction="10000"/>
+          </a:bodyPr>
+          <a:lstStyle>
+            <a:lvl1pPr marL="0" indent="0" algn="ctr" defTabSz="914400" rtl="0" eaLnBrk="1" latinLnBrk="0" hangingPunct="1">
+              <a:lnSpc>
+                <a:spcPct val="90000"/>
+              </a:lnSpc>
+              <a:spcBef>
+                <a:spcPts val="1000"/>
+              </a:spcBef>
+              <a:buFont typeface="Arial" panose="020B0604020202020204" pitchFamily="34" charset="0"/>
+              <a:buNone/>
+              <a:defRPr sz="2400" kern="1200">
+                <a:solidFill>
+                  <a:schemeClr val="tx1"/>
+                </a:solidFill>
+                <a:latin typeface="+mn-lt"/>
+                <a:ea typeface="+mn-ea"/>
+                <a:cs typeface="+mn-cs"/>
+              </a:defRPr>
+            </a:lvl1pPr>
+            <a:lvl2pPr marL="457200" indent="0" algn="ctr" defTabSz="914400" rtl="0" eaLnBrk="1" latinLnBrk="0" hangingPunct="1">
+              <a:lnSpc>
+                <a:spcPct val="90000"/>
+              </a:lnSpc>
+              <a:spcBef>
+                <a:spcPts val="500"/>
+              </a:spcBef>
+              <a:buFont typeface="Arial" panose="020B0604020202020204" pitchFamily="34" charset="0"/>
+              <a:buNone/>
+              <a:defRPr sz="2000" kern="1200">
+                <a:solidFill>
+                  <a:schemeClr val="tx1"/>
+                </a:solidFill>
+                <a:latin typeface="+mn-lt"/>
+                <a:ea typeface="+mn-ea"/>
+                <a:cs typeface="+mn-cs"/>
+              </a:defRPr>
+            </a:lvl2pPr>
+            <a:lvl3pPr marL="914400" indent="0" algn="ctr" defTabSz="914400" rtl="0" eaLnBrk="1" latinLnBrk="0" hangingPunct="1">
+              <a:lnSpc>
+                <a:spcPct val="90000"/>
+              </a:lnSpc>
+              <a:spcBef>
+                <a:spcPts val="500"/>
+              </a:spcBef>
+              <a:buFont typeface="Arial" panose="020B0604020202020204" pitchFamily="34" charset="0"/>
+              <a:buNone/>
+              <a:defRPr sz="1800" kern="1200">
+                <a:solidFill>
+                  <a:schemeClr val="tx1"/>
+                </a:solidFill>
+                <a:latin typeface="+mn-lt"/>
+                <a:ea typeface="+mn-ea"/>
+                <a:cs typeface="+mn-cs"/>
+              </a:defRPr>
+            </a:lvl3pPr>
+            <a:lvl4pPr marL="1371600" indent="0" algn="ctr" defTabSz="914400" rtl="0" eaLnBrk="1" latinLnBrk="0" hangingPunct="1">
+              <a:lnSpc>
+                <a:spcPct val="90000"/>
+              </a:lnSpc>
+              <a:spcBef>
+                <a:spcPts val="500"/>
+              </a:spcBef>
+              <a:buFont typeface="Arial" panose="020B0604020202020204" pitchFamily="34" charset="0"/>
+              <a:buNone/>
+              <a:defRPr sz="1600" kern="1200">
+                <a:solidFill>
+                  <a:schemeClr val="tx1"/>
+                </a:solidFill>
+                <a:latin typeface="+mn-lt"/>
+                <a:ea typeface="+mn-ea"/>
+                <a:cs typeface="+mn-cs"/>
+              </a:defRPr>
+            </a:lvl4pPr>
+            <a:lvl5pPr marL="1828800" indent="0" algn="ctr" defTabSz="914400" rtl="0" eaLnBrk="1" latinLnBrk="0" hangingPunct="1">
+              <a:lnSpc>
+                <a:spcPct val="90000"/>
+              </a:lnSpc>
+              <a:spcBef>
+                <a:spcPts val="500"/>
+              </a:spcBef>
+              <a:buFont typeface="Arial" panose="020B0604020202020204" pitchFamily="34" charset="0"/>
+              <a:buNone/>
+              <a:defRPr sz="1600" kern="1200">
+                <a:solidFill>
+                  <a:schemeClr val="tx1"/>
+                </a:solidFill>
+                <a:latin typeface="+mn-lt"/>
+                <a:ea typeface="+mn-ea"/>
+                <a:cs typeface="+mn-cs"/>
+              </a:defRPr>
+            </a:lvl5pPr>
+            <a:lvl6pPr marL="2286000" indent="0" algn="ctr" defTabSz="914400" rtl="0" eaLnBrk="1" latinLnBrk="0" hangingPunct="1">
+              <a:lnSpc>
+                <a:spcPct val="90000"/>
+              </a:lnSpc>
+              <a:spcBef>
+                <a:spcPts val="500"/>
+              </a:spcBef>
+              <a:buFont typeface="Arial" panose="020B0604020202020204" pitchFamily="34" charset="0"/>
+              <a:buNone/>
+              <a:defRPr sz="1600" kern="1200">
+                <a:solidFill>
+                  <a:schemeClr val="tx1"/>
+                </a:solidFill>
+                <a:latin typeface="+mn-lt"/>
+                <a:ea typeface="+mn-ea"/>
+                <a:cs typeface="+mn-cs"/>
+              </a:defRPr>
+            </a:lvl6pPr>
+            <a:lvl7pPr marL="2743200" indent="0" algn="ctr" defTabSz="914400" rtl="0" eaLnBrk="1" latinLnBrk="0" hangingPunct="1">
+              <a:lnSpc>
+                <a:spcPct val="90000"/>
+              </a:lnSpc>
+              <a:spcBef>
+                <a:spcPts val="500"/>
+              </a:spcBef>
+              <a:buFont typeface="Arial" panose="020B0604020202020204" pitchFamily="34" charset="0"/>
+              <a:buNone/>
+              <a:defRPr sz="1600" kern="1200">
+                <a:solidFill>
+                  <a:schemeClr val="tx1"/>
+                </a:solidFill>
+                <a:latin typeface="+mn-lt"/>
+                <a:ea typeface="+mn-ea"/>
+                <a:cs typeface="+mn-cs"/>
+              </a:defRPr>
+            </a:lvl7pPr>
+            <a:lvl8pPr marL="3200400" indent="0" algn="ctr" defTabSz="914400" rtl="0" eaLnBrk="1" latinLnBrk="0" hangingPunct="1">
+              <a:lnSpc>
+                <a:spcPct val="90000"/>
+              </a:lnSpc>
+              <a:spcBef>
+                <a:spcPts val="500"/>
+              </a:spcBef>
+              <a:buFont typeface="Arial" panose="020B0604020202020204" pitchFamily="34" charset="0"/>
+              <a:buNone/>
+              <a:defRPr sz="1600" kern="1200">
+                <a:solidFill>
+                  <a:schemeClr val="tx1"/>
+                </a:solidFill>
+                <a:latin typeface="+mn-lt"/>
+                <a:ea typeface="+mn-ea"/>
+                <a:cs typeface="+mn-cs"/>
+              </a:defRPr>
+            </a:lvl8pPr>
+            <a:lvl9pPr marL="3657600" indent="0" algn="ctr" defTabSz="914400" rtl="0" eaLnBrk="1" latinLnBrk="0" hangingPunct="1">
+              <a:lnSpc>
+                <a:spcPct val="90000"/>
+              </a:lnSpc>
+              <a:spcBef>
+                <a:spcPts val="500"/>
+              </a:spcBef>
+              <a:buFont typeface="Arial" panose="020B0604020202020204" pitchFamily="34" charset="0"/>
+              <a:buNone/>
+              <a:defRPr sz="1600" kern="1200">
+                <a:solidFill>
+                  <a:schemeClr val="tx1"/>
+                </a:solidFill>
+                <a:latin typeface="+mn-lt"/>
+                <a:ea typeface="+mn-ea"/>
+                <a:cs typeface="+mn-cs"/>
+              </a:defRPr>
+            </a:lvl9pPr>
+          </a:lstStyle>
+          <a:p>
+            <a:pPr lvl="0" algn="l" eaLnBrk="0" fontAlgn="base" hangingPunct="0">
+              <a:lnSpc>
+                <a:spcPct val="100000"/>
+              </a:lnSpc>
+              <a:spcBef>
+                <a:spcPct val="0"/>
+              </a:spcBef>
+              <a:spcAft>
+                <a:spcPct val="0"/>
+              </a:spcAft>
+            </a:pPr>
+            <a:r>
+              <a:rPr lang="en-US" altLang="ko-KR" dirty="0"/>
+              <a:t>Step LR(</a:t>
+            </a:r>
+            <a:r>
+              <a:rPr lang="en-US" altLang="ko-KR" dirty="0" err="1"/>
+              <a:t>step_size</a:t>
+            </a:r>
+            <a:r>
+              <a:rPr lang="en-US" altLang="ko-KR" dirty="0"/>
+              <a:t>=10, gamma=0.5)</a:t>
+            </a:r>
+          </a:p>
+          <a:p>
+            <a:pPr lvl="0" algn="l" eaLnBrk="0" fontAlgn="base" hangingPunct="0">
+              <a:lnSpc>
+                <a:spcPct val="100000"/>
+              </a:lnSpc>
+              <a:spcBef>
+                <a:spcPct val="0"/>
+              </a:spcBef>
+              <a:spcAft>
+                <a:spcPct val="0"/>
+              </a:spcAft>
+            </a:pPr>
+            <a:endParaRPr lang="en-US" altLang="ko-KR" dirty="0"/>
+          </a:p>
+          <a:p>
+            <a:pPr lvl="0" algn="l" eaLnBrk="0" fontAlgn="base" hangingPunct="0">
+              <a:lnSpc>
+                <a:spcPct val="100000"/>
+              </a:lnSpc>
+              <a:spcBef>
+                <a:spcPct val="0"/>
+              </a:spcBef>
+              <a:spcAft>
+                <a:spcPct val="0"/>
+              </a:spcAft>
+            </a:pPr>
+            <a:endParaRPr lang="en-US" altLang="ko-KR" dirty="0"/>
+          </a:p>
+        </p:txBody>
+      </p:sp>
+      <p:sp>
+        <p:nvSpPr>
+          <p:cNvPr id="24" name="내용 개체 틀 2">
+            <a:extLst>
+              <a:ext uri="{FF2B5EF4-FFF2-40B4-BE49-F238E27FC236}">
+                <a16:creationId xmlns:a16="http://schemas.microsoft.com/office/drawing/2014/main" id="{BDB12959-3951-4792-8259-F58D56505AFD}"/>
+              </a:ext>
+            </a:extLst>
+          </p:cNvPr>
+          <p:cNvSpPr txBox="1">
+            <a:spLocks/>
+          </p:cNvSpPr>
+          <p:nvPr/>
+        </p:nvSpPr>
+        <p:spPr>
+          <a:xfrm>
+            <a:off x="2043323" y="6465059"/>
+            <a:ext cx="2659170" cy="381876"/>
+          </a:xfrm>
+          <a:prstGeom prst="rect">
+            <a:avLst/>
+          </a:prstGeom>
+        </p:spPr>
+        <p:txBody>
+          <a:bodyPr vert="horz" lIns="91440" tIns="45720" rIns="91440" bIns="45720" rtlCol="0">
+            <a:normAutofit fontScale="70000" lnSpcReduction="20000"/>
+          </a:bodyPr>
+          <a:lstStyle>
+            <a:lvl1pPr marL="0" indent="0" algn="ctr" defTabSz="914400" rtl="0" eaLnBrk="1" latinLnBrk="0" hangingPunct="1">
+              <a:lnSpc>
+                <a:spcPct val="90000"/>
+              </a:lnSpc>
+              <a:spcBef>
+                <a:spcPts val="1000"/>
+              </a:spcBef>
+              <a:buFont typeface="Arial" panose="020B0604020202020204" pitchFamily="34" charset="0"/>
+              <a:buNone/>
+              <a:defRPr sz="2400" kern="1200">
+                <a:solidFill>
+                  <a:schemeClr val="tx1"/>
+                </a:solidFill>
+                <a:latin typeface="+mn-lt"/>
+                <a:ea typeface="+mn-ea"/>
+                <a:cs typeface="+mn-cs"/>
+              </a:defRPr>
+            </a:lvl1pPr>
+            <a:lvl2pPr marL="457200" indent="0" algn="ctr" defTabSz="914400" rtl="0" eaLnBrk="1" latinLnBrk="0" hangingPunct="1">
+              <a:lnSpc>
+                <a:spcPct val="90000"/>
+              </a:lnSpc>
+              <a:spcBef>
+                <a:spcPts val="500"/>
+              </a:spcBef>
+              <a:buFont typeface="Arial" panose="020B0604020202020204" pitchFamily="34" charset="0"/>
+              <a:buNone/>
+              <a:defRPr sz="2000" kern="1200">
+                <a:solidFill>
+                  <a:schemeClr val="tx1"/>
+                </a:solidFill>
+                <a:latin typeface="+mn-lt"/>
+                <a:ea typeface="+mn-ea"/>
+                <a:cs typeface="+mn-cs"/>
+              </a:defRPr>
+            </a:lvl2pPr>
+            <a:lvl3pPr marL="914400" indent="0" algn="ctr" defTabSz="914400" rtl="0" eaLnBrk="1" latinLnBrk="0" hangingPunct="1">
+              <a:lnSpc>
+                <a:spcPct val="90000"/>
+              </a:lnSpc>
+              <a:spcBef>
+                <a:spcPts val="500"/>
+              </a:spcBef>
+              <a:buFont typeface="Arial" panose="020B0604020202020204" pitchFamily="34" charset="0"/>
+              <a:buNone/>
+              <a:defRPr sz="1800" kern="1200">
+                <a:solidFill>
+                  <a:schemeClr val="tx1"/>
+                </a:solidFill>
+                <a:latin typeface="+mn-lt"/>
+                <a:ea typeface="+mn-ea"/>
+                <a:cs typeface="+mn-cs"/>
+              </a:defRPr>
+            </a:lvl3pPr>
+            <a:lvl4pPr marL="1371600" indent="0" algn="ctr" defTabSz="914400" rtl="0" eaLnBrk="1" latinLnBrk="0" hangingPunct="1">
+              <a:lnSpc>
+                <a:spcPct val="90000"/>
+              </a:lnSpc>
+              <a:spcBef>
+                <a:spcPts val="500"/>
+              </a:spcBef>
+              <a:buFont typeface="Arial" panose="020B0604020202020204" pitchFamily="34" charset="0"/>
+              <a:buNone/>
+              <a:defRPr sz="1600" kern="1200">
+                <a:solidFill>
+                  <a:schemeClr val="tx1"/>
+                </a:solidFill>
+                <a:latin typeface="+mn-lt"/>
+                <a:ea typeface="+mn-ea"/>
+                <a:cs typeface="+mn-cs"/>
+              </a:defRPr>
+            </a:lvl4pPr>
+            <a:lvl5pPr marL="1828800" indent="0" algn="ctr" defTabSz="914400" rtl="0" eaLnBrk="1" latinLnBrk="0" hangingPunct="1">
+              <a:lnSpc>
+                <a:spcPct val="90000"/>
+              </a:lnSpc>
+              <a:spcBef>
+                <a:spcPts val="500"/>
+              </a:spcBef>
+              <a:buFont typeface="Arial" panose="020B0604020202020204" pitchFamily="34" charset="0"/>
+              <a:buNone/>
+              <a:defRPr sz="1600" kern="1200">
+                <a:solidFill>
+                  <a:schemeClr val="tx1"/>
+                </a:solidFill>
+                <a:latin typeface="+mn-lt"/>
+                <a:ea typeface="+mn-ea"/>
+                <a:cs typeface="+mn-cs"/>
+              </a:defRPr>
+            </a:lvl5pPr>
+            <a:lvl6pPr marL="2286000" indent="0" algn="ctr" defTabSz="914400" rtl="0" eaLnBrk="1" latinLnBrk="0" hangingPunct="1">
+              <a:lnSpc>
+                <a:spcPct val="90000"/>
+              </a:lnSpc>
+              <a:spcBef>
+                <a:spcPts val="500"/>
+              </a:spcBef>
+              <a:buFont typeface="Arial" panose="020B0604020202020204" pitchFamily="34" charset="0"/>
+              <a:buNone/>
+              <a:defRPr sz="1600" kern="1200">
+                <a:solidFill>
+                  <a:schemeClr val="tx1"/>
+                </a:solidFill>
+                <a:latin typeface="+mn-lt"/>
+                <a:ea typeface="+mn-ea"/>
+                <a:cs typeface="+mn-cs"/>
+              </a:defRPr>
+            </a:lvl6pPr>
+            <a:lvl7pPr marL="2743200" indent="0" algn="ctr" defTabSz="914400" rtl="0" eaLnBrk="1" latinLnBrk="0" hangingPunct="1">
+              <a:lnSpc>
+                <a:spcPct val="90000"/>
+              </a:lnSpc>
+              <a:spcBef>
+                <a:spcPts val="500"/>
+              </a:spcBef>
+              <a:buFont typeface="Arial" panose="020B0604020202020204" pitchFamily="34" charset="0"/>
+              <a:buNone/>
+              <a:defRPr sz="1600" kern="1200">
+                <a:solidFill>
+                  <a:schemeClr val="tx1"/>
+                </a:solidFill>
+                <a:latin typeface="+mn-lt"/>
+                <a:ea typeface="+mn-ea"/>
+                <a:cs typeface="+mn-cs"/>
+              </a:defRPr>
+            </a:lvl7pPr>
+            <a:lvl8pPr marL="3200400" indent="0" algn="ctr" defTabSz="914400" rtl="0" eaLnBrk="1" latinLnBrk="0" hangingPunct="1">
+              <a:lnSpc>
+                <a:spcPct val="90000"/>
+              </a:lnSpc>
+              <a:spcBef>
+                <a:spcPts val="500"/>
+              </a:spcBef>
+              <a:buFont typeface="Arial" panose="020B0604020202020204" pitchFamily="34" charset="0"/>
+              <a:buNone/>
+              <a:defRPr sz="1600" kern="1200">
+                <a:solidFill>
+                  <a:schemeClr val="tx1"/>
+                </a:solidFill>
+                <a:latin typeface="+mn-lt"/>
+                <a:ea typeface="+mn-ea"/>
+                <a:cs typeface="+mn-cs"/>
+              </a:defRPr>
+            </a:lvl8pPr>
+            <a:lvl9pPr marL="3657600" indent="0" algn="ctr" defTabSz="914400" rtl="0" eaLnBrk="1" latinLnBrk="0" hangingPunct="1">
+              <a:lnSpc>
+                <a:spcPct val="90000"/>
+              </a:lnSpc>
+              <a:spcBef>
+                <a:spcPts val="500"/>
+              </a:spcBef>
+              <a:buFont typeface="Arial" panose="020B0604020202020204" pitchFamily="34" charset="0"/>
+              <a:buNone/>
+              <a:defRPr sz="1600" kern="1200">
+                <a:solidFill>
+                  <a:schemeClr val="tx1"/>
+                </a:solidFill>
+                <a:latin typeface="+mn-lt"/>
+                <a:ea typeface="+mn-ea"/>
+                <a:cs typeface="+mn-cs"/>
+              </a:defRPr>
+            </a:lvl9pPr>
+          </a:lstStyle>
+          <a:p>
+            <a:pPr lvl="0" algn="l" eaLnBrk="0" fontAlgn="base" hangingPunct="0">
+              <a:lnSpc>
+                <a:spcPct val="100000"/>
+              </a:lnSpc>
+              <a:spcBef>
+                <a:spcPct val="0"/>
+              </a:spcBef>
+              <a:spcAft>
+                <a:spcPct val="0"/>
+              </a:spcAft>
+            </a:pPr>
+            <a:r>
+              <a:rPr lang="en-US" altLang="ko-KR" dirty="0" err="1"/>
+              <a:t>CosineneAnnealingLR</a:t>
+            </a:r>
+            <a:r>
+              <a:rPr lang="en-US" altLang="ko-KR" dirty="0"/>
+              <a:t>(cos)</a:t>
+            </a:r>
+          </a:p>
+          <a:p>
+            <a:pPr lvl="0" algn="l" eaLnBrk="0" fontAlgn="base" hangingPunct="0">
+              <a:lnSpc>
+                <a:spcPct val="100000"/>
+              </a:lnSpc>
+              <a:spcBef>
+                <a:spcPct val="0"/>
+              </a:spcBef>
+              <a:spcAft>
+                <a:spcPct val="0"/>
+              </a:spcAft>
+            </a:pPr>
+            <a:endParaRPr lang="en-US" altLang="ko-KR" dirty="0"/>
+          </a:p>
+          <a:p>
+            <a:pPr lvl="0" algn="l" eaLnBrk="0" fontAlgn="base" hangingPunct="0">
+              <a:lnSpc>
+                <a:spcPct val="100000"/>
+              </a:lnSpc>
+              <a:spcBef>
+                <a:spcPct val="0"/>
+              </a:spcBef>
+              <a:spcAft>
+                <a:spcPct val="0"/>
+              </a:spcAft>
+            </a:pPr>
+            <a:endParaRPr lang="en-US" altLang="ko-KR" dirty="0"/>
+          </a:p>
+        </p:txBody>
+      </p:sp>
+      <p:sp>
+        <p:nvSpPr>
+          <p:cNvPr id="25" name="내용 개체 틀 2">
+            <a:extLst>
+              <a:ext uri="{FF2B5EF4-FFF2-40B4-BE49-F238E27FC236}">
+                <a16:creationId xmlns:a16="http://schemas.microsoft.com/office/drawing/2014/main" id="{C7190097-E1E5-485A-984C-BF3C622291D8}"/>
+              </a:ext>
+            </a:extLst>
+          </p:cNvPr>
+          <p:cNvSpPr txBox="1">
+            <a:spLocks/>
+          </p:cNvSpPr>
+          <p:nvPr/>
+        </p:nvSpPr>
+        <p:spPr>
+          <a:xfrm>
+            <a:off x="6468795" y="6465059"/>
+            <a:ext cx="5285055" cy="371378"/>
+          </a:xfrm>
+          <a:prstGeom prst="rect">
+            <a:avLst/>
+          </a:prstGeom>
+        </p:spPr>
+        <p:txBody>
+          <a:bodyPr vert="horz" lIns="91440" tIns="45720" rIns="91440" bIns="45720" rtlCol="0">
+            <a:normAutofit fontScale="55000" lnSpcReduction="20000"/>
+          </a:bodyPr>
+          <a:lstStyle>
+            <a:lvl1pPr marL="0" indent="0" algn="ctr" defTabSz="914400" rtl="0" eaLnBrk="1" latinLnBrk="0" hangingPunct="1">
+              <a:lnSpc>
+                <a:spcPct val="90000"/>
+              </a:lnSpc>
+              <a:spcBef>
+                <a:spcPts val="1000"/>
+              </a:spcBef>
+              <a:buFont typeface="Arial" panose="020B0604020202020204" pitchFamily="34" charset="0"/>
+              <a:buNone/>
+              <a:defRPr sz="2400" kern="1200">
+                <a:solidFill>
+                  <a:schemeClr val="tx1"/>
+                </a:solidFill>
+                <a:latin typeface="+mn-lt"/>
+                <a:ea typeface="+mn-ea"/>
+                <a:cs typeface="+mn-cs"/>
+              </a:defRPr>
+            </a:lvl1pPr>
+            <a:lvl2pPr marL="457200" indent="0" algn="ctr" defTabSz="914400" rtl="0" eaLnBrk="1" latinLnBrk="0" hangingPunct="1">
+              <a:lnSpc>
+                <a:spcPct val="90000"/>
+              </a:lnSpc>
+              <a:spcBef>
+                <a:spcPts val="500"/>
+              </a:spcBef>
+              <a:buFont typeface="Arial" panose="020B0604020202020204" pitchFamily="34" charset="0"/>
+              <a:buNone/>
+              <a:defRPr sz="2000" kern="1200">
+                <a:solidFill>
+                  <a:schemeClr val="tx1"/>
+                </a:solidFill>
+                <a:latin typeface="+mn-lt"/>
+                <a:ea typeface="+mn-ea"/>
+                <a:cs typeface="+mn-cs"/>
+              </a:defRPr>
+            </a:lvl2pPr>
+            <a:lvl3pPr marL="914400" indent="0" algn="ctr" defTabSz="914400" rtl="0" eaLnBrk="1" latinLnBrk="0" hangingPunct="1">
+              <a:lnSpc>
+                <a:spcPct val="90000"/>
+              </a:lnSpc>
+              <a:spcBef>
+                <a:spcPts val="500"/>
+              </a:spcBef>
+              <a:buFont typeface="Arial" panose="020B0604020202020204" pitchFamily="34" charset="0"/>
+              <a:buNone/>
+              <a:defRPr sz="1800" kern="1200">
+                <a:solidFill>
+                  <a:schemeClr val="tx1"/>
+                </a:solidFill>
+                <a:latin typeface="+mn-lt"/>
+                <a:ea typeface="+mn-ea"/>
+                <a:cs typeface="+mn-cs"/>
+              </a:defRPr>
+            </a:lvl3pPr>
+            <a:lvl4pPr marL="1371600" indent="0" algn="ctr" defTabSz="914400" rtl="0" eaLnBrk="1" latinLnBrk="0" hangingPunct="1">
+              <a:lnSpc>
+                <a:spcPct val="90000"/>
+              </a:lnSpc>
+              <a:spcBef>
+                <a:spcPts val="500"/>
+              </a:spcBef>
+              <a:buFont typeface="Arial" panose="020B0604020202020204" pitchFamily="34" charset="0"/>
+              <a:buNone/>
+              <a:defRPr sz="1600" kern="1200">
+                <a:solidFill>
+                  <a:schemeClr val="tx1"/>
+                </a:solidFill>
+                <a:latin typeface="+mn-lt"/>
+                <a:ea typeface="+mn-ea"/>
+                <a:cs typeface="+mn-cs"/>
+              </a:defRPr>
+            </a:lvl4pPr>
+            <a:lvl5pPr marL="1828800" indent="0" algn="ctr" defTabSz="914400" rtl="0" eaLnBrk="1" latinLnBrk="0" hangingPunct="1">
+              <a:lnSpc>
+                <a:spcPct val="90000"/>
+              </a:lnSpc>
+              <a:spcBef>
+                <a:spcPts val="500"/>
+              </a:spcBef>
+              <a:buFont typeface="Arial" panose="020B0604020202020204" pitchFamily="34" charset="0"/>
+              <a:buNone/>
+              <a:defRPr sz="1600" kern="1200">
+                <a:solidFill>
+                  <a:schemeClr val="tx1"/>
+                </a:solidFill>
+                <a:latin typeface="+mn-lt"/>
+                <a:ea typeface="+mn-ea"/>
+                <a:cs typeface="+mn-cs"/>
+              </a:defRPr>
+            </a:lvl5pPr>
+            <a:lvl6pPr marL="2286000" indent="0" algn="ctr" defTabSz="914400" rtl="0" eaLnBrk="1" latinLnBrk="0" hangingPunct="1">
+              <a:lnSpc>
+                <a:spcPct val="90000"/>
+              </a:lnSpc>
+              <a:spcBef>
+                <a:spcPts val="500"/>
+              </a:spcBef>
+              <a:buFont typeface="Arial" panose="020B0604020202020204" pitchFamily="34" charset="0"/>
+              <a:buNone/>
+              <a:defRPr sz="1600" kern="1200">
+                <a:solidFill>
+                  <a:schemeClr val="tx1"/>
+                </a:solidFill>
+                <a:latin typeface="+mn-lt"/>
+                <a:ea typeface="+mn-ea"/>
+                <a:cs typeface="+mn-cs"/>
+              </a:defRPr>
+            </a:lvl6pPr>
+            <a:lvl7pPr marL="2743200" indent="0" algn="ctr" defTabSz="914400" rtl="0" eaLnBrk="1" latinLnBrk="0" hangingPunct="1">
+              <a:lnSpc>
+                <a:spcPct val="90000"/>
+              </a:lnSpc>
+              <a:spcBef>
+                <a:spcPts val="500"/>
+              </a:spcBef>
+              <a:buFont typeface="Arial" panose="020B0604020202020204" pitchFamily="34" charset="0"/>
+              <a:buNone/>
+              <a:defRPr sz="1600" kern="1200">
+                <a:solidFill>
+                  <a:schemeClr val="tx1"/>
+                </a:solidFill>
+                <a:latin typeface="+mn-lt"/>
+                <a:ea typeface="+mn-ea"/>
+                <a:cs typeface="+mn-cs"/>
+              </a:defRPr>
+            </a:lvl7pPr>
+            <a:lvl8pPr marL="3200400" indent="0" algn="ctr" defTabSz="914400" rtl="0" eaLnBrk="1" latinLnBrk="0" hangingPunct="1">
+              <a:lnSpc>
+                <a:spcPct val="90000"/>
+              </a:lnSpc>
+              <a:spcBef>
+                <a:spcPts val="500"/>
+              </a:spcBef>
+              <a:buFont typeface="Arial" panose="020B0604020202020204" pitchFamily="34" charset="0"/>
+              <a:buNone/>
+              <a:defRPr sz="1600" kern="1200">
+                <a:solidFill>
+                  <a:schemeClr val="tx1"/>
+                </a:solidFill>
+                <a:latin typeface="+mn-lt"/>
+                <a:ea typeface="+mn-ea"/>
+                <a:cs typeface="+mn-cs"/>
+              </a:defRPr>
+            </a:lvl8pPr>
+            <a:lvl9pPr marL="3657600" indent="0" algn="ctr" defTabSz="914400" rtl="0" eaLnBrk="1" latinLnBrk="0" hangingPunct="1">
+              <a:lnSpc>
+                <a:spcPct val="90000"/>
+              </a:lnSpc>
+              <a:spcBef>
+                <a:spcPts val="500"/>
+              </a:spcBef>
+              <a:buFont typeface="Arial" panose="020B0604020202020204" pitchFamily="34" charset="0"/>
+              <a:buNone/>
+              <a:defRPr sz="1600" kern="1200">
+                <a:solidFill>
+                  <a:schemeClr val="tx1"/>
+                </a:solidFill>
+                <a:latin typeface="+mn-lt"/>
+                <a:ea typeface="+mn-ea"/>
+                <a:cs typeface="+mn-cs"/>
+              </a:defRPr>
+            </a:lvl9pPr>
+          </a:lstStyle>
+          <a:p>
+            <a:pPr lvl="0" algn="l" eaLnBrk="0" fontAlgn="base" hangingPunct="0">
+              <a:lnSpc>
+                <a:spcPct val="100000"/>
+              </a:lnSpc>
+              <a:spcBef>
+                <a:spcPct val="0"/>
+              </a:spcBef>
+              <a:spcAft>
+                <a:spcPct val="0"/>
+              </a:spcAft>
+            </a:pPr>
+            <a:r>
+              <a:rPr lang="en-US" altLang="ko-KR" dirty="0"/>
+              <a:t>Custom </a:t>
+            </a:r>
+            <a:r>
+              <a:rPr lang="en-US" altLang="ko-KR" dirty="0" err="1"/>
+              <a:t>CosineAnnealingWarmREstarts</a:t>
+            </a:r>
+            <a:r>
+              <a:rPr lang="en-US" altLang="ko-KR" dirty="0"/>
+              <a:t>(cos, </a:t>
+            </a:r>
+            <a:r>
+              <a:rPr lang="en-US" altLang="ko-KR" dirty="0" err="1"/>
+              <a:t>eta_max</a:t>
+            </a:r>
+            <a:r>
+              <a:rPr lang="en-US" altLang="ko-KR" dirty="0"/>
+              <a:t>, gamma=0.5)</a:t>
+            </a:r>
+          </a:p>
+        </p:txBody>
+      </p:sp>
+      <p:sp>
+        <p:nvSpPr>
+          <p:cNvPr id="26" name="내용 개체 틀 2">
+            <a:extLst>
+              <a:ext uri="{FF2B5EF4-FFF2-40B4-BE49-F238E27FC236}">
+                <a16:creationId xmlns:a16="http://schemas.microsoft.com/office/drawing/2014/main" id="{04A742A1-891B-4517-9616-DD8BE580A677}"/>
+              </a:ext>
+            </a:extLst>
+          </p:cNvPr>
+          <p:cNvSpPr txBox="1">
+            <a:spLocks/>
+          </p:cNvSpPr>
+          <p:nvPr/>
+        </p:nvSpPr>
+        <p:spPr>
+          <a:xfrm>
+            <a:off x="5115405" y="1015432"/>
+            <a:ext cx="1932224" cy="271783"/>
+          </a:xfrm>
+          <a:prstGeom prst="rect">
+            <a:avLst/>
+          </a:prstGeom>
+        </p:spPr>
+        <p:txBody>
+          <a:bodyPr vert="horz" lIns="91440" tIns="45720" rIns="91440" bIns="45720" rtlCol="0">
+            <a:normAutofit fontScale="55000" lnSpcReduction="20000"/>
+          </a:bodyPr>
+          <a:lstStyle>
+            <a:lvl1pPr marL="0" indent="0" algn="ctr" defTabSz="914400" rtl="0" eaLnBrk="1" latinLnBrk="0" hangingPunct="1">
+              <a:lnSpc>
+                <a:spcPct val="90000"/>
+              </a:lnSpc>
+              <a:spcBef>
+                <a:spcPts val="1000"/>
+              </a:spcBef>
+              <a:buFont typeface="Arial" panose="020B0604020202020204" pitchFamily="34" charset="0"/>
+              <a:buNone/>
+              <a:defRPr sz="2400" kern="1200">
+                <a:solidFill>
+                  <a:schemeClr val="tx1"/>
+                </a:solidFill>
+                <a:latin typeface="+mn-lt"/>
+                <a:ea typeface="+mn-ea"/>
+                <a:cs typeface="+mn-cs"/>
+              </a:defRPr>
+            </a:lvl1pPr>
+            <a:lvl2pPr marL="457200" indent="0" algn="ctr" defTabSz="914400" rtl="0" eaLnBrk="1" latinLnBrk="0" hangingPunct="1">
+              <a:lnSpc>
+                <a:spcPct val="90000"/>
+              </a:lnSpc>
+              <a:spcBef>
+                <a:spcPts val="500"/>
+              </a:spcBef>
+              <a:buFont typeface="Arial" panose="020B0604020202020204" pitchFamily="34" charset="0"/>
+              <a:buNone/>
+              <a:defRPr sz="2000" kern="1200">
+                <a:solidFill>
+                  <a:schemeClr val="tx1"/>
+                </a:solidFill>
+                <a:latin typeface="+mn-lt"/>
+                <a:ea typeface="+mn-ea"/>
+                <a:cs typeface="+mn-cs"/>
+              </a:defRPr>
+            </a:lvl2pPr>
+            <a:lvl3pPr marL="914400" indent="0" algn="ctr" defTabSz="914400" rtl="0" eaLnBrk="1" latinLnBrk="0" hangingPunct="1">
+              <a:lnSpc>
+                <a:spcPct val="90000"/>
+              </a:lnSpc>
+              <a:spcBef>
+                <a:spcPts val="500"/>
+              </a:spcBef>
+              <a:buFont typeface="Arial" panose="020B0604020202020204" pitchFamily="34" charset="0"/>
+              <a:buNone/>
+              <a:defRPr sz="1800" kern="1200">
+                <a:solidFill>
+                  <a:schemeClr val="tx1"/>
+                </a:solidFill>
+                <a:latin typeface="+mn-lt"/>
+                <a:ea typeface="+mn-ea"/>
+                <a:cs typeface="+mn-cs"/>
+              </a:defRPr>
+            </a:lvl3pPr>
+            <a:lvl4pPr marL="1371600" indent="0" algn="ctr" defTabSz="914400" rtl="0" eaLnBrk="1" latinLnBrk="0" hangingPunct="1">
+              <a:lnSpc>
+                <a:spcPct val="90000"/>
+              </a:lnSpc>
+              <a:spcBef>
+                <a:spcPts val="500"/>
+              </a:spcBef>
+              <a:buFont typeface="Arial" panose="020B0604020202020204" pitchFamily="34" charset="0"/>
+              <a:buNone/>
+              <a:defRPr sz="1600" kern="1200">
+                <a:solidFill>
+                  <a:schemeClr val="tx1"/>
+                </a:solidFill>
+                <a:latin typeface="+mn-lt"/>
+                <a:ea typeface="+mn-ea"/>
+                <a:cs typeface="+mn-cs"/>
+              </a:defRPr>
+            </a:lvl4pPr>
+            <a:lvl5pPr marL="1828800" indent="0" algn="ctr" defTabSz="914400" rtl="0" eaLnBrk="1" latinLnBrk="0" hangingPunct="1">
+              <a:lnSpc>
+                <a:spcPct val="90000"/>
+              </a:lnSpc>
+              <a:spcBef>
+                <a:spcPts val="500"/>
+              </a:spcBef>
+              <a:buFont typeface="Arial" panose="020B0604020202020204" pitchFamily="34" charset="0"/>
+              <a:buNone/>
+              <a:defRPr sz="1600" kern="1200">
+                <a:solidFill>
+                  <a:schemeClr val="tx1"/>
+                </a:solidFill>
+                <a:latin typeface="+mn-lt"/>
+                <a:ea typeface="+mn-ea"/>
+                <a:cs typeface="+mn-cs"/>
+              </a:defRPr>
+            </a:lvl5pPr>
+            <a:lvl6pPr marL="2286000" indent="0" algn="ctr" defTabSz="914400" rtl="0" eaLnBrk="1" latinLnBrk="0" hangingPunct="1">
+              <a:lnSpc>
+                <a:spcPct val="90000"/>
+              </a:lnSpc>
+              <a:spcBef>
+                <a:spcPts val="500"/>
+              </a:spcBef>
+              <a:buFont typeface="Arial" panose="020B0604020202020204" pitchFamily="34" charset="0"/>
+              <a:buNone/>
+              <a:defRPr sz="1600" kern="1200">
+                <a:solidFill>
+                  <a:schemeClr val="tx1"/>
+                </a:solidFill>
+                <a:latin typeface="+mn-lt"/>
+                <a:ea typeface="+mn-ea"/>
+                <a:cs typeface="+mn-cs"/>
+              </a:defRPr>
+            </a:lvl6pPr>
+            <a:lvl7pPr marL="2743200" indent="0" algn="ctr" defTabSz="914400" rtl="0" eaLnBrk="1" latinLnBrk="0" hangingPunct="1">
+              <a:lnSpc>
+                <a:spcPct val="90000"/>
+              </a:lnSpc>
+              <a:spcBef>
+                <a:spcPts val="500"/>
+              </a:spcBef>
+              <a:buFont typeface="Arial" panose="020B0604020202020204" pitchFamily="34" charset="0"/>
+              <a:buNone/>
+              <a:defRPr sz="1600" kern="1200">
+                <a:solidFill>
+                  <a:schemeClr val="tx1"/>
+                </a:solidFill>
+                <a:latin typeface="+mn-lt"/>
+                <a:ea typeface="+mn-ea"/>
+                <a:cs typeface="+mn-cs"/>
+              </a:defRPr>
+            </a:lvl7pPr>
+            <a:lvl8pPr marL="3200400" indent="0" algn="ctr" defTabSz="914400" rtl="0" eaLnBrk="1" latinLnBrk="0" hangingPunct="1">
+              <a:lnSpc>
+                <a:spcPct val="90000"/>
+              </a:lnSpc>
+              <a:spcBef>
+                <a:spcPts val="500"/>
+              </a:spcBef>
+              <a:buFont typeface="Arial" panose="020B0604020202020204" pitchFamily="34" charset="0"/>
+              <a:buNone/>
+              <a:defRPr sz="1600" kern="1200">
+                <a:solidFill>
+                  <a:schemeClr val="tx1"/>
+                </a:solidFill>
+                <a:latin typeface="+mn-lt"/>
+                <a:ea typeface="+mn-ea"/>
+                <a:cs typeface="+mn-cs"/>
+              </a:defRPr>
+            </a:lvl8pPr>
+            <a:lvl9pPr marL="3657600" indent="0" algn="ctr" defTabSz="914400" rtl="0" eaLnBrk="1" latinLnBrk="0" hangingPunct="1">
+              <a:lnSpc>
+                <a:spcPct val="90000"/>
+              </a:lnSpc>
+              <a:spcBef>
+                <a:spcPts val="500"/>
+              </a:spcBef>
+              <a:buFont typeface="Arial" panose="020B0604020202020204" pitchFamily="34" charset="0"/>
+              <a:buNone/>
+              <a:defRPr sz="1600" kern="1200">
+                <a:solidFill>
+                  <a:schemeClr val="tx1"/>
+                </a:solidFill>
+                <a:latin typeface="+mn-lt"/>
+                <a:ea typeface="+mn-ea"/>
+                <a:cs typeface="+mn-cs"/>
+              </a:defRPr>
+            </a:lvl9pPr>
+          </a:lstStyle>
+          <a:p>
+            <a:pPr lvl="0" algn="l" eaLnBrk="0" fontAlgn="base" hangingPunct="0">
+              <a:lnSpc>
+                <a:spcPct val="100000"/>
+              </a:lnSpc>
+              <a:spcBef>
+                <a:spcPct val="0"/>
+              </a:spcBef>
+              <a:spcAft>
+                <a:spcPct val="0"/>
+              </a:spcAft>
+            </a:pPr>
+            <a:r>
+              <a:rPr lang="en-US" altLang="ko-KR" dirty="0"/>
+              <a:t>Most Commonly Used</a:t>
+            </a:r>
+          </a:p>
+          <a:p>
+            <a:pPr lvl="0" algn="l" eaLnBrk="0" fontAlgn="base" hangingPunct="0">
+              <a:lnSpc>
+                <a:spcPct val="100000"/>
+              </a:lnSpc>
+              <a:spcBef>
+                <a:spcPct val="0"/>
+              </a:spcBef>
+              <a:spcAft>
+                <a:spcPct val="0"/>
+              </a:spcAft>
+            </a:pPr>
+            <a:endParaRPr lang="en-US" altLang="ko-KR" dirty="0"/>
+          </a:p>
+          <a:p>
+            <a:pPr lvl="0" algn="l" eaLnBrk="0" fontAlgn="base" hangingPunct="0">
+              <a:lnSpc>
+                <a:spcPct val="100000"/>
+              </a:lnSpc>
+              <a:spcBef>
+                <a:spcPct val="0"/>
+              </a:spcBef>
+              <a:spcAft>
+                <a:spcPct val="0"/>
+              </a:spcAft>
+            </a:pPr>
+            <a:endParaRPr lang="en-US" altLang="ko-KR" dirty="0"/>
+          </a:p>
+        </p:txBody>
+      </p:sp>
+      <p:sp>
+        <p:nvSpPr>
+          <p:cNvPr id="6" name="오른쪽 중괄호 5">
+            <a:extLst>
+              <a:ext uri="{FF2B5EF4-FFF2-40B4-BE49-F238E27FC236}">
+                <a16:creationId xmlns:a16="http://schemas.microsoft.com/office/drawing/2014/main" id="{C6B853E9-CB2C-4B00-BE8B-F3B6C928EE1D}"/>
+              </a:ext>
+            </a:extLst>
+          </p:cNvPr>
+          <p:cNvSpPr/>
+          <p:nvPr/>
+        </p:nvSpPr>
+        <p:spPr>
+          <a:xfrm rot="16200000">
+            <a:off x="5823335" y="-5617951"/>
+            <a:ext cx="320235" cy="9420248"/>
+          </a:xfrm>
+          <a:custGeom>
+            <a:avLst/>
+            <a:gdLst>
+              <a:gd name="connsiteX0" fmla="*/ 0 w 225836"/>
+              <a:gd name="connsiteY0" fmla="*/ 0 h 1762125"/>
+              <a:gd name="connsiteX1" fmla="*/ 112918 w 225836"/>
+              <a:gd name="connsiteY1" fmla="*/ 18819 h 1762125"/>
+              <a:gd name="connsiteX2" fmla="*/ 112918 w 225836"/>
+              <a:gd name="connsiteY2" fmla="*/ 862244 h 1762125"/>
+              <a:gd name="connsiteX3" fmla="*/ 225836 w 225836"/>
+              <a:gd name="connsiteY3" fmla="*/ 881063 h 1762125"/>
+              <a:gd name="connsiteX4" fmla="*/ 112918 w 225836"/>
+              <a:gd name="connsiteY4" fmla="*/ 899882 h 1762125"/>
+              <a:gd name="connsiteX5" fmla="*/ 112918 w 225836"/>
+              <a:gd name="connsiteY5" fmla="*/ 1743306 h 1762125"/>
+              <a:gd name="connsiteX6" fmla="*/ 0 w 225836"/>
+              <a:gd name="connsiteY6" fmla="*/ 1762125 h 1762125"/>
+              <a:gd name="connsiteX7" fmla="*/ 0 w 225836"/>
+              <a:gd name="connsiteY7" fmla="*/ 0 h 1762125"/>
+              <a:gd name="connsiteX0" fmla="*/ 0 w 225836"/>
+              <a:gd name="connsiteY0" fmla="*/ 0 h 1762125"/>
+              <a:gd name="connsiteX1" fmla="*/ 112918 w 225836"/>
+              <a:gd name="connsiteY1" fmla="*/ 18819 h 1762125"/>
+              <a:gd name="connsiteX2" fmla="*/ 112918 w 225836"/>
+              <a:gd name="connsiteY2" fmla="*/ 862244 h 1762125"/>
+              <a:gd name="connsiteX3" fmla="*/ 225836 w 225836"/>
+              <a:gd name="connsiteY3" fmla="*/ 881063 h 1762125"/>
+              <a:gd name="connsiteX4" fmla="*/ 112918 w 225836"/>
+              <a:gd name="connsiteY4" fmla="*/ 899882 h 1762125"/>
+              <a:gd name="connsiteX5" fmla="*/ 112918 w 225836"/>
+              <a:gd name="connsiteY5" fmla="*/ 1743306 h 1762125"/>
+              <a:gd name="connsiteX6" fmla="*/ 0 w 225836"/>
+              <a:gd name="connsiteY6" fmla="*/ 1762125 h 1762125"/>
+              <a:gd name="connsiteX0" fmla="*/ 0 w 225836"/>
+              <a:gd name="connsiteY0" fmla="*/ 0 h 1762125"/>
+              <a:gd name="connsiteX1" fmla="*/ 112918 w 225836"/>
+              <a:gd name="connsiteY1" fmla="*/ 18819 h 1762125"/>
+              <a:gd name="connsiteX2" fmla="*/ 112918 w 225836"/>
+              <a:gd name="connsiteY2" fmla="*/ 862244 h 1762125"/>
+              <a:gd name="connsiteX3" fmla="*/ 225836 w 225836"/>
+              <a:gd name="connsiteY3" fmla="*/ 881063 h 1762125"/>
+              <a:gd name="connsiteX4" fmla="*/ 112918 w 225836"/>
+              <a:gd name="connsiteY4" fmla="*/ 899882 h 1762125"/>
+              <a:gd name="connsiteX5" fmla="*/ 112918 w 225836"/>
+              <a:gd name="connsiteY5" fmla="*/ 1743306 h 1762125"/>
+              <a:gd name="connsiteX6" fmla="*/ 0 w 225836"/>
+              <a:gd name="connsiteY6" fmla="*/ 1762125 h 1762125"/>
+              <a:gd name="connsiteX7" fmla="*/ 0 w 225836"/>
+              <a:gd name="connsiteY7" fmla="*/ 0 h 1762125"/>
+              <a:gd name="connsiteX0" fmla="*/ 0 w 225836"/>
+              <a:gd name="connsiteY0" fmla="*/ 0 h 1762125"/>
+              <a:gd name="connsiteX1" fmla="*/ 112918 w 225836"/>
+              <a:gd name="connsiteY1" fmla="*/ 18819 h 1762125"/>
+              <a:gd name="connsiteX2" fmla="*/ 112918 w 225836"/>
+              <a:gd name="connsiteY2" fmla="*/ 862244 h 1762125"/>
+              <a:gd name="connsiteX3" fmla="*/ 225836 w 225836"/>
+              <a:gd name="connsiteY3" fmla="*/ 881063 h 1762125"/>
+              <a:gd name="connsiteX4" fmla="*/ 112918 w 225836"/>
+              <a:gd name="connsiteY4" fmla="*/ 1014182 h 1762125"/>
+              <a:gd name="connsiteX5" fmla="*/ 112918 w 225836"/>
+              <a:gd name="connsiteY5" fmla="*/ 1743306 h 1762125"/>
+              <a:gd name="connsiteX6" fmla="*/ 0 w 225836"/>
+              <a:gd name="connsiteY6" fmla="*/ 1762125 h 1762125"/>
+              <a:gd name="connsiteX0" fmla="*/ 0 w 225853"/>
+              <a:gd name="connsiteY0" fmla="*/ 0 h 1762125"/>
+              <a:gd name="connsiteX1" fmla="*/ 112918 w 225853"/>
+              <a:gd name="connsiteY1" fmla="*/ 18819 h 1762125"/>
+              <a:gd name="connsiteX2" fmla="*/ 112918 w 225853"/>
+              <a:gd name="connsiteY2" fmla="*/ 862244 h 1762125"/>
+              <a:gd name="connsiteX3" fmla="*/ 225836 w 225853"/>
+              <a:gd name="connsiteY3" fmla="*/ 881063 h 1762125"/>
+              <a:gd name="connsiteX4" fmla="*/ 112918 w 225853"/>
+              <a:gd name="connsiteY4" fmla="*/ 899882 h 1762125"/>
+              <a:gd name="connsiteX5" fmla="*/ 112918 w 225853"/>
+              <a:gd name="connsiteY5" fmla="*/ 1743306 h 1762125"/>
+              <a:gd name="connsiteX6" fmla="*/ 0 w 225853"/>
+              <a:gd name="connsiteY6" fmla="*/ 1762125 h 1762125"/>
+              <a:gd name="connsiteX7" fmla="*/ 0 w 225853"/>
+              <a:gd name="connsiteY7" fmla="*/ 0 h 1762125"/>
+              <a:gd name="connsiteX0" fmla="*/ 0 w 225853"/>
+              <a:gd name="connsiteY0" fmla="*/ 0 h 1762125"/>
+              <a:gd name="connsiteX1" fmla="*/ 112918 w 225853"/>
+              <a:gd name="connsiteY1" fmla="*/ 18819 h 1762125"/>
+              <a:gd name="connsiteX2" fmla="*/ 122443 w 225853"/>
+              <a:gd name="connsiteY2" fmla="*/ 786044 h 1762125"/>
+              <a:gd name="connsiteX3" fmla="*/ 225836 w 225853"/>
+              <a:gd name="connsiteY3" fmla="*/ 881063 h 1762125"/>
+              <a:gd name="connsiteX4" fmla="*/ 112918 w 225853"/>
+              <a:gd name="connsiteY4" fmla="*/ 1014182 h 1762125"/>
+              <a:gd name="connsiteX5" fmla="*/ 112918 w 225853"/>
+              <a:gd name="connsiteY5" fmla="*/ 1743306 h 1762125"/>
+              <a:gd name="connsiteX6" fmla="*/ 0 w 225853"/>
+              <a:gd name="connsiteY6" fmla="*/ 1762125 h 1762125"/>
+              <a:gd name="connsiteX0" fmla="*/ 0 w 225837"/>
+              <a:gd name="connsiteY0" fmla="*/ 0 h 1762125"/>
+              <a:gd name="connsiteX1" fmla="*/ 112918 w 225837"/>
+              <a:gd name="connsiteY1" fmla="*/ 18819 h 1762125"/>
+              <a:gd name="connsiteX2" fmla="*/ 112918 w 225837"/>
+              <a:gd name="connsiteY2" fmla="*/ 862244 h 1762125"/>
+              <a:gd name="connsiteX3" fmla="*/ 225836 w 225837"/>
+              <a:gd name="connsiteY3" fmla="*/ 881063 h 1762125"/>
+              <a:gd name="connsiteX4" fmla="*/ 112918 w 225837"/>
+              <a:gd name="connsiteY4" fmla="*/ 899882 h 1762125"/>
+              <a:gd name="connsiteX5" fmla="*/ 112918 w 225837"/>
+              <a:gd name="connsiteY5" fmla="*/ 1743306 h 1762125"/>
+              <a:gd name="connsiteX6" fmla="*/ 0 w 225837"/>
+              <a:gd name="connsiteY6" fmla="*/ 1762125 h 1762125"/>
+              <a:gd name="connsiteX7" fmla="*/ 0 w 225837"/>
+              <a:gd name="connsiteY7" fmla="*/ 0 h 1762125"/>
+              <a:gd name="connsiteX0" fmla="*/ 0 w 225837"/>
+              <a:gd name="connsiteY0" fmla="*/ 0 h 1762125"/>
+              <a:gd name="connsiteX1" fmla="*/ 112918 w 225837"/>
+              <a:gd name="connsiteY1" fmla="*/ 18819 h 1762125"/>
+              <a:gd name="connsiteX2" fmla="*/ 122443 w 225837"/>
+              <a:gd name="connsiteY2" fmla="*/ 786044 h 1762125"/>
+              <a:gd name="connsiteX3" fmla="*/ 225836 w 225837"/>
+              <a:gd name="connsiteY3" fmla="*/ 881063 h 1762125"/>
+              <a:gd name="connsiteX4" fmla="*/ 119635 w 225837"/>
+              <a:gd name="connsiteY4" fmla="*/ 915022 h 1762125"/>
+              <a:gd name="connsiteX5" fmla="*/ 112918 w 225837"/>
+              <a:gd name="connsiteY5" fmla="*/ 1743306 h 1762125"/>
+              <a:gd name="connsiteX6" fmla="*/ 0 w 225837"/>
+              <a:gd name="connsiteY6" fmla="*/ 1762125 h 1762125"/>
+              <a:gd name="connsiteX0" fmla="*/ 0 w 225857"/>
+              <a:gd name="connsiteY0" fmla="*/ 0 h 1762125"/>
+              <a:gd name="connsiteX1" fmla="*/ 112918 w 225857"/>
+              <a:gd name="connsiteY1" fmla="*/ 18819 h 1762125"/>
+              <a:gd name="connsiteX2" fmla="*/ 112918 w 225857"/>
+              <a:gd name="connsiteY2" fmla="*/ 862244 h 1762125"/>
+              <a:gd name="connsiteX3" fmla="*/ 225836 w 225857"/>
+              <a:gd name="connsiteY3" fmla="*/ 881063 h 1762125"/>
+              <a:gd name="connsiteX4" fmla="*/ 112918 w 225857"/>
+              <a:gd name="connsiteY4" fmla="*/ 899882 h 1762125"/>
+              <a:gd name="connsiteX5" fmla="*/ 112918 w 225857"/>
+              <a:gd name="connsiteY5" fmla="*/ 1743306 h 1762125"/>
+              <a:gd name="connsiteX6" fmla="*/ 0 w 225857"/>
+              <a:gd name="connsiteY6" fmla="*/ 1762125 h 1762125"/>
+              <a:gd name="connsiteX7" fmla="*/ 0 w 225857"/>
+              <a:gd name="connsiteY7" fmla="*/ 0 h 1762125"/>
+              <a:gd name="connsiteX0" fmla="*/ 0 w 225857"/>
+              <a:gd name="connsiteY0" fmla="*/ 0 h 1762125"/>
+              <a:gd name="connsiteX1" fmla="*/ 112918 w 225857"/>
+              <a:gd name="connsiteY1" fmla="*/ 18819 h 1762125"/>
+              <a:gd name="connsiteX2" fmla="*/ 109008 w 225857"/>
+              <a:gd name="connsiteY2" fmla="*/ 850880 h 1762125"/>
+              <a:gd name="connsiteX3" fmla="*/ 225836 w 225857"/>
+              <a:gd name="connsiteY3" fmla="*/ 881063 h 1762125"/>
+              <a:gd name="connsiteX4" fmla="*/ 119635 w 225857"/>
+              <a:gd name="connsiteY4" fmla="*/ 915022 h 1762125"/>
+              <a:gd name="connsiteX5" fmla="*/ 112918 w 225857"/>
+              <a:gd name="connsiteY5" fmla="*/ 1743306 h 1762125"/>
+              <a:gd name="connsiteX6" fmla="*/ 0 w 225857"/>
+              <a:gd name="connsiteY6" fmla="*/ 1762125 h 1762125"/>
+              <a:gd name="connsiteX0" fmla="*/ 0 w 225836"/>
+              <a:gd name="connsiteY0" fmla="*/ 0 h 1762125"/>
+              <a:gd name="connsiteX1" fmla="*/ 112918 w 225836"/>
+              <a:gd name="connsiteY1" fmla="*/ 18819 h 1762125"/>
+              <a:gd name="connsiteX2" fmla="*/ 112918 w 225836"/>
+              <a:gd name="connsiteY2" fmla="*/ 862244 h 1762125"/>
+              <a:gd name="connsiteX3" fmla="*/ 225836 w 225836"/>
+              <a:gd name="connsiteY3" fmla="*/ 881063 h 1762125"/>
+              <a:gd name="connsiteX4" fmla="*/ 112918 w 225836"/>
+              <a:gd name="connsiteY4" fmla="*/ 899882 h 1762125"/>
+              <a:gd name="connsiteX5" fmla="*/ 112918 w 225836"/>
+              <a:gd name="connsiteY5" fmla="*/ 1743306 h 1762125"/>
+              <a:gd name="connsiteX6" fmla="*/ 0 w 225836"/>
+              <a:gd name="connsiteY6" fmla="*/ 1762125 h 1762125"/>
+              <a:gd name="connsiteX7" fmla="*/ 0 w 225836"/>
+              <a:gd name="connsiteY7" fmla="*/ 0 h 1762125"/>
+              <a:gd name="connsiteX0" fmla="*/ 0 w 225836"/>
+              <a:gd name="connsiteY0" fmla="*/ 0 h 1762125"/>
+              <a:gd name="connsiteX1" fmla="*/ 112918 w 225836"/>
+              <a:gd name="connsiteY1" fmla="*/ 18819 h 1762125"/>
+              <a:gd name="connsiteX2" fmla="*/ 109008 w 225836"/>
+              <a:gd name="connsiteY2" fmla="*/ 850880 h 1762125"/>
+              <a:gd name="connsiteX3" fmla="*/ 219119 w 225836"/>
+              <a:gd name="connsiteY3" fmla="*/ 879156 h 1762125"/>
+              <a:gd name="connsiteX4" fmla="*/ 119635 w 225836"/>
+              <a:gd name="connsiteY4" fmla="*/ 915022 h 1762125"/>
+              <a:gd name="connsiteX5" fmla="*/ 112918 w 225836"/>
+              <a:gd name="connsiteY5" fmla="*/ 1743306 h 1762125"/>
+              <a:gd name="connsiteX6" fmla="*/ 0 w 225836"/>
+              <a:gd name="connsiteY6" fmla="*/ 1762125 h 1762125"/>
+              <a:gd name="connsiteX0" fmla="*/ 0 w 225836"/>
+              <a:gd name="connsiteY0" fmla="*/ 0 h 1762125"/>
+              <a:gd name="connsiteX1" fmla="*/ 112918 w 225836"/>
+              <a:gd name="connsiteY1" fmla="*/ 18819 h 1762125"/>
+              <a:gd name="connsiteX2" fmla="*/ 112918 w 225836"/>
+              <a:gd name="connsiteY2" fmla="*/ 862244 h 1762125"/>
+              <a:gd name="connsiteX3" fmla="*/ 225836 w 225836"/>
+              <a:gd name="connsiteY3" fmla="*/ 881063 h 1762125"/>
+              <a:gd name="connsiteX4" fmla="*/ 112918 w 225836"/>
+              <a:gd name="connsiteY4" fmla="*/ 899882 h 1762125"/>
+              <a:gd name="connsiteX5" fmla="*/ 112918 w 225836"/>
+              <a:gd name="connsiteY5" fmla="*/ 1743306 h 1762125"/>
+              <a:gd name="connsiteX6" fmla="*/ 0 w 225836"/>
+              <a:gd name="connsiteY6" fmla="*/ 1762125 h 1762125"/>
+              <a:gd name="connsiteX7" fmla="*/ 0 w 225836"/>
+              <a:gd name="connsiteY7" fmla="*/ 0 h 1762125"/>
+              <a:gd name="connsiteX0" fmla="*/ 0 w 225836"/>
+              <a:gd name="connsiteY0" fmla="*/ 0 h 1762125"/>
+              <a:gd name="connsiteX1" fmla="*/ 112918 w 225836"/>
+              <a:gd name="connsiteY1" fmla="*/ 18819 h 1762125"/>
+              <a:gd name="connsiteX2" fmla="*/ 109008 w 225836"/>
+              <a:gd name="connsiteY2" fmla="*/ 850880 h 1762125"/>
+              <a:gd name="connsiteX3" fmla="*/ 219119 w 225836"/>
+              <a:gd name="connsiteY3" fmla="*/ 879156 h 1762125"/>
+              <a:gd name="connsiteX4" fmla="*/ 126352 w 225836"/>
+              <a:gd name="connsiteY4" fmla="*/ 899766 h 1762125"/>
+              <a:gd name="connsiteX5" fmla="*/ 112918 w 225836"/>
+              <a:gd name="connsiteY5" fmla="*/ 1743306 h 1762125"/>
+              <a:gd name="connsiteX6" fmla="*/ 0 w 225836"/>
+              <a:gd name="connsiteY6" fmla="*/ 1762125 h 1762125"/>
+              <a:gd name="connsiteX0" fmla="*/ 0 w 225836"/>
+              <a:gd name="connsiteY0" fmla="*/ 0 h 1762125"/>
+              <a:gd name="connsiteX1" fmla="*/ 112918 w 225836"/>
+              <a:gd name="connsiteY1" fmla="*/ 18819 h 1762125"/>
+              <a:gd name="connsiteX2" fmla="*/ 112918 w 225836"/>
+              <a:gd name="connsiteY2" fmla="*/ 862244 h 1762125"/>
+              <a:gd name="connsiteX3" fmla="*/ 225836 w 225836"/>
+              <a:gd name="connsiteY3" fmla="*/ 881063 h 1762125"/>
+              <a:gd name="connsiteX4" fmla="*/ 112918 w 225836"/>
+              <a:gd name="connsiteY4" fmla="*/ 899882 h 1762125"/>
+              <a:gd name="connsiteX5" fmla="*/ 112918 w 225836"/>
+              <a:gd name="connsiteY5" fmla="*/ 1743306 h 1762125"/>
+              <a:gd name="connsiteX6" fmla="*/ 0 w 225836"/>
+              <a:gd name="connsiteY6" fmla="*/ 1762125 h 1762125"/>
+              <a:gd name="connsiteX7" fmla="*/ 0 w 225836"/>
+              <a:gd name="connsiteY7" fmla="*/ 0 h 1762125"/>
+              <a:gd name="connsiteX0" fmla="*/ 0 w 225836"/>
+              <a:gd name="connsiteY0" fmla="*/ 0 h 1762125"/>
+              <a:gd name="connsiteX1" fmla="*/ 112918 w 225836"/>
+              <a:gd name="connsiteY1" fmla="*/ 18819 h 1762125"/>
+              <a:gd name="connsiteX2" fmla="*/ 102291 w 225836"/>
+              <a:gd name="connsiteY2" fmla="*/ 860415 h 1762125"/>
+              <a:gd name="connsiteX3" fmla="*/ 219119 w 225836"/>
+              <a:gd name="connsiteY3" fmla="*/ 879156 h 1762125"/>
+              <a:gd name="connsiteX4" fmla="*/ 126352 w 225836"/>
+              <a:gd name="connsiteY4" fmla="*/ 899766 h 1762125"/>
+              <a:gd name="connsiteX5" fmla="*/ 112918 w 225836"/>
+              <a:gd name="connsiteY5" fmla="*/ 1743306 h 1762125"/>
+              <a:gd name="connsiteX6" fmla="*/ 0 w 225836"/>
+              <a:gd name="connsiteY6" fmla="*/ 1762125 h 1762125"/>
+              <a:gd name="connsiteX0" fmla="*/ 0 w 225836"/>
+              <a:gd name="connsiteY0" fmla="*/ 0 h 1762125"/>
+              <a:gd name="connsiteX1" fmla="*/ 112918 w 225836"/>
+              <a:gd name="connsiteY1" fmla="*/ 18819 h 1762125"/>
+              <a:gd name="connsiteX2" fmla="*/ 112918 w 225836"/>
+              <a:gd name="connsiteY2" fmla="*/ 862244 h 1762125"/>
+              <a:gd name="connsiteX3" fmla="*/ 225836 w 225836"/>
+              <a:gd name="connsiteY3" fmla="*/ 881063 h 1762125"/>
+              <a:gd name="connsiteX4" fmla="*/ 112918 w 225836"/>
+              <a:gd name="connsiteY4" fmla="*/ 899882 h 1762125"/>
+              <a:gd name="connsiteX5" fmla="*/ 112918 w 225836"/>
+              <a:gd name="connsiteY5" fmla="*/ 1743306 h 1762125"/>
+              <a:gd name="connsiteX6" fmla="*/ 0 w 225836"/>
+              <a:gd name="connsiteY6" fmla="*/ 1762125 h 1762125"/>
+              <a:gd name="connsiteX7" fmla="*/ 0 w 225836"/>
+              <a:gd name="connsiteY7" fmla="*/ 0 h 1762125"/>
+              <a:gd name="connsiteX0" fmla="*/ 0 w 225836"/>
+              <a:gd name="connsiteY0" fmla="*/ 0 h 1762125"/>
+              <a:gd name="connsiteX1" fmla="*/ 112918 w 225836"/>
+              <a:gd name="connsiteY1" fmla="*/ 18819 h 1762125"/>
+              <a:gd name="connsiteX2" fmla="*/ 115725 w 225836"/>
+              <a:gd name="connsiteY2" fmla="*/ 860415 h 1762125"/>
+              <a:gd name="connsiteX3" fmla="*/ 219119 w 225836"/>
+              <a:gd name="connsiteY3" fmla="*/ 879156 h 1762125"/>
+              <a:gd name="connsiteX4" fmla="*/ 126352 w 225836"/>
+              <a:gd name="connsiteY4" fmla="*/ 899766 h 1762125"/>
+              <a:gd name="connsiteX5" fmla="*/ 112918 w 225836"/>
+              <a:gd name="connsiteY5" fmla="*/ 1743306 h 1762125"/>
+              <a:gd name="connsiteX6" fmla="*/ 0 w 225836"/>
+              <a:gd name="connsiteY6" fmla="*/ 1762125 h 1762125"/>
+              <a:gd name="connsiteX0" fmla="*/ 0 w 225836"/>
+              <a:gd name="connsiteY0" fmla="*/ 0 h 1762125"/>
+              <a:gd name="connsiteX1" fmla="*/ 112918 w 225836"/>
+              <a:gd name="connsiteY1" fmla="*/ 18819 h 1762125"/>
+              <a:gd name="connsiteX2" fmla="*/ 112918 w 225836"/>
+              <a:gd name="connsiteY2" fmla="*/ 862244 h 1762125"/>
+              <a:gd name="connsiteX3" fmla="*/ 225836 w 225836"/>
+              <a:gd name="connsiteY3" fmla="*/ 881063 h 1762125"/>
+              <a:gd name="connsiteX4" fmla="*/ 112918 w 225836"/>
+              <a:gd name="connsiteY4" fmla="*/ 899882 h 1762125"/>
+              <a:gd name="connsiteX5" fmla="*/ 112918 w 225836"/>
+              <a:gd name="connsiteY5" fmla="*/ 1743306 h 1762125"/>
+              <a:gd name="connsiteX6" fmla="*/ 0 w 225836"/>
+              <a:gd name="connsiteY6" fmla="*/ 1762125 h 1762125"/>
+              <a:gd name="connsiteX7" fmla="*/ 0 w 225836"/>
+              <a:gd name="connsiteY7" fmla="*/ 0 h 1762125"/>
+              <a:gd name="connsiteX0" fmla="*/ 0 w 225836"/>
+              <a:gd name="connsiteY0" fmla="*/ 0 h 1762125"/>
+              <a:gd name="connsiteX1" fmla="*/ 112918 w 225836"/>
+              <a:gd name="connsiteY1" fmla="*/ 18819 h 1762125"/>
+              <a:gd name="connsiteX2" fmla="*/ 115725 w 225836"/>
+              <a:gd name="connsiteY2" fmla="*/ 860415 h 1762125"/>
+              <a:gd name="connsiteX3" fmla="*/ 219119 w 225836"/>
+              <a:gd name="connsiteY3" fmla="*/ 879156 h 1762125"/>
+              <a:gd name="connsiteX4" fmla="*/ 106200 w 225836"/>
+              <a:gd name="connsiteY4" fmla="*/ 899766 h 1762125"/>
+              <a:gd name="connsiteX5" fmla="*/ 112918 w 225836"/>
+              <a:gd name="connsiteY5" fmla="*/ 1743306 h 1762125"/>
+              <a:gd name="connsiteX6" fmla="*/ 0 w 225836"/>
+              <a:gd name="connsiteY6" fmla="*/ 1762125 h 1762125"/>
+            </a:gdLst>
+            <a:ahLst/>
+            <a:cxnLst>
+              <a:cxn ang="0">
+                <a:pos x="connsiteX0" y="connsiteY0"/>
+              </a:cxn>
+              <a:cxn ang="0">
+                <a:pos x="connsiteX1" y="connsiteY1"/>
+              </a:cxn>
+              <a:cxn ang="0">
+                <a:pos x="connsiteX2" y="connsiteY2"/>
+              </a:cxn>
+              <a:cxn ang="0">
+                <a:pos x="connsiteX3" y="connsiteY3"/>
+              </a:cxn>
+              <a:cxn ang="0">
+                <a:pos x="connsiteX4" y="connsiteY4"/>
+              </a:cxn>
+              <a:cxn ang="0">
+                <a:pos x="connsiteX5" y="connsiteY5"/>
+              </a:cxn>
+              <a:cxn ang="0">
+                <a:pos x="connsiteX6" y="connsiteY6"/>
+              </a:cxn>
+            </a:cxnLst>
+            <a:rect l="l" t="t" r="r" b="b"/>
+            <a:pathLst>
+              <a:path w="225836" h="1762125" stroke="0" extrusionOk="0">
+                <a:moveTo>
+                  <a:pt x="0" y="0"/>
+                </a:moveTo>
+                <a:cubicBezTo>
+                  <a:pt x="62363" y="0"/>
+                  <a:pt x="112918" y="8426"/>
+                  <a:pt x="112918" y="18819"/>
+                </a:cubicBezTo>
+                <a:lnTo>
+                  <a:pt x="112918" y="862244"/>
+                </a:lnTo>
+                <a:cubicBezTo>
+                  <a:pt x="112918" y="872637"/>
+                  <a:pt x="163473" y="881063"/>
+                  <a:pt x="225836" y="881063"/>
+                </a:cubicBezTo>
+                <a:cubicBezTo>
+                  <a:pt x="163473" y="881063"/>
+                  <a:pt x="112918" y="889489"/>
+                  <a:pt x="112918" y="899882"/>
+                </a:cubicBezTo>
+                <a:lnTo>
+                  <a:pt x="112918" y="1743306"/>
+                </a:lnTo>
+                <a:cubicBezTo>
+                  <a:pt x="112918" y="1753699"/>
+                  <a:pt x="62363" y="1762125"/>
+                  <a:pt x="0" y="1762125"/>
+                </a:cubicBezTo>
+                <a:lnTo>
+                  <a:pt x="0" y="0"/>
+                </a:lnTo>
+                <a:close/>
+              </a:path>
+              <a:path w="225836" h="1762125" fill="none">
+                <a:moveTo>
+                  <a:pt x="0" y="0"/>
+                </a:moveTo>
+                <a:cubicBezTo>
+                  <a:pt x="62363" y="0"/>
+                  <a:pt x="112918" y="8426"/>
+                  <a:pt x="112918" y="18819"/>
+                </a:cubicBezTo>
+                <a:cubicBezTo>
+                  <a:pt x="111615" y="296173"/>
+                  <a:pt x="117028" y="583061"/>
+                  <a:pt x="115725" y="860415"/>
+                </a:cubicBezTo>
+                <a:cubicBezTo>
+                  <a:pt x="115725" y="870808"/>
+                  <a:pt x="220707" y="872598"/>
+                  <a:pt x="219119" y="879156"/>
+                </a:cubicBezTo>
+                <a:cubicBezTo>
+                  <a:pt x="217532" y="885715"/>
+                  <a:pt x="106200" y="889373"/>
+                  <a:pt x="106200" y="899766"/>
+                </a:cubicBezTo>
+                <a:cubicBezTo>
+                  <a:pt x="108439" y="1180946"/>
+                  <a:pt x="110679" y="1462126"/>
+                  <a:pt x="112918" y="1743306"/>
+                </a:cubicBezTo>
+                <a:cubicBezTo>
+                  <a:pt x="112918" y="1753699"/>
+                  <a:pt x="62363" y="1762125"/>
+                  <a:pt x="0" y="1762125"/>
+                </a:cubicBezTo>
+              </a:path>
+            </a:pathLst>
+          </a:custGeom>
+          <a:ln w="19050">
+            <a:solidFill>
+              <a:schemeClr val="tx1"/>
+            </a:solidFill>
+          </a:ln>
+        </p:spPr>
+        <p:style>
+          <a:lnRef idx="1">
+            <a:schemeClr val="accent1"/>
+          </a:lnRef>
+          <a:fillRef idx="0">
+            <a:schemeClr val="accent1"/>
+          </a:fillRef>
+          <a:effectRef idx="0">
+            <a:schemeClr val="accent1"/>
+          </a:effectRef>
+          <a:fontRef idx="minor">
+            <a:schemeClr val="tx1"/>
+          </a:fontRef>
+        </p:style>
+        <p:txBody>
+          <a:bodyPr rtlCol="0" anchor="ctr"/>
+          <a:lstStyle/>
+          <a:p>
+            <a:pPr algn="ctr"/>
+            <a:endParaRPr lang="ko-KR" altLang="en-US" dirty="0"/>
+          </a:p>
+        </p:txBody>
+      </p:sp>
+      <p:sp>
+        <p:nvSpPr>
+          <p:cNvPr id="7" name="사각형: 둥근 모서리 6">
+            <a:extLst>
+              <a:ext uri="{FF2B5EF4-FFF2-40B4-BE49-F238E27FC236}">
+                <a16:creationId xmlns:a16="http://schemas.microsoft.com/office/drawing/2014/main" id="{5ACB9CBF-6C6C-48B3-B786-D02DD98CF32B}"/>
               </a:ext>
             </a:extLst>
           </p:cNvPr>
@@ -10268,18 +12120,17 @@
         </p:nvSpPr>
         <p:spPr>
           <a:xfrm>
-            <a:off x="396872" y="1185389"/>
-            <a:ext cx="4681998" cy="2493073"/>
+            <a:off x="828318" y="886900"/>
+            <a:ext cx="10257671" cy="3065427"/>
           </a:xfrm>
           <a:prstGeom prst="roundRect">
             <a:avLst/>
           </a:prstGeom>
           <a:noFill/>
-          <a:ln w="57150">
+          <a:ln w="28575">
             <a:solidFill>
-              <a:schemeClr val="accent1">
-                <a:lumMod val="40000"/>
-                <a:lumOff val="60000"/>
+              <a:schemeClr val="accent4">
+                <a:lumMod val="75000"/>
               </a:schemeClr>
             </a:solidFill>
           </a:ln>
@@ -10309,155 +12160,10 @@
           </a:p>
         </p:txBody>
       </p:sp>
-      <p:pic>
-        <p:nvPicPr>
-          <p:cNvPr id="4" name="그림 3">
-            <a:extLst>
-              <a:ext uri="{FF2B5EF4-FFF2-40B4-BE49-F238E27FC236}">
-                <a16:creationId xmlns:a16="http://schemas.microsoft.com/office/drawing/2014/main" id="{A05D55AD-0DAA-4644-87BA-084250B9DBAB}"/>
-              </a:ext>
-            </a:extLst>
-          </p:cNvPr>
-          <p:cNvPicPr>
-            <a:picLocks noChangeAspect="1"/>
-          </p:cNvPicPr>
-          <p:nvPr/>
-        </p:nvPicPr>
-        <p:blipFill>
-          <a:blip r:embed="rId3"/>
-          <a:stretch>
-            <a:fillRect/>
-          </a:stretch>
-        </p:blipFill>
-        <p:spPr>
-          <a:xfrm>
-            <a:off x="5347208" y="1849058"/>
-            <a:ext cx="6363710" cy="608321"/>
-          </a:xfrm>
-          <a:prstGeom prst="rect">
-            <a:avLst/>
-          </a:prstGeom>
-        </p:spPr>
-      </p:pic>
-      <p:pic>
-        <p:nvPicPr>
-          <p:cNvPr id="5" name="그림 4">
-            <a:extLst>
-              <a:ext uri="{FF2B5EF4-FFF2-40B4-BE49-F238E27FC236}">
-                <a16:creationId xmlns:a16="http://schemas.microsoft.com/office/drawing/2014/main" id="{32CE0342-5511-4FCA-8C7C-DBFA13643FCF}"/>
-              </a:ext>
-            </a:extLst>
-          </p:cNvPr>
-          <p:cNvPicPr>
-            <a:picLocks noChangeAspect="1"/>
-          </p:cNvPicPr>
-          <p:nvPr/>
-        </p:nvPicPr>
-        <p:blipFill>
-          <a:blip r:embed="rId4"/>
-          <a:stretch>
-            <a:fillRect/>
-          </a:stretch>
-        </p:blipFill>
-        <p:spPr>
-          <a:xfrm>
-            <a:off x="2880678" y="5120459"/>
-            <a:ext cx="6105525" cy="1104304"/>
-          </a:xfrm>
-          <a:prstGeom prst="rect">
-            <a:avLst/>
-          </a:prstGeom>
-        </p:spPr>
-      </p:pic>
-      <p:sp>
-        <p:nvSpPr>
-          <p:cNvPr id="21" name="제목 1">
-            <a:extLst>
-              <a:ext uri="{FF2B5EF4-FFF2-40B4-BE49-F238E27FC236}">
-                <a16:creationId xmlns:a16="http://schemas.microsoft.com/office/drawing/2014/main" id="{807D786B-DF4D-4D87-B16A-6F2A7327C98F}"/>
-              </a:ext>
-            </a:extLst>
-          </p:cNvPr>
-          <p:cNvSpPr txBox="1">
-            <a:spLocks/>
-          </p:cNvSpPr>
-          <p:nvPr/>
-        </p:nvSpPr>
-        <p:spPr>
-          <a:xfrm>
-            <a:off x="2733720" y="4765021"/>
-            <a:ext cx="6363710" cy="355438"/>
-          </a:xfrm>
-          <a:prstGeom prst="rect">
-            <a:avLst/>
-          </a:prstGeom>
-        </p:spPr>
-        <p:txBody>
-          <a:bodyPr vert="horz" lIns="91440" tIns="45720" rIns="91440" bIns="45720" rtlCol="0" anchor="b">
-            <a:normAutofit lnSpcReduction="10000"/>
-          </a:bodyPr>
-          <a:lstStyle>
-            <a:lvl1pPr algn="ctr" defTabSz="914400" rtl="0" eaLnBrk="1" latinLnBrk="0" hangingPunct="1">
-              <a:lnSpc>
-                <a:spcPct val="90000"/>
-              </a:lnSpc>
-              <a:spcBef>
-                <a:spcPct val="0"/>
-              </a:spcBef>
-              <a:buNone/>
-              <a:defRPr sz="6000" kern="1200">
-                <a:solidFill>
-                  <a:schemeClr val="tx1"/>
-                </a:solidFill>
-                <a:latin typeface="+mj-lt"/>
-                <a:ea typeface="+mj-ea"/>
-                <a:cs typeface="+mj-cs"/>
-              </a:defRPr>
-            </a:lvl1pPr>
-          </a:lstStyle>
-          <a:p>
-            <a:r>
-              <a:rPr lang="en-US" altLang="ko-KR" sz="2000" b="1" dirty="0">
-                <a:latin typeface="HY헤드라인M" panose="02030600000101010101" pitchFamily="18" charset="-127"/>
-                <a:ea typeface="HY헤드라인M" panose="02030600000101010101" pitchFamily="18" charset="-127"/>
-              </a:rPr>
-              <a:t>In </a:t>
-            </a:r>
-            <a:r>
-              <a:rPr lang="en-US" altLang="ko-KR" sz="2000" b="1" dirty="0" err="1">
-                <a:latin typeface="HY헤드라인M" panose="02030600000101010101" pitchFamily="18" charset="-127"/>
-                <a:ea typeface="HY헤드라인M" panose="02030600000101010101" pitchFamily="18" charset="-127"/>
-              </a:rPr>
-              <a:t>Pytorch</a:t>
-            </a:r>
-            <a:r>
-              <a:rPr lang="en-US" altLang="ko-KR" sz="2000" b="1" dirty="0">
-                <a:latin typeface="HY헤드라인M" panose="02030600000101010101" pitchFamily="18" charset="-127"/>
-                <a:ea typeface="HY헤드라인M" panose="02030600000101010101" pitchFamily="18" charset="-127"/>
-              </a:rPr>
-              <a:t> homepage, </a:t>
-            </a:r>
-            <a:r>
-              <a:rPr lang="en-US" altLang="ko-KR" sz="2000" b="1" dirty="0" err="1">
-                <a:latin typeface="HY헤드라인M" panose="02030600000101010101" pitchFamily="18" charset="-127"/>
-                <a:ea typeface="HY헤드라인M" panose="02030600000101010101" pitchFamily="18" charset="-127"/>
-              </a:rPr>
-              <a:t>nn.CrossEntropyLoss</a:t>
-            </a:r>
-            <a:r>
-              <a:rPr lang="en-US" altLang="ko-KR" sz="2000" b="1" dirty="0">
-                <a:latin typeface="HY헤드라인M" panose="02030600000101010101" pitchFamily="18" charset="-127"/>
-                <a:ea typeface="HY헤드라인M" panose="02030600000101010101" pitchFamily="18" charset="-127"/>
-              </a:rPr>
-              <a:t> tables.</a:t>
-            </a:r>
-          </a:p>
-        </p:txBody>
-      </p:sp>
     </p:spTree>
     <p:extLst>
       <p:ext uri="{BB962C8B-B14F-4D97-AF65-F5344CB8AC3E}">
-        <p14:creationId xmlns:p14="http://schemas.microsoft.com/office/powerpoint/2010/main" val="3087304220"/>
+        <p14:creationId xmlns:p14="http://schemas.microsoft.com/office/powerpoint/2010/main" val="579462115"/>
       </p:ext>
     </p:extLst>
   </p:cSld>
@@ -11110,12 +12816,24 @@
               <a:buChar char="-"/>
             </a:pPr>
             <a:r>
-              <a:rPr lang="en-US" altLang="ko-KR" sz="4400" dirty="0" err="1"/>
-              <a:t>Lr</a:t>
-            </a:r>
-            <a:r>
-              <a:rPr lang="en-US" altLang="ko-KR" sz="4400" dirty="0"/>
-              <a:t> decay : 0.5</a:t>
+              <a:rPr lang="en-US" altLang="ko-KR" sz="4800" dirty="0" err="1"/>
+              <a:t>LearningRate</a:t>
+            </a:r>
+            <a:r>
+              <a:rPr lang="en-US" altLang="ko-KR" sz="4800" dirty="0"/>
+              <a:t> Scheduler : </a:t>
+            </a:r>
+            <a:r>
+              <a:rPr lang="en-US" altLang="ko-KR" sz="4800" dirty="0" err="1"/>
+              <a:t>LambdaLR</a:t>
+            </a:r>
+            <a:r>
+              <a:rPr lang="en-US" altLang="ko-KR" sz="4800" dirty="0"/>
+              <a:t> (epoch : 0.95 ** epoch)</a:t>
+            </a:r>
+            <a:r>
+              <a:rPr lang="en-US" altLang="ko-KR" sz="6200" dirty="0"/>
+              <a:t> </a:t>
             </a:r>
           </a:p>
           <a:p>
@@ -11125,7 +12843,7 @@
             </a:pPr>
             <a:r>
               <a:rPr lang="en-US" altLang="ko-KR" sz="4400" dirty="0"/>
-              <a:t>Learning Rate : 1e-3 (=0.001)</a:t>
+              <a:t>Learning Rate : 1e-4 (=0.0001)</a:t>
             </a:r>
           </a:p>
           <a:p>
@@ -11135,7 +12853,7 @@
             </a:pPr>
             <a:r>
               <a:rPr lang="en-US" altLang="ko-KR" sz="4400" dirty="0"/>
-              <a:t>Epoch : 20</a:t>
+              <a:t>Epoch : 10</a:t>
             </a:r>
           </a:p>
           <a:p>
@@ -11147,6 +12865,7 @@
               <a:rPr lang="en-US" altLang="ko-KR" sz="4400" dirty="0"/>
               <a:t>Optimizer : Adam</a:t>
             </a:r>
+            <a:endParaRPr lang="en-US" altLang="ko-KR" b="1" dirty="0"/>
           </a:p>
           <a:p>
             <a:pPr marL="0" indent="0">
@@ -11193,6 +12912,12 @@
               <a:rPr lang="en-US" altLang="ko-KR" sz="6200" dirty="0"/>
               <a:t>)</a:t>
             </a:r>
+          </a:p>
+          <a:p>
+            <a:pPr marL="0" indent="0">
+              <a:buNone/>
+            </a:pPr>
+            <a:endParaRPr lang="en-US" altLang="ko-KR" sz="6200" dirty="0"/>
           </a:p>
         </p:txBody>
       </p:sp>
@@ -11248,7 +12973,7 @@
                 <a:latin typeface="HY헤드라인M" panose="02030600000101010101" pitchFamily="18" charset="-127"/>
                 <a:ea typeface="HY헤드라인M" panose="02030600000101010101" pitchFamily="18" charset="-127"/>
               </a:rPr>
-              <a:t>6/8</a:t>
+              <a:t>5/6</a:t>
             </a:r>
             <a:endParaRPr lang="ko-KR" altLang="en-US" sz="1400" dirty="0">
               <a:latin typeface="HY헤드라인M" panose="02030600000101010101" pitchFamily="18" charset="-127"/>
@@ -11273,7 +12998,7 @@
         </p:nvSpPr>
         <p:spPr>
           <a:xfrm>
-            <a:off x="4304018" y="876810"/>
+            <a:off x="4614737" y="942693"/>
             <a:ext cx="7745641" cy="477405"/>
           </a:xfrm>
           <a:prstGeom prst="rect">
@@ -11484,7 +13209,7 @@
         </p:nvSpPr>
         <p:spPr>
           <a:xfrm>
-            <a:off x="4279330" y="3634558"/>
+            <a:off x="4745820" y="3552160"/>
             <a:ext cx="7745641" cy="477405"/>
           </a:xfrm>
           <a:prstGeom prst="rect">
@@ -11873,418 +13598,6 @@
 </file>
 
 <file path=ppt/slides/slide7.xml><?xml version="1.0" encoding="utf-8"?>
-<p:sld xmlns:a="http://schemas.openxmlformats.org/drawingml/2006/main" xmlns:r="http://schemas.openxmlformats.org/officeDocument/2006/relationships" xmlns:p="http://schemas.openxmlformats.org/presentationml/2006/main">
-  <p:cSld>
-    <p:spTree>
-      <p:nvGrpSpPr>
-        <p:cNvPr id="1" name=""/>
-        <p:cNvGrpSpPr/>
-        <p:nvPr/>
-      </p:nvGrpSpPr>
-      <p:grpSpPr>
-        <a:xfrm>
-          <a:off x="0" y="0"/>
-          <a:ext cx="0" cy="0"/>
-          <a:chOff x="0" y="0"/>
-          <a:chExt cx="0" cy="0"/>
-        </a:xfrm>
-      </p:grpSpPr>
-      <p:sp>
-        <p:nvSpPr>
-          <p:cNvPr id="3" name="내용 개체 틀 2">
-            <a:extLst>
-              <a:ext uri="{FF2B5EF4-FFF2-40B4-BE49-F238E27FC236}">
-                <a16:creationId xmlns:a16="http://schemas.microsoft.com/office/drawing/2014/main" id="{D9FE8AE5-375D-4699-9F04-2A4321DFB11E}"/>
-              </a:ext>
-            </a:extLst>
-          </p:cNvPr>
-          <p:cNvSpPr>
-            <a:spLocks noGrp="1"/>
-          </p:cNvSpPr>
-          <p:nvPr>
-            <p:ph idx="1"/>
-          </p:nvPr>
-        </p:nvSpPr>
-        <p:spPr>
-          <a:xfrm>
-            <a:off x="546657" y="-4494326"/>
-            <a:ext cx="10515600" cy="4351338"/>
-          </a:xfrm>
-        </p:spPr>
-        <p:txBody>
-          <a:bodyPr>
-            <a:normAutofit/>
-          </a:bodyPr>
-          <a:lstStyle/>
-          <a:p>
-            <a:r>
-              <a:rPr lang="en-US" altLang="ko-KR" dirty="0">
-                <a:solidFill>
-                  <a:schemeClr val="accent1">
-                    <a:lumMod val="50000"/>
-                  </a:schemeClr>
-                </a:solidFill>
-              </a:rPr>
-              <a:t>Loss </a:t>
-            </a:r>
-            <a:r>
-              <a:rPr lang="ko-KR" altLang="en-US" dirty="0">
-                <a:solidFill>
-                  <a:schemeClr val="accent1">
-                    <a:lumMod val="50000"/>
-                  </a:schemeClr>
-                </a:solidFill>
-              </a:rPr>
-              <a:t>수렴하게 수정해서 그래프 첨부</a:t>
-            </a:r>
-            <a:endParaRPr lang="en-US" altLang="ko-KR" dirty="0">
-              <a:solidFill>
-                <a:schemeClr val="accent1">
-                  <a:lumMod val="50000"/>
-                </a:schemeClr>
-              </a:solidFill>
-            </a:endParaRPr>
-          </a:p>
-          <a:p>
-            <a:endParaRPr lang="en-US" altLang="ko-KR" dirty="0"/>
-          </a:p>
-          <a:p>
-            <a:pPr marL="457200" lvl="1" indent="0">
-              <a:buNone/>
-            </a:pPr>
-            <a:r>
-              <a:rPr lang="en-US" altLang="ko-KR" dirty="0"/>
-              <a:t>	 </a:t>
-            </a:r>
-            <a:r>
-              <a:rPr lang="ko-KR" altLang="en-US" dirty="0"/>
-              <a:t> </a:t>
-            </a:r>
-          </a:p>
-        </p:txBody>
-      </p:sp>
-      <p:sp>
-        <p:nvSpPr>
-          <p:cNvPr id="7" name="제목 1">
-            <a:extLst>
-              <a:ext uri="{FF2B5EF4-FFF2-40B4-BE49-F238E27FC236}">
-                <a16:creationId xmlns:a16="http://schemas.microsoft.com/office/drawing/2014/main" id="{7A6FBDF5-AA33-45E5-A627-1FADFAF38218}"/>
-              </a:ext>
-            </a:extLst>
-          </p:cNvPr>
-          <p:cNvSpPr txBox="1">
-            <a:spLocks/>
-          </p:cNvSpPr>
-          <p:nvPr/>
-        </p:nvSpPr>
-        <p:spPr>
-          <a:xfrm>
-            <a:off x="11719932" y="23130"/>
-            <a:ext cx="514589" cy="320261"/>
-          </a:xfrm>
-          <a:prstGeom prst="rect">
-            <a:avLst/>
-          </a:prstGeom>
-        </p:spPr>
-        <p:txBody>
-          <a:bodyPr vert="horz" lIns="91440" tIns="45720" rIns="91440" bIns="45720" rtlCol="0" anchor="b">
-            <a:noAutofit/>
-          </a:bodyPr>
-          <a:lstStyle>
-            <a:lvl1pPr algn="ctr" defTabSz="914400" rtl="0" eaLnBrk="1" latinLnBrk="0" hangingPunct="1">
-              <a:lnSpc>
-                <a:spcPct val="90000"/>
-              </a:lnSpc>
-              <a:spcBef>
-                <a:spcPct val="0"/>
-              </a:spcBef>
-              <a:buNone/>
-              <a:defRPr sz="6000" kern="1200">
-                <a:solidFill>
-                  <a:schemeClr val="tx1"/>
-                </a:solidFill>
-                <a:latin typeface="+mj-lt"/>
-                <a:ea typeface="+mj-ea"/>
-                <a:cs typeface="+mj-cs"/>
-              </a:defRPr>
-            </a:lvl1pPr>
-          </a:lstStyle>
-          <a:p>
-            <a:r>
-              <a:rPr lang="en-US" altLang="ko-KR" sz="1400" dirty="0">
-                <a:latin typeface="HY헤드라인M" panose="02030600000101010101" pitchFamily="18" charset="-127"/>
-                <a:ea typeface="HY헤드라인M" panose="02030600000101010101" pitchFamily="18" charset="-127"/>
-              </a:rPr>
-              <a:t>6/8</a:t>
-            </a:r>
-            <a:endParaRPr lang="ko-KR" altLang="en-US" sz="1400" dirty="0">
-              <a:latin typeface="HY헤드라인M" panose="02030600000101010101" pitchFamily="18" charset="-127"/>
-              <a:ea typeface="HY헤드라인M" panose="02030600000101010101" pitchFamily="18" charset="-127"/>
-            </a:endParaRPr>
-          </a:p>
-        </p:txBody>
-      </p:sp>
-      <p:pic>
-        <p:nvPicPr>
-          <p:cNvPr id="6149" name="Picture 5" descr="https://blog.kakaocdn.net/dn/mMXyy/btqA7p4rrSa/eVJIWobila1lIvJQBBalz1/img.png">
-            <a:extLst>
-              <a:ext uri="{FF2B5EF4-FFF2-40B4-BE49-F238E27FC236}">
-                <a16:creationId xmlns:a16="http://schemas.microsoft.com/office/drawing/2014/main" id="{C95A94A7-0550-49D8-908C-0BD0E87A9FB7}"/>
-              </a:ext>
-            </a:extLst>
-          </p:cNvPr>
-          <p:cNvPicPr>
-            <a:picLocks noChangeAspect="1" noChangeArrowheads="1"/>
-          </p:cNvPicPr>
-          <p:nvPr/>
-        </p:nvPicPr>
-        <p:blipFill>
-          <a:blip r:embed="rId2">
-            <a:extLst>
-              <a:ext uri="{28A0092B-C50C-407E-A947-70E740481C1C}">
-                <a14:useLocalDpi xmlns:a14="http://schemas.microsoft.com/office/drawing/2010/main" val="0"/>
-              </a:ext>
-            </a:extLst>
-          </a:blip>
-          <a:srcRect/>
-          <a:stretch>
-            <a:fillRect/>
-          </a:stretch>
-        </p:blipFill>
-        <p:spPr bwMode="auto">
-          <a:xfrm>
-            <a:off x="155575" y="-2147483648"/>
-            <a:ext cx="1409700" cy="533400"/>
-          </a:xfrm>
-          <a:prstGeom prst="rect">
-            <a:avLst/>
-          </a:prstGeom>
-          <a:noFill/>
-          <a:extLst>
-            <a:ext uri="{909E8E84-426E-40DD-AFC4-6F175D3DCCD1}">
-              <a14:hiddenFill xmlns:a14="http://schemas.microsoft.com/office/drawing/2010/main">
-                <a:solidFill>
-                  <a:srgbClr val="FFFFFF"/>
-                </a:solidFill>
-              </a14:hiddenFill>
-            </a:ext>
-          </a:extLst>
-        </p:spPr>
-      </p:pic>
-      <p:pic>
-        <p:nvPicPr>
-          <p:cNvPr id="6150" name="Picture 6" descr="https://blog.kakaocdn.net/dn/bQQwPG/btqA6pKCNUZ/BnpbQZpxawlpclWPJw3GT1/img.png">
-            <a:extLst>
-              <a:ext uri="{FF2B5EF4-FFF2-40B4-BE49-F238E27FC236}">
-                <a16:creationId xmlns:a16="http://schemas.microsoft.com/office/drawing/2014/main" id="{F888189A-6222-456D-9485-FF03A74600F3}"/>
-              </a:ext>
-            </a:extLst>
-          </p:cNvPr>
-          <p:cNvPicPr>
-            <a:picLocks noChangeAspect="1" noChangeArrowheads="1"/>
-          </p:cNvPicPr>
-          <p:nvPr/>
-        </p:nvPicPr>
-        <p:blipFill>
-          <a:blip r:embed="rId3">
-            <a:extLst>
-              <a:ext uri="{28A0092B-C50C-407E-A947-70E740481C1C}">
-                <a14:useLocalDpi xmlns:a14="http://schemas.microsoft.com/office/drawing/2010/main" val="0"/>
-              </a:ext>
-            </a:extLst>
-          </a:blip>
-          <a:srcRect/>
-          <a:stretch>
-            <a:fillRect/>
-          </a:stretch>
-        </p:blipFill>
-        <p:spPr bwMode="auto">
-          <a:xfrm>
-            <a:off x="155575" y="442379100"/>
-            <a:ext cx="1476375" cy="495300"/>
-          </a:xfrm>
-          <a:prstGeom prst="rect">
-            <a:avLst/>
-          </a:prstGeom>
-          <a:noFill/>
-          <a:extLst>
-            <a:ext uri="{909E8E84-426E-40DD-AFC4-6F175D3DCCD1}">
-              <a14:hiddenFill xmlns:a14="http://schemas.microsoft.com/office/drawing/2010/main">
-                <a:solidFill>
-                  <a:srgbClr val="FFFFFF"/>
-                </a:solidFill>
-              </a14:hiddenFill>
-            </a:ext>
-          </a:extLst>
-        </p:spPr>
-      </p:pic>
-      <p:sp>
-        <p:nvSpPr>
-          <p:cNvPr id="9" name="직사각형 8">
-            <a:extLst>
-              <a:ext uri="{FF2B5EF4-FFF2-40B4-BE49-F238E27FC236}">
-                <a16:creationId xmlns:a16="http://schemas.microsoft.com/office/drawing/2014/main" id="{B0DB8078-630B-4E98-83DC-88CCD0B1217C}"/>
-              </a:ext>
-            </a:extLst>
-          </p:cNvPr>
-          <p:cNvSpPr/>
-          <p:nvPr/>
-        </p:nvSpPr>
-        <p:spPr>
-          <a:xfrm>
-            <a:off x="3048000" y="1582341"/>
-            <a:ext cx="6096000" cy="1477328"/>
-          </a:xfrm>
-          <a:prstGeom prst="rect">
-            <a:avLst/>
-          </a:prstGeom>
-        </p:spPr>
-        <p:txBody>
-          <a:bodyPr>
-            <a:spAutoFit/>
-          </a:bodyPr>
-          <a:lstStyle/>
-          <a:p>
-            <a:r>
-              <a:rPr lang="ko-KR" altLang="en-US" dirty="0"/>
-              <a:t>- </a:t>
-            </a:r>
-            <a:r>
-              <a:rPr lang="ko-KR" altLang="en-US" dirty="0" err="1"/>
-              <a:t>Bckbone</a:t>
-            </a:r>
-            <a:r>
-              <a:rPr lang="ko-KR" altLang="en-US" dirty="0"/>
-              <a:t> : </a:t>
-            </a:r>
-            <a:r>
-              <a:rPr lang="ko-KR" altLang="en-US" dirty="0" err="1"/>
-              <a:t>change</a:t>
-            </a:r>
-            <a:r>
-              <a:rPr lang="ko-KR" altLang="en-US" dirty="0"/>
-              <a:t> </a:t>
-            </a:r>
-            <a:r>
-              <a:rPr lang="ko-KR" altLang="en-US" dirty="0" err="1"/>
-              <a:t>to</a:t>
-            </a:r>
-            <a:r>
-              <a:rPr lang="ko-KR" altLang="en-US" dirty="0"/>
-              <a:t> Resnet50</a:t>
-            </a:r>
-          </a:p>
-          <a:p>
-            <a:r>
-              <a:rPr lang="ko-KR" altLang="en-US" dirty="0"/>
-              <a:t>   - </a:t>
-            </a:r>
-            <a:r>
-              <a:rPr lang="ko-KR" altLang="en-US" dirty="0" err="1"/>
-              <a:t>Loss가</a:t>
-            </a:r>
-            <a:r>
-              <a:rPr lang="ko-KR" altLang="en-US" dirty="0"/>
-              <a:t> 코드에서 실제 어떻게 구현됐고 </a:t>
-            </a:r>
-            <a:r>
-              <a:rPr lang="ko-KR" altLang="en-US" dirty="0" err="1"/>
-              <a:t>어떻게쓰이는지</a:t>
-            </a:r>
-            <a:r>
-              <a:rPr lang="ko-KR" altLang="en-US" dirty="0"/>
-              <a:t>,</a:t>
-            </a:r>
-          </a:p>
-          <a:p>
-            <a:r>
-              <a:rPr lang="ko-KR" altLang="en-US" dirty="0"/>
-              <a:t>     </a:t>
-            </a:r>
-            <a:r>
-              <a:rPr lang="ko-KR" altLang="en-US" dirty="0" err="1"/>
-              <a:t>Cross_entropy</a:t>
-            </a:r>
-            <a:r>
-              <a:rPr lang="ko-KR" altLang="en-US" dirty="0"/>
-              <a:t>, Smooth_L1 실제 </a:t>
-            </a:r>
-            <a:r>
-              <a:rPr lang="ko-KR" altLang="en-US" dirty="0" err="1"/>
-              <a:t>파라미터값</a:t>
-            </a:r>
-            <a:r>
-              <a:rPr lang="ko-KR" altLang="en-US" dirty="0"/>
-              <a:t>(</a:t>
-            </a:r>
-            <a:r>
-              <a:rPr lang="ko-KR" altLang="en-US" dirty="0" err="1"/>
-              <a:t>pi</a:t>
-            </a:r>
-            <a:r>
-              <a:rPr lang="ko-KR" altLang="en-US" dirty="0"/>
-              <a:t>, </a:t>
-            </a:r>
-            <a:r>
-              <a:rPr lang="ko-KR" altLang="en-US" dirty="0" err="1"/>
-              <a:t>p</a:t>
-            </a:r>
-            <a:r>
-              <a:rPr lang="ko-KR" altLang="en-US" dirty="0"/>
-              <a:t>*</a:t>
-            </a:r>
-            <a:r>
-              <a:rPr lang="ko-KR" altLang="en-US" dirty="0" err="1"/>
-              <a:t>i</a:t>
-            </a:r>
-            <a:r>
-              <a:rPr lang="ko-KR" altLang="en-US" dirty="0"/>
-              <a:t>), (</a:t>
-            </a:r>
-            <a:r>
-              <a:rPr lang="ko-KR" altLang="en-US" dirty="0" err="1"/>
-              <a:t>ti,t`i</a:t>
-            </a:r>
-            <a:r>
-              <a:rPr lang="ko-KR" altLang="en-US" dirty="0"/>
-              <a:t>) 설명</a:t>
-            </a:r>
-          </a:p>
-          <a:p>
-            <a:r>
-              <a:rPr lang="ko-KR" altLang="en-US" dirty="0"/>
-              <a:t>   - </a:t>
-            </a:r>
-            <a:r>
-              <a:rPr lang="ko-KR" altLang="en-US" dirty="0" err="1"/>
-              <a:t>Loss수렴</a:t>
-            </a:r>
-            <a:r>
-              <a:rPr lang="ko-KR" altLang="en-US" dirty="0"/>
-              <a:t> </a:t>
-            </a:r>
-            <a:r>
-              <a:rPr lang="ko-KR" altLang="en-US" dirty="0" err="1"/>
-              <a:t>smooth하게</a:t>
-            </a:r>
-            <a:endParaRPr lang="ko-KR" altLang="en-US" dirty="0"/>
-          </a:p>
-        </p:txBody>
-      </p:sp>
-    </p:spTree>
-    <p:extLst>
-      <p:ext uri="{BB962C8B-B14F-4D97-AF65-F5344CB8AC3E}">
-        <p14:creationId xmlns:p14="http://schemas.microsoft.com/office/powerpoint/2010/main" val="1184953040"/>
-      </p:ext>
-    </p:extLst>
-  </p:cSld>
-  <p:clrMapOvr>
-    <a:masterClrMapping/>
-  </p:clrMapOvr>
-</p:sld>
-</file>
-
-<file path=ppt/slides/slide8.xml><?xml version="1.0" encoding="utf-8"?>
 <p:sld xmlns:a="http://schemas.openxmlformats.org/drawingml/2006/main" xmlns:r="http://schemas.openxmlformats.org/officeDocument/2006/relationships" xmlns:p="http://schemas.openxmlformats.org/presentationml/2006/main">
   <p:cSld>
     <p:spTree>
@@ -13541,7 +14854,7 @@
                 <a:latin typeface="HY헤드라인M" panose="02030600000101010101" pitchFamily="18" charset="-127"/>
                 <a:ea typeface="HY헤드라인M" panose="02030600000101010101" pitchFamily="18" charset="-127"/>
               </a:rPr>
-              <a:t>8/8</a:t>
+              <a:t>6/6</a:t>
             </a:r>
             <a:endParaRPr lang="ko-KR" altLang="en-US" sz="1400" dirty="0">
               <a:latin typeface="HY헤드라인M" panose="02030600000101010101" pitchFamily="18" charset="-127"/>

--- a/1st_week/Seminar_1st_week_1.2(backbone+).pptx
+++ b/1st_week/Seminar_1st_week_1.2(backbone+).pptx
@@ -629,6 +629,90 @@
     <p:extLst>
       <p:ext uri="{BB962C8B-B14F-4D97-AF65-F5344CB8AC3E}">
         <p14:creationId xmlns:p14="http://schemas.microsoft.com/office/powerpoint/2010/main" val="3492240326"/>
+      </p:ext>
+    </p:extLst>
+  </p:cSld>
+  <p:clrMapOvr>
+    <a:masterClrMapping/>
+  </p:clrMapOvr>
+</p:notes>
+</file>
+
+<file path=ppt/notesSlides/notesSlide3.xml><?xml version="1.0" encoding="utf-8"?>
+<p:notes xmlns:a="http://schemas.openxmlformats.org/drawingml/2006/main" xmlns:r="http://schemas.openxmlformats.org/officeDocument/2006/relationships" xmlns:p="http://schemas.openxmlformats.org/presentationml/2006/main">
+  <p:cSld>
+    <p:spTree>
+      <p:nvGrpSpPr>
+        <p:cNvPr id="1" name=""/>
+        <p:cNvGrpSpPr/>
+        <p:nvPr/>
+      </p:nvGrpSpPr>
+      <p:grpSpPr>
+        <a:xfrm>
+          <a:off x="0" y="0"/>
+          <a:ext cx="0" cy="0"/>
+          <a:chOff x="0" y="0"/>
+          <a:chExt cx="0" cy="0"/>
+        </a:xfrm>
+      </p:grpSpPr>
+      <p:sp>
+        <p:nvSpPr>
+          <p:cNvPr id="2" name="슬라이드 이미지 개체 틀 1"/>
+          <p:cNvSpPr>
+            <a:spLocks noGrp="1" noRot="1" noChangeAspect="1"/>
+          </p:cNvSpPr>
+          <p:nvPr>
+            <p:ph type="sldImg"/>
+          </p:nvPr>
+        </p:nvSpPr>
+        <p:spPr/>
+      </p:sp>
+      <p:sp>
+        <p:nvSpPr>
+          <p:cNvPr id="3" name="슬라이드 노트 개체 틀 2"/>
+          <p:cNvSpPr>
+            <a:spLocks noGrp="1"/>
+          </p:cNvSpPr>
+          <p:nvPr>
+            <p:ph type="body" idx="1"/>
+          </p:nvPr>
+        </p:nvSpPr>
+        <p:spPr/>
+        <p:txBody>
+          <a:bodyPr/>
+          <a:lstStyle/>
+          <a:p>
+            <a:endParaRPr lang="ko-KR" altLang="en-US" dirty="0"/>
+          </a:p>
+        </p:txBody>
+      </p:sp>
+      <p:sp>
+        <p:nvSpPr>
+          <p:cNvPr id="4" name="슬라이드 번호 개체 틀 3"/>
+          <p:cNvSpPr>
+            <a:spLocks noGrp="1"/>
+          </p:cNvSpPr>
+          <p:nvPr>
+            <p:ph type="sldNum" sz="quarter" idx="5"/>
+          </p:nvPr>
+        </p:nvSpPr>
+        <p:spPr/>
+        <p:txBody>
+          <a:bodyPr/>
+          <a:lstStyle/>
+          <a:p>
+            <a:fld id="{EED9025E-C61C-4919-BB11-EAB2913BB600}" type="slidenum">
+              <a:rPr lang="ko-KR" altLang="en-US" smtClean="0"/>
+              <a:t>4</a:t>
+            </a:fld>
+            <a:endParaRPr lang="ko-KR" altLang="en-US"/>
+          </a:p>
+        </p:txBody>
+      </p:sp>
+    </p:spTree>
+    <p:extLst>
+      <p:ext uri="{BB962C8B-B14F-4D97-AF65-F5344CB8AC3E}">
+        <p14:creationId xmlns:p14="http://schemas.microsoft.com/office/powerpoint/2010/main" val="374427520"/>
       </p:ext>
     </p:extLst>
   </p:cSld>
@@ -7586,7 +7670,7 @@
           <p:nvPr/>
         </p:nvPicPr>
         <p:blipFill>
-          <a:blip r:embed="rId2"/>
+          <a:blip r:embed="rId3"/>
           <a:stretch>
             <a:fillRect/>
           </a:stretch>
@@ -8239,7 +8323,7 @@
           <p:nvPr/>
         </p:nvPicPr>
         <p:blipFill>
-          <a:blip r:embed="rId3">
+          <a:blip r:embed="rId4">
             <a:extLst>
               <a:ext uri="{28A0092B-C50C-407E-A947-70E740481C1C}">
                 <a14:useLocalDpi xmlns:a14="http://schemas.microsoft.com/office/drawing/2010/main" val="0"/>
@@ -9232,53 +9316,6 @@
           </a:p>
         </p:txBody>
       </p:sp>
-      <p:pic>
-        <p:nvPicPr>
-          <p:cNvPr id="16" name="Picture 2" descr="https://gombru.github.io/assets/cross_entropy_loss/softmax_CE_pipeline.png">
-            <a:extLst>
-              <a:ext uri="{FF2B5EF4-FFF2-40B4-BE49-F238E27FC236}">
-                <a16:creationId xmlns:a16="http://schemas.microsoft.com/office/drawing/2014/main" id="{B2881A71-44B3-48E4-AD75-D8A16012B22D}"/>
-              </a:ext>
-            </a:extLst>
-          </p:cNvPr>
-          <p:cNvPicPr>
-            <a:picLocks noChangeAspect="1" noChangeArrowheads="1"/>
-          </p:cNvPicPr>
-          <p:nvPr/>
-        </p:nvPicPr>
-        <p:blipFill>
-          <a:blip r:embed="rId4">
-            <a:extLst>
-              <a:ext uri="{28A0092B-C50C-407E-A947-70E740481C1C}">
-                <a14:useLocalDpi xmlns:a14="http://schemas.microsoft.com/office/drawing/2010/main" val="0"/>
-              </a:ext>
-            </a:extLst>
-          </a:blip>
-          <a:srcRect/>
-          <a:stretch>
-            <a:fillRect/>
-          </a:stretch>
-        </p:blipFill>
-        <p:spPr bwMode="auto">
-          <a:xfrm>
-            <a:off x="779613" y="4665678"/>
-            <a:ext cx="4311668" cy="1619909"/>
-          </a:xfrm>
-          <a:prstGeom prst="rect">
-            <a:avLst/>
-          </a:prstGeom>
-          <a:noFill/>
-          <a:extLst>
-            <a:ext uri="{909E8E84-426E-40DD-AFC4-6F175D3DCCD1}">
-              <a14:hiddenFill xmlns:a14="http://schemas.microsoft.com/office/drawing/2010/main">
-                <a:solidFill>
-                  <a:srgbClr val="FFFFFF"/>
-                </a:solidFill>
-              </a14:hiddenFill>
-            </a:ext>
-          </a:extLst>
-        </p:spPr>
-      </p:pic>
       <p:sp>
         <p:nvSpPr>
           <p:cNvPr id="17" name="제목 1">
@@ -9295,7 +9332,7 @@
         </p:nvSpPr>
         <p:spPr>
           <a:xfrm>
-            <a:off x="1631418" y="4019109"/>
+            <a:off x="1658796" y="4457846"/>
             <a:ext cx="2970086" cy="646569"/>
           </a:xfrm>
           <a:prstGeom prst="rect">
@@ -9370,8 +9407,8 @@
         </p:nvSpPr>
         <p:spPr>
           <a:xfrm>
-            <a:off x="759173" y="3959258"/>
-            <a:ext cx="4681998" cy="2493073"/>
+            <a:off x="679810" y="4284924"/>
+            <a:ext cx="4928059" cy="2134041"/>
           </a:xfrm>
           <a:prstGeom prst="roundRect">
             <a:avLst/>
@@ -9433,7 +9470,7 @@
         </p:blipFill>
         <p:spPr>
           <a:xfrm>
-            <a:off x="5774637" y="4083435"/>
+            <a:off x="5901478" y="5084260"/>
             <a:ext cx="5977325" cy="608321"/>
           </a:xfrm>
           <a:prstGeom prst="rect">
@@ -9443,10 +9480,10 @@
       </p:pic>
       <p:pic>
         <p:nvPicPr>
-          <p:cNvPr id="20" name="그림 19">
-            <a:extLst>
-              <a:ext uri="{FF2B5EF4-FFF2-40B4-BE49-F238E27FC236}">
-                <a16:creationId xmlns:a16="http://schemas.microsoft.com/office/drawing/2014/main" id="{058E9B29-6EDC-4C9F-ACAB-A1EFD0629A72}"/>
+          <p:cNvPr id="3" name="그림 2">
+            <a:extLst>
+              <a:ext uri="{FF2B5EF4-FFF2-40B4-BE49-F238E27FC236}">
+                <a16:creationId xmlns:a16="http://schemas.microsoft.com/office/drawing/2014/main" id="{7B943D1F-6E90-4420-960F-793812DB573B}"/>
               </a:ext>
             </a:extLst>
           </p:cNvPr>
@@ -9463,8 +9500,8 @@
         </p:blipFill>
         <p:spPr>
           <a:xfrm>
-            <a:off x="5798459" y="5315595"/>
-            <a:ext cx="6105525" cy="1104304"/>
+            <a:off x="796846" y="5351945"/>
+            <a:ext cx="4693985" cy="638175"/>
           </a:xfrm>
           <a:prstGeom prst="rect">
             <a:avLst/>
@@ -9473,10 +9510,10 @@
       </p:pic>
       <p:sp>
         <p:nvSpPr>
-          <p:cNvPr id="21" name="제목 1">
-            <a:extLst>
-              <a:ext uri="{FF2B5EF4-FFF2-40B4-BE49-F238E27FC236}">
-                <a16:creationId xmlns:a16="http://schemas.microsoft.com/office/drawing/2014/main" id="{CD63D849-B9F8-493A-B1A1-D0D681440810}"/>
+          <p:cNvPr id="24" name="제목 1">
+            <a:extLst>
+              <a:ext uri="{FF2B5EF4-FFF2-40B4-BE49-F238E27FC236}">
+                <a16:creationId xmlns:a16="http://schemas.microsoft.com/office/drawing/2014/main" id="{4CC2F881-54D6-41CC-8DDB-743EF1895F77}"/>
               </a:ext>
             </a:extLst>
           </p:cNvPr>
@@ -9487,8 +9524,76 @@
         </p:nvSpPr>
         <p:spPr>
           <a:xfrm>
-            <a:off x="5651501" y="4960157"/>
-            <a:ext cx="6363710" cy="355438"/>
+            <a:off x="4431798" y="4020844"/>
+            <a:ext cx="1664202" cy="311702"/>
+          </a:xfrm>
+          <a:prstGeom prst="rect">
+            <a:avLst/>
+          </a:prstGeom>
+        </p:spPr>
+        <p:txBody>
+          <a:bodyPr vert="horz" lIns="91440" tIns="45720" rIns="91440" bIns="45720" rtlCol="0" anchor="b">
+            <a:noAutofit/>
+          </a:bodyPr>
+          <a:lstStyle>
+            <a:lvl1pPr algn="ctr" defTabSz="914400" rtl="0" eaLnBrk="1" latinLnBrk="0" hangingPunct="1">
+              <a:lnSpc>
+                <a:spcPct val="90000"/>
+              </a:lnSpc>
+              <a:spcBef>
+                <a:spcPct val="0"/>
+              </a:spcBef>
+              <a:buNone/>
+              <a:defRPr sz="6000" kern="1200">
+                <a:solidFill>
+                  <a:schemeClr val="tx1"/>
+                </a:solidFill>
+                <a:latin typeface="+mj-lt"/>
+                <a:ea typeface="+mj-ea"/>
+                <a:cs typeface="+mj-cs"/>
+              </a:defRPr>
+            </a:lvl1pPr>
+          </a:lstStyle>
+          <a:p>
+            <a:r>
+              <a:rPr lang="ko-KR" altLang="en-US" sz="1600" dirty="0">
+                <a:latin typeface="HY헤드라인M" panose="02030600000101010101" pitchFamily="18" charset="-127"/>
+                <a:ea typeface="HY헤드라인M" panose="02030600000101010101" pitchFamily="18" charset="-127"/>
+              </a:rPr>
+              <a:t>예측된 </a:t>
+            </a:r>
+            <a:r>
+              <a:rPr lang="ko-KR" altLang="en-US" sz="1600" dirty="0" err="1">
+                <a:latin typeface="HY헤드라인M" panose="02030600000101010101" pitchFamily="18" charset="-127"/>
+                <a:ea typeface="HY헤드라인M" panose="02030600000101010101" pitchFamily="18" charset="-127"/>
+              </a:rPr>
+              <a:t>확률값</a:t>
+            </a:r>
+            <a:endParaRPr lang="en-US" altLang="ko-KR" sz="1600" dirty="0">
+              <a:latin typeface="HY헤드라인M" panose="02030600000101010101" pitchFamily="18" charset="-127"/>
+              <a:ea typeface="HY헤드라인M" panose="02030600000101010101" pitchFamily="18" charset="-127"/>
+            </a:endParaRPr>
+          </a:p>
+        </p:txBody>
+      </p:sp>
+      <p:sp>
+        <p:nvSpPr>
+          <p:cNvPr id="26" name="제목 1">
+            <a:extLst>
+              <a:ext uri="{FF2B5EF4-FFF2-40B4-BE49-F238E27FC236}">
+                <a16:creationId xmlns:a16="http://schemas.microsoft.com/office/drawing/2014/main" id="{A38A64D6-ACFD-4115-8F51-F0F35D661FAF}"/>
+              </a:ext>
+            </a:extLst>
+          </p:cNvPr>
+          <p:cNvSpPr txBox="1">
+            <a:spLocks/>
+          </p:cNvSpPr>
+          <p:nvPr/>
+        </p:nvSpPr>
+        <p:spPr>
+          <a:xfrm>
+            <a:off x="5706921" y="4525915"/>
+            <a:ext cx="2494104" cy="279525"/>
           </a:xfrm>
           <a:prstGeom prst="rect">
             <a:avLst/>
@@ -9519,40 +9624,339 @@
           </a:lstStyle>
           <a:p>
             <a:r>
-              <a:rPr lang="en-US" altLang="ko-KR" sz="2000" b="1" dirty="0">
+              <a:rPr lang="ko-KR" altLang="en-US" sz="1400" dirty="0" err="1">
                 <a:latin typeface="HY헤드라인M" panose="02030600000101010101" pitchFamily="18" charset="-127"/>
                 <a:ea typeface="HY헤드라인M" panose="02030600000101010101" pitchFamily="18" charset="-127"/>
               </a:rPr>
-              <a:t>In </a:t>
-            </a:r>
-            <a:r>
-              <a:rPr lang="en-US" altLang="ko-KR" sz="2000" b="1" dirty="0" err="1">
+              <a:t>정답값</a:t>
+            </a:r>
+            <a:r>
+              <a:rPr lang="en-US" altLang="ko-KR" sz="1400" dirty="0">
                 <a:latin typeface="HY헤드라인M" panose="02030600000101010101" pitchFamily="18" charset="-127"/>
                 <a:ea typeface="HY헤드라인M" panose="02030600000101010101" pitchFamily="18" charset="-127"/>
               </a:rPr>
-              <a:t>Pytorch</a:t>
-            </a:r>
-            <a:r>
-              <a:rPr lang="en-US" altLang="ko-KR" sz="2000" b="1" dirty="0">
+              <a:t>(One-hot encoding</a:t>
+            </a:r>
+            <a:r>
+              <a:rPr lang="ko-KR" altLang="en-US" sz="1400" dirty="0">
                 <a:latin typeface="HY헤드라인M" panose="02030600000101010101" pitchFamily="18" charset="-127"/>
                 <a:ea typeface="HY헤드라인M" panose="02030600000101010101" pitchFamily="18" charset="-127"/>
               </a:rPr>
-              <a:t> homepage, </a:t>
-            </a:r>
-            <a:r>
-              <a:rPr lang="en-US" altLang="ko-KR" sz="2000" b="1" dirty="0" err="1">
+              <a:t>된</a:t>
+            </a:r>
+            <a:r>
+              <a:rPr lang="en-US" altLang="ko-KR" sz="1400" dirty="0">
                 <a:latin typeface="HY헤드라인M" panose="02030600000101010101" pitchFamily="18" charset="-127"/>
                 <a:ea typeface="HY헤드라인M" panose="02030600000101010101" pitchFamily="18" charset="-127"/>
               </a:rPr>
-              <a:t>nn.CrossEntropyLoss</a:t>
-            </a:r>
-            <a:r>
-              <a:rPr lang="en-US" altLang="ko-KR" sz="2000" b="1" dirty="0">
-                <a:latin typeface="HY헤드라인M" panose="02030600000101010101" pitchFamily="18" charset="-127"/>
-                <a:ea typeface="HY헤드라인M" panose="02030600000101010101" pitchFamily="18" charset="-127"/>
-              </a:rPr>
-              <a:t> tables.</a:t>
-            </a:r>
+              <a:t>)</a:t>
+            </a:r>
+          </a:p>
+        </p:txBody>
+      </p:sp>
+      <p:sp>
+        <p:nvSpPr>
+          <p:cNvPr id="7" name="자유형: 도형 6">
+            <a:extLst>
+              <a:ext uri="{FF2B5EF4-FFF2-40B4-BE49-F238E27FC236}">
+                <a16:creationId xmlns:a16="http://schemas.microsoft.com/office/drawing/2014/main" id="{1F05D317-9CB5-4C56-9701-114957410E42}"/>
+              </a:ext>
+            </a:extLst>
+          </p:cNvPr>
+          <p:cNvSpPr/>
+          <p:nvPr/>
+        </p:nvSpPr>
+        <p:spPr>
+          <a:xfrm>
+            <a:off x="4302618" y="4305300"/>
+            <a:ext cx="831357" cy="1259548"/>
+          </a:xfrm>
+          <a:custGeom>
+            <a:avLst/>
+            <a:gdLst>
+              <a:gd name="connsiteX0" fmla="*/ 31257 w 831357"/>
+              <a:gd name="connsiteY0" fmla="*/ 1238250 h 1259548"/>
+              <a:gd name="connsiteX1" fmla="*/ 59832 w 831357"/>
+              <a:gd name="connsiteY1" fmla="*/ 1190625 h 1259548"/>
+              <a:gd name="connsiteX2" fmla="*/ 574182 w 831357"/>
+              <a:gd name="connsiteY2" fmla="*/ 666750 h 1259548"/>
+              <a:gd name="connsiteX3" fmla="*/ 831357 w 831357"/>
+              <a:gd name="connsiteY3" fmla="*/ 0 h 1259548"/>
+            </a:gdLst>
+            <a:ahLst/>
+            <a:cxnLst>
+              <a:cxn ang="0">
+                <a:pos x="connsiteX0" y="connsiteY0"/>
+              </a:cxn>
+              <a:cxn ang="0">
+                <a:pos x="connsiteX1" y="connsiteY1"/>
+              </a:cxn>
+              <a:cxn ang="0">
+                <a:pos x="connsiteX2" y="connsiteY2"/>
+              </a:cxn>
+              <a:cxn ang="0">
+                <a:pos x="connsiteX3" y="connsiteY3"/>
+              </a:cxn>
+            </a:cxnLst>
+            <a:rect l="l" t="t" r="r" b="b"/>
+            <a:pathLst>
+              <a:path w="831357" h="1259548">
+                <a:moveTo>
+                  <a:pt x="31257" y="1238250"/>
+                </a:moveTo>
+                <a:cubicBezTo>
+                  <a:pt x="301" y="1262062"/>
+                  <a:pt x="-30655" y="1285875"/>
+                  <a:pt x="59832" y="1190625"/>
+                </a:cubicBezTo>
+                <a:cubicBezTo>
+                  <a:pt x="150319" y="1095375"/>
+                  <a:pt x="445595" y="865187"/>
+                  <a:pt x="574182" y="666750"/>
+                </a:cubicBezTo>
+                <a:cubicBezTo>
+                  <a:pt x="702769" y="468313"/>
+                  <a:pt x="767063" y="234156"/>
+                  <a:pt x="831357" y="0"/>
+                </a:cubicBezTo>
+              </a:path>
+            </a:pathLst>
+          </a:custGeom>
+          <a:noFill/>
+          <a:ln w="19050">
+            <a:solidFill>
+              <a:schemeClr val="accent5">
+                <a:lumMod val="40000"/>
+                <a:lumOff val="60000"/>
+              </a:schemeClr>
+            </a:solidFill>
+          </a:ln>
+        </p:spPr>
+        <p:style>
+          <a:lnRef idx="2">
+            <a:schemeClr val="accent1">
+              <a:shade val="50000"/>
+            </a:schemeClr>
+          </a:lnRef>
+          <a:fillRef idx="1">
+            <a:schemeClr val="accent1"/>
+          </a:fillRef>
+          <a:effectRef idx="0">
+            <a:schemeClr val="accent1"/>
+          </a:effectRef>
+          <a:fontRef idx="minor">
+            <a:schemeClr val="lt1"/>
+          </a:fontRef>
+        </p:style>
+        <p:txBody>
+          <a:bodyPr rtlCol="0" anchor="ctr"/>
+          <a:lstStyle/>
+          <a:p>
+            <a:pPr algn="ctr"/>
+            <a:endParaRPr lang="ko-KR" altLang="en-US"/>
+          </a:p>
+        </p:txBody>
+      </p:sp>
+      <p:sp>
+        <p:nvSpPr>
+          <p:cNvPr id="8" name="자유형: 도형 7">
+            <a:extLst>
+              <a:ext uri="{FF2B5EF4-FFF2-40B4-BE49-F238E27FC236}">
+                <a16:creationId xmlns:a16="http://schemas.microsoft.com/office/drawing/2014/main" id="{DDFBBBA3-F8BD-475D-855C-26E292E6265B}"/>
+              </a:ext>
+            </a:extLst>
+          </p:cNvPr>
+          <p:cNvSpPr/>
+          <p:nvPr/>
+        </p:nvSpPr>
+        <p:spPr>
+          <a:xfrm>
+            <a:off x="5010150" y="4819650"/>
+            <a:ext cx="981075" cy="714375"/>
+          </a:xfrm>
+          <a:custGeom>
+            <a:avLst/>
+            <a:gdLst>
+              <a:gd name="connsiteX0" fmla="*/ 0 w 981075"/>
+              <a:gd name="connsiteY0" fmla="*/ 714375 h 714375"/>
+              <a:gd name="connsiteX1" fmla="*/ 695325 w 981075"/>
+              <a:gd name="connsiteY1" fmla="*/ 133350 h 714375"/>
+              <a:gd name="connsiteX2" fmla="*/ 981075 w 981075"/>
+              <a:gd name="connsiteY2" fmla="*/ 0 h 714375"/>
+            </a:gdLst>
+            <a:ahLst/>
+            <a:cxnLst>
+              <a:cxn ang="0">
+                <a:pos x="connsiteX0" y="connsiteY0"/>
+              </a:cxn>
+              <a:cxn ang="0">
+                <a:pos x="connsiteX1" y="connsiteY1"/>
+              </a:cxn>
+              <a:cxn ang="0">
+                <a:pos x="connsiteX2" y="connsiteY2"/>
+              </a:cxn>
+            </a:cxnLst>
+            <a:rect l="l" t="t" r="r" b="b"/>
+            <a:pathLst>
+              <a:path w="981075" h="714375">
+                <a:moveTo>
+                  <a:pt x="0" y="714375"/>
+                </a:moveTo>
+                <a:cubicBezTo>
+                  <a:pt x="265906" y="483393"/>
+                  <a:pt x="531813" y="252412"/>
+                  <a:pt x="695325" y="133350"/>
+                </a:cubicBezTo>
+                <a:cubicBezTo>
+                  <a:pt x="858838" y="14287"/>
+                  <a:pt x="919956" y="7143"/>
+                  <a:pt x="981075" y="0"/>
+                </a:cubicBezTo>
+              </a:path>
+            </a:pathLst>
+          </a:custGeom>
+          <a:noFill/>
+          <a:ln w="19050">
+            <a:solidFill>
+              <a:schemeClr val="accent5">
+                <a:lumMod val="40000"/>
+                <a:lumOff val="60000"/>
+              </a:schemeClr>
+            </a:solidFill>
+          </a:ln>
+        </p:spPr>
+        <p:style>
+          <a:lnRef idx="2">
+            <a:schemeClr val="accent1">
+              <a:shade val="50000"/>
+            </a:schemeClr>
+          </a:lnRef>
+          <a:fillRef idx="1">
+            <a:schemeClr val="accent1"/>
+          </a:fillRef>
+          <a:effectRef idx="0">
+            <a:schemeClr val="accent1"/>
+          </a:effectRef>
+          <a:fontRef idx="minor">
+            <a:schemeClr val="lt1"/>
+          </a:fontRef>
+        </p:style>
+        <p:txBody>
+          <a:bodyPr rtlCol="0" anchor="ctr"/>
+          <a:lstStyle/>
+          <a:p>
+            <a:pPr algn="ctr"/>
+            <a:endParaRPr lang="ko-KR" altLang="en-US"/>
+          </a:p>
+        </p:txBody>
+      </p:sp>
+      <p:sp>
+        <p:nvSpPr>
+          <p:cNvPr id="11" name="타원 10">
+            <a:extLst>
+              <a:ext uri="{FF2B5EF4-FFF2-40B4-BE49-F238E27FC236}">
+                <a16:creationId xmlns:a16="http://schemas.microsoft.com/office/drawing/2014/main" id="{6B572F35-8603-4DBE-ACA2-CE5AFF09E444}"/>
+              </a:ext>
+            </a:extLst>
+          </p:cNvPr>
+          <p:cNvSpPr/>
+          <p:nvPr/>
+        </p:nvSpPr>
+        <p:spPr>
+          <a:xfrm>
+            <a:off x="4200525" y="5564848"/>
+            <a:ext cx="212223" cy="247530"/>
+          </a:xfrm>
+          <a:prstGeom prst="ellipse">
+            <a:avLst/>
+          </a:prstGeom>
+          <a:noFill/>
+          <a:ln w="28575">
+            <a:solidFill>
+              <a:schemeClr val="accent5">
+                <a:lumMod val="60000"/>
+                <a:lumOff val="40000"/>
+              </a:schemeClr>
+            </a:solidFill>
+          </a:ln>
+        </p:spPr>
+        <p:style>
+          <a:lnRef idx="2">
+            <a:schemeClr val="accent1">
+              <a:shade val="50000"/>
+            </a:schemeClr>
+          </a:lnRef>
+          <a:fillRef idx="1">
+            <a:schemeClr val="accent1"/>
+          </a:fillRef>
+          <a:effectRef idx="0">
+            <a:schemeClr val="accent1"/>
+          </a:effectRef>
+          <a:fontRef idx="minor">
+            <a:schemeClr val="lt1"/>
+          </a:fontRef>
+        </p:style>
+        <p:txBody>
+          <a:bodyPr rtlCol="0" anchor="ctr"/>
+          <a:lstStyle/>
+          <a:p>
+            <a:pPr algn="ctr"/>
+            <a:endParaRPr lang="ko-KR" altLang="en-US"/>
+          </a:p>
+        </p:txBody>
+      </p:sp>
+      <p:sp>
+        <p:nvSpPr>
+          <p:cNvPr id="32" name="타원 31">
+            <a:extLst>
+              <a:ext uri="{FF2B5EF4-FFF2-40B4-BE49-F238E27FC236}">
+                <a16:creationId xmlns:a16="http://schemas.microsoft.com/office/drawing/2014/main" id="{4D9CBF99-3AF7-47C4-89FC-3D62F9DEA40A}"/>
+              </a:ext>
+            </a:extLst>
+          </p:cNvPr>
+          <p:cNvSpPr/>
+          <p:nvPr/>
+        </p:nvSpPr>
+        <p:spPr>
+          <a:xfrm>
+            <a:off x="4876833" y="5547267"/>
+            <a:ext cx="212223" cy="247530"/>
+          </a:xfrm>
+          <a:prstGeom prst="ellipse">
+            <a:avLst/>
+          </a:prstGeom>
+          <a:noFill/>
+          <a:ln w="28575">
+            <a:solidFill>
+              <a:schemeClr val="accent5">
+                <a:lumMod val="60000"/>
+                <a:lumOff val="40000"/>
+              </a:schemeClr>
+            </a:solidFill>
+          </a:ln>
+        </p:spPr>
+        <p:style>
+          <a:lnRef idx="2">
+            <a:schemeClr val="accent1">
+              <a:shade val="50000"/>
+            </a:schemeClr>
+          </a:lnRef>
+          <a:fillRef idx="1">
+            <a:schemeClr val="accent1"/>
+          </a:fillRef>
+          <a:effectRef idx="0">
+            <a:schemeClr val="accent1"/>
+          </a:effectRef>
+          <a:fontRef idx="minor">
+            <a:schemeClr val="lt1"/>
+          </a:fontRef>
+        </p:style>
+        <p:txBody>
+          <a:bodyPr rtlCol="0" anchor="ctr"/>
+          <a:lstStyle/>
+          <a:p>
+            <a:pPr algn="ctr"/>
+            <a:endParaRPr lang="ko-KR" altLang="en-US"/>
           </a:p>
         </p:txBody>
       </p:sp>
@@ -12885,7 +13289,7 @@
             </a:pPr>
             <a:r>
               <a:rPr lang="en-US" altLang="ko-KR" sz="6200" dirty="0"/>
-              <a:t>     validation(loss, </a:t>
+              <a:t>     train(loss, </a:t>
             </a:r>
             <a:r>
               <a:rPr lang="en-US" altLang="ko-KR" sz="6200" dirty="0" err="1"/>
@@ -13187,7 +13591,7 @@
             </a:r>
             <a:r>
               <a:rPr lang="en-US" altLang="ko-KR" sz="2400" dirty="0"/>
-              <a:t>) for Validation</a:t>
+              <a:t>) for train</a:t>
             </a:r>
             <a:endParaRPr lang="ko-KR" altLang="en-US" sz="2400" dirty="0"/>
           </a:p>
@@ -13578,12 +13982,89 @@
             </a:r>
             <a:r>
               <a:rPr lang="en-US" altLang="ko-KR" sz="2400" dirty="0"/>
-              <a:t> : 0.9042567</a:t>
+              <a:t> : 0.8618237455</a:t>
             </a:r>
             <a:endParaRPr lang="ko-KR" altLang="en-US" sz="2400" dirty="0"/>
           </a:p>
         </p:txBody>
       </p:sp>
+      <p:pic>
+        <p:nvPicPr>
+          <p:cNvPr id="9" name="그림 8">
+            <a:extLst>
+              <a:ext uri="{FF2B5EF4-FFF2-40B4-BE49-F238E27FC236}">
+                <a16:creationId xmlns:a16="http://schemas.microsoft.com/office/drawing/2014/main" id="{BF05BAEA-27E6-4C8F-8FE0-1AB03495F732}"/>
+              </a:ext>
+            </a:extLst>
+          </p:cNvPr>
+          <p:cNvPicPr>
+            <a:picLocks noChangeAspect="1"/>
+          </p:cNvPicPr>
+          <p:nvPr/>
+        </p:nvPicPr>
+        <p:blipFill>
+          <a:blip r:embed="rId5"/>
+          <a:stretch>
+            <a:fillRect/>
+          </a:stretch>
+        </p:blipFill>
+        <p:spPr>
+          <a:xfrm>
+            <a:off x="4514850" y="4141832"/>
+            <a:ext cx="6791325" cy="2198278"/>
+          </a:xfrm>
+          <a:prstGeom prst="rect">
+            <a:avLst/>
+          </a:prstGeom>
+        </p:spPr>
+      </p:pic>
+      <p:pic>
+        <p:nvPicPr>
+          <p:cNvPr id="2050" name="Picture 2" descr="__0709_training_loss.png">
+            <a:extLst>
+              <a:ext uri="{FF2B5EF4-FFF2-40B4-BE49-F238E27FC236}">
+                <a16:creationId xmlns:a16="http://schemas.microsoft.com/office/drawing/2014/main" id="{7C717B30-6600-4015-8684-1BBEA58D3163}"/>
+              </a:ext>
+            </a:extLst>
+          </p:cNvPr>
+          <p:cNvPicPr>
+            <a:picLocks noChangeAspect="1" noChangeArrowheads="1"/>
+          </p:cNvPicPr>
+          <p:nvPr/>
+        </p:nvPicPr>
+        <p:blipFill>
+          <a:blip r:embed="rId6">
+            <a:extLst>
+              <a:ext uri="{28A0092B-C50C-407E-A947-70E740481C1C}">
+                <a14:useLocalDpi xmlns:a14="http://schemas.microsoft.com/office/drawing/2010/main" val="0"/>
+              </a:ext>
+            </a:extLst>
+          </a:blip>
+          <a:srcRect/>
+          <a:stretch>
+            <a:fillRect/>
+          </a:stretch>
+        </p:blipFill>
+        <p:spPr bwMode="auto">
+          <a:xfrm>
+            <a:off x="4514850" y="1532365"/>
+            <a:ext cx="6791325" cy="1907528"/>
+          </a:xfrm>
+          <a:prstGeom prst="rect">
+            <a:avLst/>
+          </a:prstGeom>
+          <a:noFill/>
+          <a:extLst>
+            <a:ext uri="{909E8E84-426E-40DD-AFC4-6F175D3DCCD1}">
+              <a14:hiddenFill xmlns:a14="http://schemas.microsoft.com/office/drawing/2010/main">
+                <a:solidFill>
+                  <a:srgbClr val="FFFFFF"/>
+                </a:solidFill>
+              </a14:hiddenFill>
+            </a:ext>
+          </a:extLst>
+        </p:spPr>
+      </p:pic>
     </p:spTree>
     <p:extLst>
       <p:ext uri="{BB962C8B-B14F-4D97-AF65-F5344CB8AC3E}">

--- a/1st_week/Seminar_1st_week_1.2(backbone+).pptx
+++ b/1st_week/Seminar_1st_week_1.2(backbone+).pptx
@@ -203,7 +203,7 @@
           <a:p>
             <a:fld id="{EFCF099A-8213-430B-9E0F-52BF6640CED2}" type="datetimeFigureOut">
               <a:rPr lang="ko-KR" altLang="en-US" smtClean="0"/>
-              <a:t>2021-07-08</a:t>
+              <a:t>2021-07-12</a:t>
             </a:fld>
             <a:endParaRPr lang="ko-KR" altLang="en-US"/>
           </a:p>
@@ -871,7 +871,7 @@
           <a:p>
             <a:fld id="{98BA4419-7256-9D4C-9459-57C795D7590D}" type="datetimeFigureOut">
               <a:rPr kumimoji="1" lang="ko-Kore-KR" altLang="en-US" smtClean="0"/>
-              <a:t>07/08/2021</a:t>
+              <a:t>07/12/2021</a:t>
             </a:fld>
             <a:endParaRPr kumimoji="1" lang="ko-Kore-KR" altLang="en-US"/>
           </a:p>
@@ -1071,7 +1071,7 @@
           <a:p>
             <a:fld id="{98BA4419-7256-9D4C-9459-57C795D7590D}" type="datetimeFigureOut">
               <a:rPr kumimoji="1" lang="ko-Kore-KR" altLang="en-US" smtClean="0"/>
-              <a:t>07/08/2021</a:t>
+              <a:t>07/12/2021</a:t>
             </a:fld>
             <a:endParaRPr kumimoji="1" lang="ko-Kore-KR" altLang="en-US"/>
           </a:p>
@@ -1281,7 +1281,7 @@
           <a:p>
             <a:fld id="{98BA4419-7256-9D4C-9459-57C795D7590D}" type="datetimeFigureOut">
               <a:rPr kumimoji="1" lang="ko-Kore-KR" altLang="en-US" smtClean="0"/>
-              <a:t>07/08/2021</a:t>
+              <a:t>07/12/2021</a:t>
             </a:fld>
             <a:endParaRPr kumimoji="1" lang="ko-Kore-KR" altLang="en-US"/>
           </a:p>
@@ -1481,7 +1481,7 @@
           <a:p>
             <a:fld id="{98BA4419-7256-9D4C-9459-57C795D7590D}" type="datetimeFigureOut">
               <a:rPr kumimoji="1" lang="ko-Kore-KR" altLang="en-US" smtClean="0"/>
-              <a:t>07/08/2021</a:t>
+              <a:t>07/12/2021</a:t>
             </a:fld>
             <a:endParaRPr kumimoji="1" lang="ko-Kore-KR" altLang="en-US"/>
           </a:p>
@@ -1757,7 +1757,7 @@
           <a:p>
             <a:fld id="{98BA4419-7256-9D4C-9459-57C795D7590D}" type="datetimeFigureOut">
               <a:rPr kumimoji="1" lang="ko-Kore-KR" altLang="en-US" smtClean="0"/>
-              <a:t>07/08/2021</a:t>
+              <a:t>07/12/2021</a:t>
             </a:fld>
             <a:endParaRPr kumimoji="1" lang="ko-Kore-KR" altLang="en-US"/>
           </a:p>
@@ -2025,7 +2025,7 @@
           <a:p>
             <a:fld id="{98BA4419-7256-9D4C-9459-57C795D7590D}" type="datetimeFigureOut">
               <a:rPr kumimoji="1" lang="ko-Kore-KR" altLang="en-US" smtClean="0"/>
-              <a:t>07/08/2021</a:t>
+              <a:t>07/12/2021</a:t>
             </a:fld>
             <a:endParaRPr kumimoji="1" lang="ko-Kore-KR" altLang="en-US"/>
           </a:p>
@@ -2440,7 +2440,7 @@
           <a:p>
             <a:fld id="{98BA4419-7256-9D4C-9459-57C795D7590D}" type="datetimeFigureOut">
               <a:rPr kumimoji="1" lang="ko-Kore-KR" altLang="en-US" smtClean="0"/>
-              <a:t>07/08/2021</a:t>
+              <a:t>07/12/2021</a:t>
             </a:fld>
             <a:endParaRPr kumimoji="1" lang="ko-Kore-KR" altLang="en-US"/>
           </a:p>
@@ -2582,7 +2582,7 @@
           <a:p>
             <a:fld id="{98BA4419-7256-9D4C-9459-57C795D7590D}" type="datetimeFigureOut">
               <a:rPr kumimoji="1" lang="ko-Kore-KR" altLang="en-US" smtClean="0"/>
-              <a:t>07/08/2021</a:t>
+              <a:t>07/12/2021</a:t>
             </a:fld>
             <a:endParaRPr kumimoji="1" lang="ko-Kore-KR" altLang="en-US"/>
           </a:p>
@@ -2695,7 +2695,7 @@
           <a:p>
             <a:fld id="{98BA4419-7256-9D4C-9459-57C795D7590D}" type="datetimeFigureOut">
               <a:rPr kumimoji="1" lang="ko-Kore-KR" altLang="en-US" smtClean="0"/>
-              <a:t>07/08/2021</a:t>
+              <a:t>07/12/2021</a:t>
             </a:fld>
             <a:endParaRPr kumimoji="1" lang="ko-Kore-KR" altLang="en-US"/>
           </a:p>
@@ -3008,7 +3008,7 @@
           <a:p>
             <a:fld id="{98BA4419-7256-9D4C-9459-57C795D7590D}" type="datetimeFigureOut">
               <a:rPr kumimoji="1" lang="ko-Kore-KR" altLang="en-US" smtClean="0"/>
-              <a:t>07/08/2021</a:t>
+              <a:t>07/12/2021</a:t>
             </a:fld>
             <a:endParaRPr kumimoji="1" lang="ko-Kore-KR" altLang="en-US"/>
           </a:p>
@@ -3297,7 +3297,7 @@
           <a:p>
             <a:fld id="{98BA4419-7256-9D4C-9459-57C795D7590D}" type="datetimeFigureOut">
               <a:rPr kumimoji="1" lang="ko-Kore-KR" altLang="en-US" smtClean="0"/>
-              <a:t>07/08/2021</a:t>
+              <a:t>07/12/2021</a:t>
             </a:fld>
             <a:endParaRPr kumimoji="1" lang="ko-Kore-KR" altLang="en-US"/>
           </a:p>
@@ -3540,7 +3540,7 @@
           <a:p>
             <a:fld id="{98BA4419-7256-9D4C-9459-57C795D7590D}" type="datetimeFigureOut">
               <a:rPr kumimoji="1" lang="ko-Kore-KR" altLang="en-US" smtClean="0"/>
-              <a:t>07/08/2021</a:t>
+              <a:t>07/12/2021</a:t>
             </a:fld>
             <a:endParaRPr kumimoji="1" lang="ko-Kore-KR" altLang="en-US"/>
           </a:p>
@@ -4151,7 +4151,7 @@
                 <a:latin typeface="Malgun Gothic" panose="020B0503020000020004" pitchFamily="34" charset="-127"/>
                 <a:ea typeface="Malgun Gothic" panose="020B0503020000020004" pitchFamily="34" charset="-127"/>
               </a:rPr>
-              <a:t>2021. 07. 09 </a:t>
+              <a:t>2021. 07. 12 </a:t>
             </a:r>
             <a:r>
               <a:rPr kumimoji="1" lang="ko-KR" altLang="en-US" sz="2000" b="1" spc="-150" dirty="0">
@@ -14154,7 +14154,7 @@
           <p:nvPr>
             <p:extLst>
               <p:ext uri="{D42A27DB-BD31-4B8C-83A1-F6EECF244321}">
-                <p14:modId xmlns:p14="http://schemas.microsoft.com/office/powerpoint/2010/main" val="4066137485"/>
+                <p14:modId xmlns:p14="http://schemas.microsoft.com/office/powerpoint/2010/main" val="2521499634"/>
               </p:ext>
             </p:extLst>
           </p:nvPr>
@@ -15000,7 +15000,23 @@
                             <a:schemeClr val="tx1"/>
                           </a:solidFill>
                         </a:rPr>
-                        <a:t>– V(n), </a:t>
+                        <a:t>– v1, SSD, FPN, </a:t>
+                      </a:r>
+                      <a:r>
+                        <a:rPr lang="en-US" altLang="ko-KR" sz="2000" b="0" dirty="0" err="1">
+                          <a:solidFill>
+                            <a:schemeClr val="tx1"/>
+                          </a:solidFill>
+                        </a:rPr>
+                        <a:t>EfficientNet</a:t>
+                      </a:r>
+                      <a:r>
+                        <a:rPr lang="en-US" altLang="ko-KR" sz="2000" b="0" dirty="0">
+                          <a:solidFill>
+                            <a:schemeClr val="tx1"/>
+                          </a:solidFill>
+                        </a:rPr>
+                        <a:t>, </a:t>
                       </a:r>
                       <a:r>
                         <a:rPr lang="en-US" altLang="ko-KR" sz="2000" b="0" dirty="0" err="1">
@@ -15017,6 +15033,28 @@
                           </a:solidFill>
                         </a:rPr>
                         <a:t>)</a:t>
+                      </a:r>
+                    </a:p>
+                    <a:p>
+                      <a:pPr marL="0" indent="0" latinLnBrk="1">
+                        <a:buFont typeface="Arial" panose="020B0604020202020204" pitchFamily="34" charset="0"/>
+                        <a:buNone/>
+                      </a:pPr>
+                      <a:r>
+                        <a:rPr lang="ko-KR" altLang="en-US" sz="2000" b="0" dirty="0">
+                          <a:solidFill>
+                            <a:schemeClr val="tx1"/>
+                          </a:solidFill>
+                        </a:rPr>
+                        <a:t>이정도는 </a:t>
+                      </a:r>
+                      <a:r>
+                        <a:rPr lang="ko-KR" altLang="en-US" sz="2000" b="0" dirty="0" err="1">
+                          <a:solidFill>
+                            <a:schemeClr val="tx1"/>
+                          </a:solidFill>
+                        </a:rPr>
+                        <a:t>ㅈ밥이지</a:t>
                       </a:r>
                       <a:endParaRPr lang="ko-KR" altLang="en-US" sz="2000" dirty="0">
                         <a:solidFill>
@@ -15139,20 +15177,12 @@
                         <a:buChar char="•"/>
                       </a:pPr>
                       <a:r>
-                        <a:rPr lang="ko-KR" altLang="en-US" sz="2000" b="0" dirty="0" err="1">
-                          <a:solidFill>
-                            <a:schemeClr val="tx1"/>
-                          </a:solidFill>
-                        </a:rPr>
-                        <a:t>백본</a:t>
-                      </a:r>
-                      <a:r>
                         <a:rPr lang="ko-KR" altLang="en-US" sz="2000" b="0" dirty="0">
                           <a:solidFill>
                             <a:schemeClr val="tx1"/>
                           </a:solidFill>
                         </a:rPr>
-                        <a:t> 바꿔가면서</a:t>
+                        <a:t>백본 바꿔가면서</a:t>
                       </a:r>
                       <a:endParaRPr lang="en-US" altLang="ko-KR" sz="2000" b="0" dirty="0">
                         <a:solidFill>
@@ -15218,6 +15248,68 @@
                           </a:solidFill>
                         </a:rPr>
                         <a:t>결과비교</a:t>
+                      </a:r>
+                      <a:r>
+                        <a:rPr lang="en-US" altLang="ko-KR" sz="2000" b="0" dirty="0">
+                          <a:solidFill>
+                            <a:schemeClr val="tx1"/>
+                          </a:solidFill>
+                        </a:rPr>
+                        <a:t>)</a:t>
+                      </a:r>
+                    </a:p>
+                    <a:p>
+                      <a:pPr marL="342900" indent="-342900" latinLnBrk="1">
+                        <a:buFont typeface="Arial" panose="020B0604020202020204" pitchFamily="34" charset="0"/>
+                        <a:buChar char="•"/>
+                      </a:pPr>
+                      <a:r>
+                        <a:rPr lang="ko-KR" altLang="en-US" sz="2000" b="0" dirty="0">
+                          <a:solidFill>
+                            <a:schemeClr val="tx1"/>
+                          </a:solidFill>
+                        </a:rPr>
+                        <a:t>실습모델에 </a:t>
+                      </a:r>
+                      <a:r>
+                        <a:rPr lang="en-US" altLang="ko-KR" sz="2000" b="0" dirty="0" err="1">
+                          <a:solidFill>
+                            <a:schemeClr val="tx1"/>
+                          </a:solidFill>
+                        </a:rPr>
+                        <a:t>train,val</a:t>
+                      </a:r>
+                      <a:r>
+                        <a:rPr lang="en-US" altLang="ko-KR" sz="2000" b="0" dirty="0">
+                          <a:solidFill>
+                            <a:schemeClr val="tx1"/>
+                          </a:solidFill>
+                        </a:rPr>
+                        <a:t> loss </a:t>
+                      </a:r>
+                      <a:r>
+                        <a:rPr lang="ko-KR" altLang="en-US" sz="2000" b="0" dirty="0">
+                          <a:solidFill>
+                            <a:schemeClr val="tx1"/>
+                          </a:solidFill>
+                        </a:rPr>
+                        <a:t>추출 </a:t>
+                      </a:r>
+                      <a:r>
+                        <a:rPr lang="en-US" altLang="ko-KR" sz="2000" b="0" dirty="0">
+                          <a:solidFill>
+                            <a:schemeClr val="tx1"/>
+                          </a:solidFill>
+                        </a:rPr>
+                        <a:t>(step</a:t>
+                      </a:r>
+                      <a:r>
+                        <a:rPr lang="ko-KR" altLang="en-US" sz="2000" b="0" dirty="0">
+                          <a:solidFill>
+                            <a:schemeClr val="tx1"/>
+                          </a:solidFill>
+                        </a:rPr>
+                        <a:t>별로</a:t>
                       </a:r>
                       <a:r>
                         <a:rPr lang="en-US" altLang="ko-KR" sz="2000" b="0" dirty="0">
